--- a/moockup.pptx
+++ b/moockup.pptx
@@ -5,7 +5,7 @@
     <p:sldMasterId id="2147483648" r:id="rId1"/>
   </p:sldMasterIdLst>
   <p:notesMasterIdLst>
-    <p:notesMasterId r:id="rId15"/>
+    <p:notesMasterId r:id="rId18"/>
   </p:notesMasterIdLst>
   <p:sldIdLst>
     <p:sldId id="256" r:id="rId2"/>
@@ -13,14 +13,17 @@
     <p:sldId id="261" r:id="rId4"/>
     <p:sldId id="268" r:id="rId5"/>
     <p:sldId id="269" r:id="rId6"/>
-    <p:sldId id="264" r:id="rId7"/>
-    <p:sldId id="262" r:id="rId8"/>
-    <p:sldId id="270" r:id="rId9"/>
-    <p:sldId id="271" r:id="rId10"/>
-    <p:sldId id="265" r:id="rId11"/>
-    <p:sldId id="258" r:id="rId12"/>
-    <p:sldId id="263" r:id="rId13"/>
-    <p:sldId id="266" r:id="rId14"/>
+    <p:sldId id="272" r:id="rId7"/>
+    <p:sldId id="264" r:id="rId8"/>
+    <p:sldId id="262" r:id="rId9"/>
+    <p:sldId id="270" r:id="rId10"/>
+    <p:sldId id="271" r:id="rId11"/>
+    <p:sldId id="265" r:id="rId12"/>
+    <p:sldId id="273" r:id="rId13"/>
+    <p:sldId id="258" r:id="rId14"/>
+    <p:sldId id="263" r:id="rId15"/>
+    <p:sldId id="266" r:id="rId16"/>
+    <p:sldId id="274" r:id="rId17"/>
   </p:sldIdLst>
   <p:sldSz cx="12192000" cy="6858000"/>
   <p:notesSz cx="6858000" cy="9144000"/>
@@ -130,701 +133,9 @@
 <file path=ppt/revisionInfo.xml><?xml version="1.0" encoding="utf-8"?>
 <p1510:revInfo xmlns:a="http://schemas.openxmlformats.org/drawingml/2006/main" xmlns:r="http://schemas.openxmlformats.org/officeDocument/2006/relationships" xmlns:p1510="http://schemas.microsoft.com/office/powerpoint/2015/10/main">
   <p1510:revLst>
-    <p1510:client id="{2C0230F9-866C-4500-9CCD-92FFF96CE973}" v="63" dt="2022-10-30T15:38:38.149"/>
+    <p1510:client id="{4693E0CB-91EB-4F36-BBF0-A870068B42C1}" v="5" dt="2022-11-13T13:09:39.829"/>
   </p1510:revLst>
 </p1510:revInfo>
-</file>
-
-<file path=ppt/changesInfos/changesInfo1.xml><?xml version="1.0" encoding="utf-8"?>
-<pc:chgInfo xmlns:a="http://schemas.openxmlformats.org/drawingml/2006/main" xmlns:r="http://schemas.openxmlformats.org/officeDocument/2006/relationships" xmlns:ac="http://schemas.microsoft.com/office/drawing/2013/main/command" xmlns:pc="http://schemas.microsoft.com/office/powerpoint/2013/main/command">
-  <pc:docChgLst>
-    <pc:chgData name="Rubén Minero Lorenzo" userId="42155b0b-f3c9-472a-939e-7e3fe1d7b97b" providerId="ADAL" clId="{2C0230F9-866C-4500-9CCD-92FFF96CE973}"/>
-    <pc:docChg chg="undo custSel addSld delSld modSld sldOrd">
-      <pc:chgData name="Rubén Minero Lorenzo" userId="42155b0b-f3c9-472a-939e-7e3fe1d7b97b" providerId="ADAL" clId="{2C0230F9-866C-4500-9CCD-92FFF96CE973}" dt="2022-10-30T15:39:14.447" v="1197" actId="1076"/>
-      <pc:docMkLst>
-        <pc:docMk/>
-      </pc:docMkLst>
-      <pc:sldChg chg="modSp del mod">
-        <pc:chgData name="Rubén Minero Lorenzo" userId="42155b0b-f3c9-472a-939e-7e3fe1d7b97b" providerId="ADAL" clId="{2C0230F9-866C-4500-9CCD-92FFF96CE973}" dt="2022-10-30T15:15:40.103" v="411" actId="2696"/>
-        <pc:sldMkLst>
-          <pc:docMk/>
-          <pc:sldMk cId="418200292" sldId="257"/>
-        </pc:sldMkLst>
-        <pc:spChg chg="mod">
-          <ac:chgData name="Rubén Minero Lorenzo" userId="42155b0b-f3c9-472a-939e-7e3fe1d7b97b" providerId="ADAL" clId="{2C0230F9-866C-4500-9CCD-92FFF96CE973}" dt="2022-10-30T14:55:45.706" v="10" actId="20577"/>
-          <ac:spMkLst>
-            <pc:docMk/>
-            <pc:sldMk cId="418200292" sldId="257"/>
-            <ac:spMk id="29" creationId="{15F9DC28-23C0-427C-B3AB-B32C3CD694A4}"/>
-          </ac:spMkLst>
-        </pc:spChg>
-        <pc:spChg chg="mod">
-          <ac:chgData name="Rubén Minero Lorenzo" userId="42155b0b-f3c9-472a-939e-7e3fe1d7b97b" providerId="ADAL" clId="{2C0230F9-866C-4500-9CCD-92FFF96CE973}" dt="2022-10-30T14:55:47.721" v="11" actId="20577"/>
-          <ac:spMkLst>
-            <pc:docMk/>
-            <pc:sldMk cId="418200292" sldId="257"/>
-            <ac:spMk id="39" creationId="{764A5DF9-5A35-410C-90CA-394B2117A7E2}"/>
-          </ac:spMkLst>
-        </pc:spChg>
-        <pc:spChg chg="mod">
-          <ac:chgData name="Rubén Minero Lorenzo" userId="42155b0b-f3c9-472a-939e-7e3fe1d7b97b" providerId="ADAL" clId="{2C0230F9-866C-4500-9CCD-92FFF96CE973}" dt="2022-10-30T14:55:56.483" v="31" actId="20577"/>
-          <ac:spMkLst>
-            <pc:docMk/>
-            <pc:sldMk cId="418200292" sldId="257"/>
-            <ac:spMk id="46" creationId="{7FBCD3FE-9D19-4C03-B7FC-76FFA181598C}"/>
-          </ac:spMkLst>
-        </pc:spChg>
-        <pc:cxnChg chg="mod">
-          <ac:chgData name="Rubén Minero Lorenzo" userId="42155b0b-f3c9-472a-939e-7e3fe1d7b97b" providerId="ADAL" clId="{2C0230F9-866C-4500-9CCD-92FFF96CE973}" dt="2022-10-30T14:56:23.401" v="34" actId="14100"/>
-          <ac:cxnSpMkLst>
-            <pc:docMk/>
-            <pc:sldMk cId="418200292" sldId="257"/>
-            <ac:cxnSpMk id="17" creationId="{38128733-AD82-4ECB-B1A3-F7AB4256190F}"/>
-          </ac:cxnSpMkLst>
-        </pc:cxnChg>
-        <pc:cxnChg chg="mod">
-          <ac:chgData name="Rubén Minero Lorenzo" userId="42155b0b-f3c9-472a-939e-7e3fe1d7b97b" providerId="ADAL" clId="{2C0230F9-866C-4500-9CCD-92FFF96CE973}" dt="2022-10-30T10:47:27.600" v="0" actId="1076"/>
-          <ac:cxnSpMkLst>
-            <pc:docMk/>
-            <pc:sldMk cId="418200292" sldId="257"/>
-            <ac:cxnSpMk id="23" creationId="{3E6375B5-613C-45E4-8644-972B9BBDF2E5}"/>
-          </ac:cxnSpMkLst>
-        </pc:cxnChg>
-      </pc:sldChg>
-      <pc:sldChg chg="addSp delSp modSp mod">
-        <pc:chgData name="Rubén Minero Lorenzo" userId="42155b0b-f3c9-472a-939e-7e3fe1d7b97b" providerId="ADAL" clId="{2C0230F9-866C-4500-9CCD-92FFF96CE973}" dt="2022-10-30T15:25:39.812" v="733" actId="20577"/>
-        <pc:sldMkLst>
-          <pc:docMk/>
-          <pc:sldMk cId="2131092713" sldId="258"/>
-        </pc:sldMkLst>
-        <pc:spChg chg="add del mod">
-          <ac:chgData name="Rubén Minero Lorenzo" userId="42155b0b-f3c9-472a-939e-7e3fe1d7b97b" providerId="ADAL" clId="{2C0230F9-866C-4500-9CCD-92FFF96CE973}" dt="2022-10-30T15:21:38.028" v="629" actId="1076"/>
-          <ac:spMkLst>
-            <pc:docMk/>
-            <pc:sldMk cId="2131092713" sldId="258"/>
-            <ac:spMk id="4" creationId="{AA904F9A-BA53-451F-AE86-711975138345}"/>
-          </ac:spMkLst>
-        </pc:spChg>
-        <pc:spChg chg="mod">
-          <ac:chgData name="Rubén Minero Lorenzo" userId="42155b0b-f3c9-472a-939e-7e3fe1d7b97b" providerId="ADAL" clId="{2C0230F9-866C-4500-9CCD-92FFF96CE973}" dt="2022-10-30T15:21:28.966" v="628" actId="20577"/>
-          <ac:spMkLst>
-            <pc:docMk/>
-            <pc:sldMk cId="2131092713" sldId="258"/>
-            <ac:spMk id="10" creationId="{1DDC4230-3F62-469E-9DA0-F3F9D1EFE7A6}"/>
-          </ac:spMkLst>
-        </pc:spChg>
-        <pc:spChg chg="del">
-          <ac:chgData name="Rubén Minero Lorenzo" userId="42155b0b-f3c9-472a-939e-7e3fe1d7b97b" providerId="ADAL" clId="{2C0230F9-866C-4500-9CCD-92FFF96CE973}" dt="2022-10-30T15:19:52.189" v="551" actId="478"/>
-          <ac:spMkLst>
-            <pc:docMk/>
-            <pc:sldMk cId="2131092713" sldId="258"/>
-            <ac:spMk id="11" creationId="{0B0AEFCA-7E18-4655-9AD1-ECA6A5E86E32}"/>
-          </ac:spMkLst>
-        </pc:spChg>
-        <pc:spChg chg="del mod">
-          <ac:chgData name="Rubén Minero Lorenzo" userId="42155b0b-f3c9-472a-939e-7e3fe1d7b97b" providerId="ADAL" clId="{2C0230F9-866C-4500-9CCD-92FFF96CE973}" dt="2022-10-30T15:19:41.674" v="540" actId="478"/>
-          <ac:spMkLst>
-            <pc:docMk/>
-            <pc:sldMk cId="2131092713" sldId="258"/>
-            <ac:spMk id="12" creationId="{628040B1-454C-479D-A0B1-61770FC2324E}"/>
-          </ac:spMkLst>
-        </pc:spChg>
-        <pc:spChg chg="del mod">
-          <ac:chgData name="Rubén Minero Lorenzo" userId="42155b0b-f3c9-472a-939e-7e3fe1d7b97b" providerId="ADAL" clId="{2C0230F9-866C-4500-9CCD-92FFF96CE973}" dt="2022-10-30T15:19:47.756" v="546" actId="478"/>
-          <ac:spMkLst>
-            <pc:docMk/>
-            <pc:sldMk cId="2131092713" sldId="258"/>
-            <ac:spMk id="13" creationId="{7D23CB0B-4AEA-4FD9-843D-093C3D1343A6}"/>
-          </ac:spMkLst>
-        </pc:spChg>
-        <pc:spChg chg="del mod">
-          <ac:chgData name="Rubén Minero Lorenzo" userId="42155b0b-f3c9-472a-939e-7e3fe1d7b97b" providerId="ADAL" clId="{2C0230F9-866C-4500-9CCD-92FFF96CE973}" dt="2022-10-30T15:19:50.793" v="550" actId="478"/>
-          <ac:spMkLst>
-            <pc:docMk/>
-            <pc:sldMk cId="2131092713" sldId="258"/>
-            <ac:spMk id="14" creationId="{87C47090-19C7-464B-916E-769BDC47889A}"/>
-          </ac:spMkLst>
-        </pc:spChg>
-        <pc:spChg chg="add mod">
-          <ac:chgData name="Rubén Minero Lorenzo" userId="42155b0b-f3c9-472a-939e-7e3fe1d7b97b" providerId="ADAL" clId="{2C0230F9-866C-4500-9CCD-92FFF96CE973}" dt="2022-10-30T15:20:58.051" v="585" actId="1076"/>
-          <ac:spMkLst>
-            <pc:docMk/>
-            <pc:sldMk cId="2131092713" sldId="258"/>
-            <ac:spMk id="15" creationId="{5F854D62-BEB4-471D-8449-8713D718875A}"/>
-          </ac:spMkLst>
-        </pc:spChg>
-        <pc:spChg chg="add mod">
-          <ac:chgData name="Rubén Minero Lorenzo" userId="42155b0b-f3c9-472a-939e-7e3fe1d7b97b" providerId="ADAL" clId="{2C0230F9-866C-4500-9CCD-92FFF96CE973}" dt="2022-10-30T15:25:39.812" v="733" actId="20577"/>
-          <ac:spMkLst>
-            <pc:docMk/>
-            <pc:sldMk cId="2131092713" sldId="258"/>
-            <ac:spMk id="21" creationId="{DC7700E4-1C37-4CB5-ACC0-936163F6C6FF}"/>
-          </ac:spMkLst>
-        </pc:spChg>
-        <pc:cxnChg chg="del">
-          <ac:chgData name="Rubén Minero Lorenzo" userId="42155b0b-f3c9-472a-939e-7e3fe1d7b97b" providerId="ADAL" clId="{2C0230F9-866C-4500-9CCD-92FFF96CE973}" dt="2022-10-30T15:19:49.482" v="548" actId="478"/>
-          <ac:cxnSpMkLst>
-            <pc:docMk/>
-            <pc:sldMk cId="2131092713" sldId="258"/>
-            <ac:cxnSpMk id="3" creationId="{82DCD92F-EFD3-4CB9-94B8-A77F6EB9A399}"/>
-          </ac:cxnSpMkLst>
-        </pc:cxnChg>
-        <pc:cxnChg chg="del">
-          <ac:chgData name="Rubén Minero Lorenzo" userId="42155b0b-f3c9-472a-939e-7e3fe1d7b97b" providerId="ADAL" clId="{2C0230F9-866C-4500-9CCD-92FFF96CE973}" dt="2022-10-30T15:19:42.658" v="541" actId="478"/>
-          <ac:cxnSpMkLst>
-            <pc:docMk/>
-            <pc:sldMk cId="2131092713" sldId="258"/>
-            <ac:cxnSpMk id="16" creationId="{B119C291-9069-4D6B-A0B7-1412579B1D5E}"/>
-          </ac:cxnSpMkLst>
-        </pc:cxnChg>
-        <pc:cxnChg chg="del">
-          <ac:chgData name="Rubén Minero Lorenzo" userId="42155b0b-f3c9-472a-939e-7e3fe1d7b97b" providerId="ADAL" clId="{2C0230F9-866C-4500-9CCD-92FFF96CE973}" dt="2022-10-30T15:19:48.593" v="547" actId="478"/>
-          <ac:cxnSpMkLst>
-            <pc:docMk/>
-            <pc:sldMk cId="2131092713" sldId="258"/>
-            <ac:cxnSpMk id="17" creationId="{605E475E-E2CA-4A24-8246-A6E09D3BE192}"/>
-          </ac:cxnSpMkLst>
-        </pc:cxnChg>
-        <pc:cxnChg chg="del">
-          <ac:chgData name="Rubén Minero Lorenzo" userId="42155b0b-f3c9-472a-939e-7e3fe1d7b97b" providerId="ADAL" clId="{2C0230F9-866C-4500-9CCD-92FFF96CE973}" dt="2022-10-30T15:19:36.356" v="535" actId="478"/>
-          <ac:cxnSpMkLst>
-            <pc:docMk/>
-            <pc:sldMk cId="2131092713" sldId="258"/>
-            <ac:cxnSpMk id="18" creationId="{A332A38F-D9D0-42AF-8FE8-32C09D058719}"/>
-          </ac:cxnSpMkLst>
-        </pc:cxnChg>
-        <pc:cxnChg chg="del">
-          <ac:chgData name="Rubén Minero Lorenzo" userId="42155b0b-f3c9-472a-939e-7e3fe1d7b97b" providerId="ADAL" clId="{2C0230F9-866C-4500-9CCD-92FFF96CE973}" dt="2022-10-30T15:19:40.441" v="538" actId="478"/>
-          <ac:cxnSpMkLst>
-            <pc:docMk/>
-            <pc:sldMk cId="2131092713" sldId="258"/>
-            <ac:cxnSpMk id="19" creationId="{C0272864-6F08-469A-95AF-1A3C6EE59BA4}"/>
-          </ac:cxnSpMkLst>
-        </pc:cxnChg>
-        <pc:cxnChg chg="del">
-          <ac:chgData name="Rubén Minero Lorenzo" userId="42155b0b-f3c9-472a-939e-7e3fe1d7b97b" providerId="ADAL" clId="{2C0230F9-866C-4500-9CCD-92FFF96CE973}" dt="2022-10-30T15:19:53.005" v="552" actId="478"/>
-          <ac:cxnSpMkLst>
-            <pc:docMk/>
-            <pc:sldMk cId="2131092713" sldId="258"/>
-            <ac:cxnSpMk id="20" creationId="{194AC17C-F685-49C4-A5F0-C5427E1854A1}"/>
-          </ac:cxnSpMkLst>
-        </pc:cxnChg>
-      </pc:sldChg>
-      <pc:sldChg chg="modSp del mod">
-        <pc:chgData name="Rubén Minero Lorenzo" userId="42155b0b-f3c9-472a-939e-7e3fe1d7b97b" providerId="ADAL" clId="{2C0230F9-866C-4500-9CCD-92FFF96CE973}" dt="2022-10-30T15:25:53.061" v="734" actId="47"/>
-        <pc:sldMkLst>
-          <pc:docMk/>
-          <pc:sldMk cId="3588863351" sldId="259"/>
-        </pc:sldMkLst>
-        <pc:spChg chg="mod">
-          <ac:chgData name="Rubén Minero Lorenzo" userId="42155b0b-f3c9-472a-939e-7e3fe1d7b97b" providerId="ADAL" clId="{2C0230F9-866C-4500-9CCD-92FFF96CE973}" dt="2022-10-30T10:47:34.568" v="1" actId="1076"/>
-          <ac:spMkLst>
-            <pc:docMk/>
-            <pc:sldMk cId="3588863351" sldId="259"/>
-            <ac:spMk id="10" creationId="{1DDC4230-3F62-469E-9DA0-F3F9D1EFE7A6}"/>
-          </ac:spMkLst>
-        </pc:spChg>
-      </pc:sldChg>
-      <pc:sldChg chg="addSp delSp modSp add del mod">
-        <pc:chgData name="Rubén Minero Lorenzo" userId="42155b0b-f3c9-472a-939e-7e3fe1d7b97b" providerId="ADAL" clId="{2C0230F9-866C-4500-9CCD-92FFF96CE973}" dt="2022-10-30T15:12:24.952" v="341" actId="2696"/>
-        <pc:sldMkLst>
-          <pc:docMk/>
-          <pc:sldMk cId="3412993549" sldId="260"/>
-        </pc:sldMkLst>
-        <pc:spChg chg="add del mod">
-          <ac:chgData name="Rubén Minero Lorenzo" userId="42155b0b-f3c9-472a-939e-7e3fe1d7b97b" providerId="ADAL" clId="{2C0230F9-866C-4500-9CCD-92FFF96CE973}" dt="2022-10-30T15:07:43.151" v="312" actId="692"/>
-          <ac:spMkLst>
-            <pc:docMk/>
-            <pc:sldMk cId="3412993549" sldId="260"/>
-            <ac:spMk id="4" creationId="{AA904F9A-BA53-451F-AE86-711975138345}"/>
-          </ac:spMkLst>
-        </pc:spChg>
-        <pc:spChg chg="del">
-          <ac:chgData name="Rubén Minero Lorenzo" userId="42155b0b-f3c9-472a-939e-7e3fe1d7b97b" providerId="ADAL" clId="{2C0230F9-866C-4500-9CCD-92FFF96CE973}" dt="2022-10-30T15:02:47.663" v="223" actId="478"/>
-          <ac:spMkLst>
-            <pc:docMk/>
-            <pc:sldMk cId="3412993549" sldId="260"/>
-            <ac:spMk id="27" creationId="{4E39E5BA-8EBF-4335-A297-D18C803A43CB}"/>
-          </ac:spMkLst>
-        </pc:spChg>
-        <pc:spChg chg="del mod">
-          <ac:chgData name="Rubén Minero Lorenzo" userId="42155b0b-f3c9-472a-939e-7e3fe1d7b97b" providerId="ADAL" clId="{2C0230F9-866C-4500-9CCD-92FFF96CE973}" dt="2022-10-30T15:00:25.701" v="117"/>
-          <ac:spMkLst>
-            <pc:docMk/>
-            <pc:sldMk cId="3412993549" sldId="260"/>
-            <ac:spMk id="28" creationId="{4684C8FA-7ACB-4FDF-B864-F8B7A36EEF95}"/>
-          </ac:spMkLst>
-        </pc:spChg>
-        <pc:spChg chg="mod">
-          <ac:chgData name="Rubén Minero Lorenzo" userId="42155b0b-f3c9-472a-939e-7e3fe1d7b97b" providerId="ADAL" clId="{2C0230F9-866C-4500-9CCD-92FFF96CE973}" dt="2022-10-30T14:59:53.568" v="86" actId="21"/>
-          <ac:spMkLst>
-            <pc:docMk/>
-            <pc:sldMk cId="3412993549" sldId="260"/>
-            <ac:spMk id="29" creationId="{15F9DC28-23C0-427C-B3AB-B32C3CD694A4}"/>
-          </ac:spMkLst>
-        </pc:spChg>
-        <pc:spChg chg="del mod">
-          <ac:chgData name="Rubén Minero Lorenzo" userId="42155b0b-f3c9-472a-939e-7e3fe1d7b97b" providerId="ADAL" clId="{2C0230F9-866C-4500-9CCD-92FFF96CE973}" dt="2022-10-30T15:00:25.700" v="115"/>
-          <ac:spMkLst>
-            <pc:docMk/>
-            <pc:sldMk cId="3412993549" sldId="260"/>
-            <ac:spMk id="30" creationId="{B7677407-71B6-4402-AEB0-1DFBE94A7F6A}"/>
-          </ac:spMkLst>
-        </pc:spChg>
-        <pc:spChg chg="del mod">
-          <ac:chgData name="Rubén Minero Lorenzo" userId="42155b0b-f3c9-472a-939e-7e3fe1d7b97b" providerId="ADAL" clId="{2C0230F9-866C-4500-9CCD-92FFF96CE973}" dt="2022-10-30T15:00:25.700" v="113"/>
-          <ac:spMkLst>
-            <pc:docMk/>
-            <pc:sldMk cId="3412993549" sldId="260"/>
-            <ac:spMk id="34" creationId="{ECC69BAD-95CA-485E-AAD8-6FEFB34E0772}"/>
-          </ac:spMkLst>
-        </pc:spChg>
-        <pc:spChg chg="del">
-          <ac:chgData name="Rubén Minero Lorenzo" userId="42155b0b-f3c9-472a-939e-7e3fe1d7b97b" providerId="ADAL" clId="{2C0230F9-866C-4500-9CCD-92FFF96CE973}" dt="2022-10-30T15:01:00.236" v="130" actId="478"/>
-          <ac:spMkLst>
-            <pc:docMk/>
-            <pc:sldMk cId="3412993549" sldId="260"/>
-            <ac:spMk id="35" creationId="{434EA4A5-3D69-4E3B-B100-1F52FA863436}"/>
-          </ac:spMkLst>
-        </pc:spChg>
-        <pc:spChg chg="del">
-          <ac:chgData name="Rubén Minero Lorenzo" userId="42155b0b-f3c9-472a-939e-7e3fe1d7b97b" providerId="ADAL" clId="{2C0230F9-866C-4500-9CCD-92FFF96CE973}" dt="2022-10-30T15:02:33.424" v="215" actId="478"/>
-          <ac:spMkLst>
-            <pc:docMk/>
-            <pc:sldMk cId="3412993549" sldId="260"/>
-            <ac:spMk id="37" creationId="{E692EEB3-4679-46CB-84C3-8807B44A5ED6}"/>
-          </ac:spMkLst>
-        </pc:spChg>
-        <pc:spChg chg="del">
-          <ac:chgData name="Rubén Minero Lorenzo" userId="42155b0b-f3c9-472a-939e-7e3fe1d7b97b" providerId="ADAL" clId="{2C0230F9-866C-4500-9CCD-92FFF96CE973}" dt="2022-10-30T15:02:30.641" v="214" actId="478"/>
-          <ac:spMkLst>
-            <pc:docMk/>
-            <pc:sldMk cId="3412993549" sldId="260"/>
-            <ac:spMk id="39" creationId="{764A5DF9-5A35-410C-90CA-394B2117A7E2}"/>
-          </ac:spMkLst>
-        </pc:spChg>
-        <pc:spChg chg="del mod">
-          <ac:chgData name="Rubén Minero Lorenzo" userId="42155b0b-f3c9-472a-939e-7e3fe1d7b97b" providerId="ADAL" clId="{2C0230F9-866C-4500-9CCD-92FFF96CE973}" dt="2022-10-30T15:02:34.757" v="217" actId="478"/>
-          <ac:spMkLst>
-            <pc:docMk/>
-            <pc:sldMk cId="3412993549" sldId="260"/>
-            <ac:spMk id="40" creationId="{FA042E37-F3E8-46BF-981A-78ED65B2ABB0}"/>
-          </ac:spMkLst>
-        </pc:spChg>
-        <pc:spChg chg="mod">
-          <ac:chgData name="Rubén Minero Lorenzo" userId="42155b0b-f3c9-472a-939e-7e3fe1d7b97b" providerId="ADAL" clId="{2C0230F9-866C-4500-9CCD-92FFF96CE973}" dt="2022-10-30T15:02:45.943" v="222" actId="1076"/>
-          <ac:spMkLst>
-            <pc:docMk/>
-            <pc:sldMk cId="3412993549" sldId="260"/>
-            <ac:spMk id="42" creationId="{3642F343-2923-4A11-A138-AB634D2D94D9}"/>
-          </ac:spMkLst>
-        </pc:spChg>
-        <pc:spChg chg="del mod">
-          <ac:chgData name="Rubén Minero Lorenzo" userId="42155b0b-f3c9-472a-939e-7e3fe1d7b97b" providerId="ADAL" clId="{2C0230F9-866C-4500-9CCD-92FFF96CE973}" dt="2022-10-30T15:00:25.696" v="111" actId="478"/>
-          <ac:spMkLst>
-            <pc:docMk/>
-            <pc:sldMk cId="3412993549" sldId="260"/>
-            <ac:spMk id="44" creationId="{E397A578-5952-460F-A895-3F5000092C72}"/>
-          </ac:spMkLst>
-        </pc:spChg>
-        <pc:spChg chg="add del mod">
-          <ac:chgData name="Rubén Minero Lorenzo" userId="42155b0b-f3c9-472a-939e-7e3fe1d7b97b" providerId="ADAL" clId="{2C0230F9-866C-4500-9CCD-92FFF96CE973}" dt="2022-10-30T15:02:28.851" v="212" actId="47"/>
-          <ac:spMkLst>
-            <pc:docMk/>
-            <pc:sldMk cId="3412993549" sldId="260"/>
-            <ac:spMk id="45" creationId="{F6D280E0-98A1-4AAE-A32B-8BDDB85E571B}"/>
-          </ac:spMkLst>
-        </pc:spChg>
-        <pc:spChg chg="del mod">
-          <ac:chgData name="Rubén Minero Lorenzo" userId="42155b0b-f3c9-472a-939e-7e3fe1d7b97b" providerId="ADAL" clId="{2C0230F9-866C-4500-9CCD-92FFF96CE973}" dt="2022-10-30T15:02:39.471" v="220" actId="478"/>
-          <ac:spMkLst>
-            <pc:docMk/>
-            <pc:sldMk cId="3412993549" sldId="260"/>
-            <ac:spMk id="46" creationId="{7FBCD3FE-9D19-4C03-B7FC-76FFA181598C}"/>
-          </ac:spMkLst>
-        </pc:spChg>
-        <pc:spChg chg="del">
-          <ac:chgData name="Rubén Minero Lorenzo" userId="42155b0b-f3c9-472a-939e-7e3fe1d7b97b" providerId="ADAL" clId="{2C0230F9-866C-4500-9CCD-92FFF96CE973}" dt="2022-10-30T15:02:37.417" v="218" actId="478"/>
-          <ac:spMkLst>
-            <pc:docMk/>
-            <pc:sldMk cId="3412993549" sldId="260"/>
-            <ac:spMk id="47" creationId="{386CBDA6-38A4-4146-A049-B8BCAFA99C61}"/>
-          </ac:spMkLst>
-        </pc:spChg>
-        <pc:spChg chg="mod">
-          <ac:chgData name="Rubén Minero Lorenzo" userId="42155b0b-f3c9-472a-939e-7e3fe1d7b97b" providerId="ADAL" clId="{2C0230F9-866C-4500-9CCD-92FFF96CE973}" dt="2022-10-30T15:02:43.527" v="221" actId="1076"/>
-          <ac:spMkLst>
-            <pc:docMk/>
-            <pc:sldMk cId="3412993549" sldId="260"/>
-            <ac:spMk id="48" creationId="{D507909A-5C36-437C-AC26-E7DB557B8063}"/>
-          </ac:spMkLst>
-        </pc:spChg>
-        <pc:graphicFrameChg chg="add del mod modGraphic">
-          <ac:chgData name="Rubén Minero Lorenzo" userId="42155b0b-f3c9-472a-939e-7e3fe1d7b97b" providerId="ADAL" clId="{2C0230F9-866C-4500-9CCD-92FFF96CE973}" dt="2022-10-30T14:57:58.958" v="57" actId="478"/>
-          <ac:graphicFrameMkLst>
-            <pc:docMk/>
-            <pc:sldMk cId="3412993549" sldId="260"/>
-            <ac:graphicFrameMk id="2" creationId="{7CECB826-DA81-49D5-9D69-092F6A50BD28}"/>
-          </ac:graphicFrameMkLst>
-        </pc:graphicFrameChg>
-        <pc:graphicFrameChg chg="add mod modGraphic">
-          <ac:chgData name="Rubén Minero Lorenzo" userId="42155b0b-f3c9-472a-939e-7e3fe1d7b97b" providerId="ADAL" clId="{2C0230F9-866C-4500-9CCD-92FFF96CE973}" dt="2022-10-30T15:12:17.455" v="339" actId="21"/>
-          <ac:graphicFrameMkLst>
-            <pc:docMk/>
-            <pc:sldMk cId="3412993549" sldId="260"/>
-            <ac:graphicFrameMk id="6" creationId="{2DB839E4-E11F-4064-BD3B-AD8B205D6845}"/>
-          </ac:graphicFrameMkLst>
-        </pc:graphicFrameChg>
-        <pc:graphicFrameChg chg="add del modGraphic">
-          <ac:chgData name="Rubén Minero Lorenzo" userId="42155b0b-f3c9-472a-939e-7e3fe1d7b97b" providerId="ADAL" clId="{2C0230F9-866C-4500-9CCD-92FFF96CE973}" dt="2022-10-30T15:09:06.074" v="322" actId="478"/>
-          <ac:graphicFrameMkLst>
-            <pc:docMk/>
-            <pc:sldMk cId="3412993549" sldId="260"/>
-            <ac:graphicFrameMk id="7" creationId="{444EAF59-44E6-428A-9071-92F1468414B2}"/>
-          </ac:graphicFrameMkLst>
-        </pc:graphicFrameChg>
-        <pc:graphicFrameChg chg="add del mod">
-          <ac:chgData name="Rubén Minero Lorenzo" userId="42155b0b-f3c9-472a-939e-7e3fe1d7b97b" providerId="ADAL" clId="{2C0230F9-866C-4500-9CCD-92FFF96CE973}" dt="2022-10-30T15:10:30.145" v="327" actId="478"/>
-          <ac:graphicFrameMkLst>
-            <pc:docMk/>
-            <pc:sldMk cId="3412993549" sldId="260"/>
-            <ac:graphicFrameMk id="8" creationId="{BD5044FC-782C-4193-9FBD-0A768FECE8BA}"/>
-          </ac:graphicFrameMkLst>
-        </pc:graphicFrameChg>
-        <pc:graphicFrameChg chg="add del mod modGraphic">
-          <ac:chgData name="Rubén Minero Lorenzo" userId="42155b0b-f3c9-472a-939e-7e3fe1d7b97b" providerId="ADAL" clId="{2C0230F9-866C-4500-9CCD-92FFF96CE973}" dt="2022-10-30T15:12:01.111" v="334" actId="21"/>
-          <ac:graphicFrameMkLst>
-            <pc:docMk/>
-            <pc:sldMk cId="3412993549" sldId="260"/>
-            <ac:graphicFrameMk id="9" creationId="{D0872C47-C317-4D7A-B2F1-F2EC1219BD0B}"/>
-          </ac:graphicFrameMkLst>
-        </pc:graphicFrameChg>
-        <pc:cxnChg chg="del">
-          <ac:chgData name="Rubén Minero Lorenzo" userId="42155b0b-f3c9-472a-939e-7e3fe1d7b97b" providerId="ADAL" clId="{2C0230F9-866C-4500-9CCD-92FFF96CE973}" dt="2022-10-30T14:56:42.084" v="38" actId="478"/>
-          <ac:cxnSpMkLst>
-            <pc:docMk/>
-            <pc:sldMk cId="3412993549" sldId="260"/>
-            <ac:cxnSpMk id="3" creationId="{5CB846C3-B7E0-480B-A14B-2D98A57CFE4C}"/>
-          </ac:cxnSpMkLst>
-        </pc:cxnChg>
-        <pc:cxnChg chg="del">
-          <ac:chgData name="Rubén Minero Lorenzo" userId="42155b0b-f3c9-472a-939e-7e3fe1d7b97b" providerId="ADAL" clId="{2C0230F9-866C-4500-9CCD-92FFF96CE973}" dt="2022-10-30T14:56:45.117" v="41" actId="478"/>
-          <ac:cxnSpMkLst>
-            <pc:docMk/>
-            <pc:sldMk cId="3412993549" sldId="260"/>
-            <ac:cxnSpMk id="16" creationId="{E572246B-A7E9-4B08-B92E-719D9A73414F}"/>
-          </ac:cxnSpMkLst>
-        </pc:cxnChg>
-        <pc:cxnChg chg="add del">
-          <ac:chgData name="Rubén Minero Lorenzo" userId="42155b0b-f3c9-472a-939e-7e3fe1d7b97b" providerId="ADAL" clId="{2C0230F9-866C-4500-9CCD-92FFF96CE973}" dt="2022-10-30T14:56:51.829" v="48" actId="478"/>
-          <ac:cxnSpMkLst>
-            <pc:docMk/>
-            <pc:sldMk cId="3412993549" sldId="260"/>
-            <ac:cxnSpMk id="17" creationId="{38128733-AD82-4ECB-B1A3-F7AB4256190F}"/>
-          </ac:cxnSpMkLst>
-        </pc:cxnChg>
-        <pc:cxnChg chg="del">
-          <ac:chgData name="Rubén Minero Lorenzo" userId="42155b0b-f3c9-472a-939e-7e3fe1d7b97b" providerId="ADAL" clId="{2C0230F9-866C-4500-9CCD-92FFF96CE973}" dt="2022-10-30T14:56:41.191" v="37" actId="478"/>
-          <ac:cxnSpMkLst>
-            <pc:docMk/>
-            <pc:sldMk cId="3412993549" sldId="260"/>
-            <ac:cxnSpMk id="19" creationId="{D82D69E6-A485-4A84-8EC2-5A437597A542}"/>
-          </ac:cxnSpMkLst>
-        </pc:cxnChg>
-        <pc:cxnChg chg="del">
-          <ac:chgData name="Rubén Minero Lorenzo" userId="42155b0b-f3c9-472a-939e-7e3fe1d7b97b" providerId="ADAL" clId="{2C0230F9-866C-4500-9CCD-92FFF96CE973}" dt="2022-10-30T14:56:38.891" v="36" actId="478"/>
-          <ac:cxnSpMkLst>
-            <pc:docMk/>
-            <pc:sldMk cId="3412993549" sldId="260"/>
-            <ac:cxnSpMk id="23" creationId="{3E6375B5-613C-45E4-8644-972B9BBDF2E5}"/>
-          </ac:cxnSpMkLst>
-        </pc:cxnChg>
-        <pc:cxnChg chg="del">
-          <ac:chgData name="Rubén Minero Lorenzo" userId="42155b0b-f3c9-472a-939e-7e3fe1d7b97b" providerId="ADAL" clId="{2C0230F9-866C-4500-9CCD-92FFF96CE973}" dt="2022-10-30T14:56:42.964" v="39" actId="478"/>
-          <ac:cxnSpMkLst>
-            <pc:docMk/>
-            <pc:sldMk cId="3412993549" sldId="260"/>
-            <ac:cxnSpMk id="32" creationId="{EA11FE6D-59EA-43B4-ACDF-1923E6E42C62}"/>
-          </ac:cxnSpMkLst>
-        </pc:cxnChg>
-        <pc:cxnChg chg="add del">
-          <ac:chgData name="Rubén Minero Lorenzo" userId="42155b0b-f3c9-472a-939e-7e3fe1d7b97b" providerId="ADAL" clId="{2C0230F9-866C-4500-9CCD-92FFF96CE973}" dt="2022-10-30T14:56:55.522" v="49" actId="478"/>
-          <ac:cxnSpMkLst>
-            <pc:docMk/>
-            <pc:sldMk cId="3412993549" sldId="260"/>
-            <ac:cxnSpMk id="38" creationId="{C13559D4-9528-412F-A8FB-6D276E9A8E80}"/>
-          </ac:cxnSpMkLst>
-        </pc:cxnChg>
-        <pc:cxnChg chg="del">
-          <ac:chgData name="Rubén Minero Lorenzo" userId="42155b0b-f3c9-472a-939e-7e3fe1d7b97b" providerId="ADAL" clId="{2C0230F9-866C-4500-9CCD-92FFF96CE973}" dt="2022-10-30T14:56:43.985" v="40" actId="478"/>
-          <ac:cxnSpMkLst>
-            <pc:docMk/>
-            <pc:sldMk cId="3412993549" sldId="260"/>
-            <ac:cxnSpMk id="43" creationId="{1515B909-B6E1-4F5D-8AF6-753DD4429FCF}"/>
-          </ac:cxnSpMkLst>
-        </pc:cxnChg>
-      </pc:sldChg>
-      <pc:sldChg chg="addSp delSp modSp add mod">
-        <pc:chgData name="Rubén Minero Lorenzo" userId="42155b0b-f3c9-472a-939e-7e3fe1d7b97b" providerId="ADAL" clId="{2C0230F9-866C-4500-9CCD-92FFF96CE973}" dt="2022-10-30T15:15:35.396" v="410" actId="1076"/>
-        <pc:sldMkLst>
-          <pc:docMk/>
-          <pc:sldMk cId="1157099483" sldId="261"/>
-        </pc:sldMkLst>
-        <pc:spChg chg="mod">
-          <ac:chgData name="Rubén Minero Lorenzo" userId="42155b0b-f3c9-472a-939e-7e3fe1d7b97b" providerId="ADAL" clId="{2C0230F9-866C-4500-9CCD-92FFF96CE973}" dt="2022-10-30T15:15:35.396" v="410" actId="1076"/>
-          <ac:spMkLst>
-            <pc:docMk/>
-            <pc:sldMk cId="1157099483" sldId="261"/>
-            <ac:spMk id="5" creationId="{C8CA8C21-D4A2-42E4-963F-DB5259E72712}"/>
-          </ac:spMkLst>
-        </pc:spChg>
-        <pc:spChg chg="del">
-          <ac:chgData name="Rubén Minero Lorenzo" userId="42155b0b-f3c9-472a-939e-7e3fe1d7b97b" providerId="ADAL" clId="{2C0230F9-866C-4500-9CCD-92FFF96CE973}" dt="2022-10-30T15:13:15.175" v="382" actId="478"/>
-          <ac:spMkLst>
-            <pc:docMk/>
-            <pc:sldMk cId="1157099483" sldId="261"/>
-            <ac:spMk id="42" creationId="{3642F343-2923-4A11-A138-AB634D2D94D9}"/>
-          </ac:spMkLst>
-        </pc:spChg>
-        <pc:spChg chg="del">
-          <ac:chgData name="Rubén Minero Lorenzo" userId="42155b0b-f3c9-472a-939e-7e3fe1d7b97b" providerId="ADAL" clId="{2C0230F9-866C-4500-9CCD-92FFF96CE973}" dt="2022-10-30T15:13:15.805" v="383" actId="478"/>
-          <ac:spMkLst>
-            <pc:docMk/>
-            <pc:sldMk cId="1157099483" sldId="261"/>
-            <ac:spMk id="48" creationId="{D507909A-5C36-437C-AC26-E7DB557B8063}"/>
-          </ac:spMkLst>
-        </pc:spChg>
-        <pc:spChg chg="mod">
-          <ac:chgData name="Rubén Minero Lorenzo" userId="42155b0b-f3c9-472a-939e-7e3fe1d7b97b" providerId="ADAL" clId="{2C0230F9-866C-4500-9CCD-92FFF96CE973}" dt="2022-10-30T15:15:31.130" v="409" actId="1076"/>
-          <ac:spMkLst>
-            <pc:docMk/>
-            <pc:sldMk cId="1157099483" sldId="261"/>
-            <ac:spMk id="50" creationId="{E84EC8EC-7CC0-4E97-A670-F5753F76F428}"/>
-          </ac:spMkLst>
-        </pc:spChg>
-        <pc:graphicFrameChg chg="del">
-          <ac:chgData name="Rubén Minero Lorenzo" userId="42155b0b-f3c9-472a-939e-7e3fe1d7b97b" providerId="ADAL" clId="{2C0230F9-866C-4500-9CCD-92FFF96CE973}" dt="2022-10-30T15:12:08.015" v="336" actId="478"/>
-          <ac:graphicFrameMkLst>
-            <pc:docMk/>
-            <pc:sldMk cId="1157099483" sldId="261"/>
-            <ac:graphicFrameMk id="6" creationId="{2DB839E4-E11F-4064-BD3B-AD8B205D6845}"/>
-          </ac:graphicFrameMkLst>
-        </pc:graphicFrameChg>
-        <pc:graphicFrameChg chg="add mod modGraphic">
-          <ac:chgData name="Rubén Minero Lorenzo" userId="42155b0b-f3c9-472a-939e-7e3fe1d7b97b" providerId="ADAL" clId="{2C0230F9-866C-4500-9CCD-92FFF96CE973}" dt="2022-10-30T15:14:59.091" v="408" actId="14100"/>
-          <ac:graphicFrameMkLst>
-            <pc:docMk/>
-            <pc:sldMk cId="1157099483" sldId="261"/>
-            <ac:graphicFrameMk id="10" creationId="{9ED59890-94B6-4FF6-B9CF-14508297EA94}"/>
-          </ac:graphicFrameMkLst>
-        </pc:graphicFrameChg>
-      </pc:sldChg>
-      <pc:sldChg chg="addSp delSp modSp add mod">
-        <pc:chgData name="Rubén Minero Lorenzo" userId="42155b0b-f3c9-472a-939e-7e3fe1d7b97b" providerId="ADAL" clId="{2C0230F9-866C-4500-9CCD-92FFF96CE973}" dt="2022-10-30T15:19:12.517" v="534" actId="14100"/>
-        <pc:sldMkLst>
-          <pc:docMk/>
-          <pc:sldMk cId="1317378124" sldId="262"/>
-        </pc:sldMkLst>
-        <pc:spChg chg="add mod">
-          <ac:chgData name="Rubén Minero Lorenzo" userId="42155b0b-f3c9-472a-939e-7e3fe1d7b97b" providerId="ADAL" clId="{2C0230F9-866C-4500-9CCD-92FFF96CE973}" dt="2022-10-30T15:19:12.517" v="534" actId="14100"/>
-          <ac:spMkLst>
-            <pc:docMk/>
-            <pc:sldMk cId="1317378124" sldId="262"/>
-            <ac:spMk id="11" creationId="{46829346-2B75-4033-8155-661C288DE3C8}"/>
-          </ac:spMkLst>
-        </pc:spChg>
-        <pc:spChg chg="mod">
-          <ac:chgData name="Rubén Minero Lorenzo" userId="42155b0b-f3c9-472a-939e-7e3fe1d7b97b" providerId="ADAL" clId="{2C0230F9-866C-4500-9CCD-92FFF96CE973}" dt="2022-10-30T15:19:11.043" v="533" actId="14100"/>
-          <ac:spMkLst>
-            <pc:docMk/>
-            <pc:sldMk cId="1317378124" sldId="262"/>
-            <ac:spMk id="50" creationId="{E84EC8EC-7CC0-4E97-A670-F5753F76F428}"/>
-          </ac:spMkLst>
-        </pc:spChg>
-        <pc:graphicFrameChg chg="add del mod modGraphic">
-          <ac:chgData name="Rubén Minero Lorenzo" userId="42155b0b-f3c9-472a-939e-7e3fe1d7b97b" providerId="ADAL" clId="{2C0230F9-866C-4500-9CCD-92FFF96CE973}" dt="2022-10-30T15:17:32.511" v="427" actId="478"/>
-          <ac:graphicFrameMkLst>
-            <pc:docMk/>
-            <pc:sldMk cId="1317378124" sldId="262"/>
-            <ac:graphicFrameMk id="2" creationId="{C88AB408-0599-4E63-A7C9-0954CFBE227A}"/>
-          </ac:graphicFrameMkLst>
-        </pc:graphicFrameChg>
-        <pc:graphicFrameChg chg="add mod modGraphic">
-          <ac:chgData name="Rubén Minero Lorenzo" userId="42155b0b-f3c9-472a-939e-7e3fe1d7b97b" providerId="ADAL" clId="{2C0230F9-866C-4500-9CCD-92FFF96CE973}" dt="2022-10-30T15:18:02.374" v="435" actId="14734"/>
-          <ac:graphicFrameMkLst>
-            <pc:docMk/>
-            <pc:sldMk cId="1317378124" sldId="262"/>
-            <ac:graphicFrameMk id="3" creationId="{382426E5-DC90-4EEC-9F79-6C4D24928338}"/>
-          </ac:graphicFrameMkLst>
-        </pc:graphicFrameChg>
-        <pc:graphicFrameChg chg="del">
-          <ac:chgData name="Rubén Minero Lorenzo" userId="42155b0b-f3c9-472a-939e-7e3fe1d7b97b" providerId="ADAL" clId="{2C0230F9-866C-4500-9CCD-92FFF96CE973}" dt="2022-10-30T15:16:09.035" v="413" actId="478"/>
-          <ac:graphicFrameMkLst>
-            <pc:docMk/>
-            <pc:sldMk cId="1317378124" sldId="262"/>
-            <ac:graphicFrameMk id="10" creationId="{9ED59890-94B6-4FF6-B9CF-14508297EA94}"/>
-          </ac:graphicFrameMkLst>
-        </pc:graphicFrameChg>
-      </pc:sldChg>
-      <pc:sldChg chg="addSp delSp modSp add mod ord">
-        <pc:chgData name="Rubén Minero Lorenzo" userId="42155b0b-f3c9-472a-939e-7e3fe1d7b97b" providerId="ADAL" clId="{2C0230F9-866C-4500-9CCD-92FFF96CE973}" dt="2022-10-30T15:33:28.575" v="1141"/>
-        <pc:sldMkLst>
-          <pc:docMk/>
-          <pc:sldMk cId="2306439462" sldId="263"/>
-        </pc:sldMkLst>
-        <pc:spChg chg="mod">
-          <ac:chgData name="Rubén Minero Lorenzo" userId="42155b0b-f3c9-472a-939e-7e3fe1d7b97b" providerId="ADAL" clId="{2C0230F9-866C-4500-9CCD-92FFF96CE973}" dt="2022-10-30T15:22:48.017" v="639" actId="1076"/>
-          <ac:spMkLst>
-            <pc:docMk/>
-            <pc:sldMk cId="2306439462" sldId="263"/>
-            <ac:spMk id="4" creationId="{AA904F9A-BA53-451F-AE86-711975138345}"/>
-          </ac:spMkLst>
-        </pc:spChg>
-        <pc:spChg chg="mod">
-          <ac:chgData name="Rubén Minero Lorenzo" userId="42155b0b-f3c9-472a-939e-7e3fe1d7b97b" providerId="ADAL" clId="{2C0230F9-866C-4500-9CCD-92FFF96CE973}" dt="2022-10-30T15:31:55.757" v="1042" actId="1076"/>
-          <ac:spMkLst>
-            <pc:docMk/>
-            <pc:sldMk cId="2306439462" sldId="263"/>
-            <ac:spMk id="50" creationId="{E84EC8EC-7CC0-4E97-A670-F5753F76F428}"/>
-          </ac:spMkLst>
-        </pc:spChg>
-        <pc:graphicFrameChg chg="add mod modGraphic">
-          <ac:chgData name="Rubén Minero Lorenzo" userId="42155b0b-f3c9-472a-939e-7e3fe1d7b97b" providerId="ADAL" clId="{2C0230F9-866C-4500-9CCD-92FFF96CE973}" dt="2022-10-30T15:24:09.232" v="690" actId="20577"/>
-          <ac:graphicFrameMkLst>
-            <pc:docMk/>
-            <pc:sldMk cId="2306439462" sldId="263"/>
-            <ac:graphicFrameMk id="2" creationId="{3864B1B2-1E60-4B74-9E56-018CBD6142A1}"/>
-          </ac:graphicFrameMkLst>
-        </pc:graphicFrameChg>
-        <pc:graphicFrameChg chg="add mod modGraphic">
-          <ac:chgData name="Rubén Minero Lorenzo" userId="42155b0b-f3c9-472a-939e-7e3fe1d7b97b" providerId="ADAL" clId="{2C0230F9-866C-4500-9CCD-92FFF96CE973}" dt="2022-10-30T15:33:28.575" v="1141"/>
-          <ac:graphicFrameMkLst>
-            <pc:docMk/>
-            <pc:sldMk cId="2306439462" sldId="263"/>
-            <ac:graphicFrameMk id="3" creationId="{D7E0D624-12D2-4458-A9A8-7A1961F79E5D}"/>
-          </ac:graphicFrameMkLst>
-        </pc:graphicFrameChg>
-        <pc:graphicFrameChg chg="del">
-          <ac:chgData name="Rubén Minero Lorenzo" userId="42155b0b-f3c9-472a-939e-7e3fe1d7b97b" providerId="ADAL" clId="{2C0230F9-866C-4500-9CCD-92FFF96CE973}" dt="2022-10-30T15:31:23.390" v="1038" actId="478"/>
-          <ac:graphicFrameMkLst>
-            <pc:docMk/>
-            <pc:sldMk cId="2306439462" sldId="263"/>
-            <ac:graphicFrameMk id="10" creationId="{9ED59890-94B6-4FF6-B9CF-14508297EA94}"/>
-          </ac:graphicFrameMkLst>
-        </pc:graphicFrameChg>
-      </pc:sldChg>
-      <pc:sldChg chg="modSp add mod ord">
-        <pc:chgData name="Rubén Minero Lorenzo" userId="42155b0b-f3c9-472a-939e-7e3fe1d7b97b" providerId="ADAL" clId="{2C0230F9-866C-4500-9CCD-92FFF96CE973}" dt="2022-10-30T15:26:58.567" v="800" actId="20577"/>
-        <pc:sldMkLst>
-          <pc:docMk/>
-          <pc:sldMk cId="1147487073" sldId="264"/>
-        </pc:sldMkLst>
-        <pc:spChg chg="mod">
-          <ac:chgData name="Rubén Minero Lorenzo" userId="42155b0b-f3c9-472a-939e-7e3fe1d7b97b" providerId="ADAL" clId="{2C0230F9-866C-4500-9CCD-92FFF96CE973}" dt="2022-10-30T15:26:26.550" v="768" actId="20577"/>
-          <ac:spMkLst>
-            <pc:docMk/>
-            <pc:sldMk cId="1147487073" sldId="264"/>
-            <ac:spMk id="10" creationId="{1DDC4230-3F62-469E-9DA0-F3F9D1EFE7A6}"/>
-          </ac:spMkLst>
-        </pc:spChg>
-        <pc:spChg chg="mod">
-          <ac:chgData name="Rubén Minero Lorenzo" userId="42155b0b-f3c9-472a-939e-7e3fe1d7b97b" providerId="ADAL" clId="{2C0230F9-866C-4500-9CCD-92FFF96CE973}" dt="2022-10-30T15:26:08.149" v="742" actId="20577"/>
-          <ac:spMkLst>
-            <pc:docMk/>
-            <pc:sldMk cId="1147487073" sldId="264"/>
-            <ac:spMk id="15" creationId="{5F854D62-BEB4-471D-8449-8713D718875A}"/>
-          </ac:spMkLst>
-        </pc:spChg>
-        <pc:spChg chg="mod">
-          <ac:chgData name="Rubén Minero Lorenzo" userId="42155b0b-f3c9-472a-939e-7e3fe1d7b97b" providerId="ADAL" clId="{2C0230F9-866C-4500-9CCD-92FFF96CE973}" dt="2022-10-30T15:26:58.567" v="800" actId="20577"/>
-          <ac:spMkLst>
-            <pc:docMk/>
-            <pc:sldMk cId="1147487073" sldId="264"/>
-            <ac:spMk id="21" creationId="{DC7700E4-1C37-4CB5-ACC0-936163F6C6FF}"/>
-          </ac:spMkLst>
-        </pc:spChg>
-      </pc:sldChg>
-      <pc:sldChg chg="addSp delSp modSp add mod ord">
-        <pc:chgData name="Rubén Minero Lorenzo" userId="42155b0b-f3c9-472a-939e-7e3fe1d7b97b" providerId="ADAL" clId="{2C0230F9-866C-4500-9CCD-92FFF96CE973}" dt="2022-10-30T15:30:48.434" v="1037" actId="5793"/>
-        <pc:sldMkLst>
-          <pc:docMk/>
-          <pc:sldMk cId="3177438809" sldId="265"/>
-        </pc:sldMkLst>
-        <pc:spChg chg="mod">
-          <ac:chgData name="Rubén Minero Lorenzo" userId="42155b0b-f3c9-472a-939e-7e3fe1d7b97b" providerId="ADAL" clId="{2C0230F9-866C-4500-9CCD-92FFF96CE973}" dt="2022-10-30T15:27:38.533" v="824" actId="20577"/>
-          <ac:spMkLst>
-            <pc:docMk/>
-            <pc:sldMk cId="3177438809" sldId="265"/>
-            <ac:spMk id="50" creationId="{E84EC8EC-7CC0-4E97-A670-F5753F76F428}"/>
-          </ac:spMkLst>
-        </pc:spChg>
-        <pc:graphicFrameChg chg="add mod modGraphic">
-          <ac:chgData name="Rubén Minero Lorenzo" userId="42155b0b-f3c9-472a-939e-7e3fe1d7b97b" providerId="ADAL" clId="{2C0230F9-866C-4500-9CCD-92FFF96CE973}" dt="2022-10-30T15:30:48.434" v="1037" actId="5793"/>
-          <ac:graphicFrameMkLst>
-            <pc:docMk/>
-            <pc:sldMk cId="3177438809" sldId="265"/>
-            <ac:graphicFrameMk id="2" creationId="{FFE2FDA1-2528-462F-B2CA-D7F90A6E0D13}"/>
-          </ac:graphicFrameMkLst>
-        </pc:graphicFrameChg>
-        <pc:graphicFrameChg chg="del">
-          <ac:chgData name="Rubén Minero Lorenzo" userId="42155b0b-f3c9-472a-939e-7e3fe1d7b97b" providerId="ADAL" clId="{2C0230F9-866C-4500-9CCD-92FFF96CE973}" dt="2022-10-30T15:27:28.084" v="804" actId="478"/>
-          <ac:graphicFrameMkLst>
-            <pc:docMk/>
-            <pc:sldMk cId="3177438809" sldId="265"/>
-            <ac:graphicFrameMk id="10" creationId="{9ED59890-94B6-4FF6-B9CF-14508297EA94}"/>
-          </ac:graphicFrameMkLst>
-        </pc:graphicFrameChg>
-      </pc:sldChg>
-      <pc:sldChg chg="addSp delSp modSp add mod ord">
-        <pc:chgData name="Rubén Minero Lorenzo" userId="42155b0b-f3c9-472a-939e-7e3fe1d7b97b" providerId="ADAL" clId="{2C0230F9-866C-4500-9CCD-92FFF96CE973}" dt="2022-10-30T15:39:14.447" v="1197" actId="1076"/>
-        <pc:sldMkLst>
-          <pc:docMk/>
-          <pc:sldMk cId="514768515" sldId="266"/>
-        </pc:sldMkLst>
-        <pc:spChg chg="mod">
-          <ac:chgData name="Rubén Minero Lorenzo" userId="42155b0b-f3c9-472a-939e-7e3fe1d7b97b" providerId="ADAL" clId="{2C0230F9-866C-4500-9CCD-92FFF96CE973}" dt="2022-10-30T15:38:10.789" v="1188" actId="1076"/>
-          <ac:spMkLst>
-            <pc:docMk/>
-            <pc:sldMk cId="514768515" sldId="266"/>
-            <ac:spMk id="4" creationId="{AA904F9A-BA53-451F-AE86-711975138345}"/>
-          </ac:spMkLst>
-        </pc:spChg>
-        <pc:spChg chg="add mod">
-          <ac:chgData name="Rubén Minero Lorenzo" userId="42155b0b-f3c9-472a-939e-7e3fe1d7b97b" providerId="ADAL" clId="{2C0230F9-866C-4500-9CCD-92FFF96CE973}" dt="2022-10-30T15:39:14.447" v="1197" actId="1076"/>
-          <ac:spMkLst>
-            <pc:docMk/>
-            <pc:sldMk cId="514768515" sldId="266"/>
-            <ac:spMk id="8" creationId="{38F14315-571D-49BC-B134-0A12BF33D382}"/>
-          </ac:spMkLst>
-        </pc:spChg>
-        <pc:spChg chg="add del">
-          <ac:chgData name="Rubén Minero Lorenzo" userId="42155b0b-f3c9-472a-939e-7e3fe1d7b97b" providerId="ADAL" clId="{2C0230F9-866C-4500-9CCD-92FFF96CE973}" dt="2022-10-30T15:36:51.661" v="1178" actId="478"/>
-          <ac:spMkLst>
-            <pc:docMk/>
-            <pc:sldMk cId="514768515" sldId="266"/>
-            <ac:spMk id="50" creationId="{E84EC8EC-7CC0-4E97-A670-F5753F76F428}"/>
-          </ac:spMkLst>
-        </pc:spChg>
-        <pc:graphicFrameChg chg="add mod modGraphic">
-          <ac:chgData name="Rubén Minero Lorenzo" userId="42155b0b-f3c9-472a-939e-7e3fe1d7b97b" providerId="ADAL" clId="{2C0230F9-866C-4500-9CCD-92FFF96CE973}" dt="2022-10-30T15:38:57.619" v="1196" actId="1076"/>
-          <ac:graphicFrameMkLst>
-            <pc:docMk/>
-            <pc:sldMk cId="514768515" sldId="266"/>
-            <ac:graphicFrameMk id="2" creationId="{369200EE-9209-416A-B4AB-C8D259A543F7}"/>
-          </ac:graphicFrameMkLst>
-        </pc:graphicFrameChg>
-        <pc:graphicFrameChg chg="del mod modGraphic">
-          <ac:chgData name="Rubén Minero Lorenzo" userId="42155b0b-f3c9-472a-939e-7e3fe1d7b97b" providerId="ADAL" clId="{2C0230F9-866C-4500-9CCD-92FFF96CE973}" dt="2022-10-30T15:38:04.245" v="1186" actId="478"/>
-          <ac:graphicFrameMkLst>
-            <pc:docMk/>
-            <pc:sldMk cId="514768515" sldId="266"/>
-            <ac:graphicFrameMk id="10" creationId="{9ED59890-94B6-4FF6-B9CF-14508297EA94}"/>
-          </ac:graphicFrameMkLst>
-        </pc:graphicFrameChg>
-      </pc:sldChg>
-    </pc:docChg>
-  </pc:docChgLst>
-</pc:chgInfo>
 </file>
 
 <file path=ppt/notesMasters/notesMaster1.xml><?xml version="1.0" encoding="utf-8"?>
@@ -909,7 +220,7 @@
           <a:p>
             <a:fld id="{13C16547-DFEA-4F21-99AB-F9F8CE62FD5E}" type="datetimeFigureOut">
               <a:rPr lang="es-ES" smtClean="0"/>
-              <a:t>04/11/2022</a:t>
+              <a:t>14/11/2022</a:t>
             </a:fld>
             <a:endParaRPr lang="es-ES"/>
           </a:p>
@@ -1326,7 +637,7 @@
             </a:pPr>
             <a:r>
               <a:rPr lang="es-ES" dirty="0"/>
-              <a:t>Pagina que verán los tutores al seleccionar la opción de generar los informes de los alumnos</a:t>
+              <a:t>Pagina que verán los tutores al seleccionar la opción de cambiar un tutor de una  empresa en el sistema</a:t>
             </a:r>
           </a:p>
           <a:p>
@@ -1360,6 +671,113 @@
     </p:spTree>
     <p:extLst>
       <p:ext uri="{BB962C8B-B14F-4D97-AF65-F5344CB8AC3E}">
+        <p14:creationId xmlns:p14="http://schemas.microsoft.com/office/powerpoint/2010/main" val="1275162334"/>
+      </p:ext>
+    </p:extLst>
+  </p:cSld>
+  <p:clrMapOvr>
+    <a:masterClrMapping/>
+  </p:clrMapOvr>
+</p:notes>
+</file>
+
+<file path=ppt/notesSlides/notesSlide11.xml><?xml version="1.0" encoding="utf-8"?>
+<p:notes xmlns:a="http://schemas.openxmlformats.org/drawingml/2006/main" xmlns:r="http://schemas.openxmlformats.org/officeDocument/2006/relationships" xmlns:p="http://schemas.openxmlformats.org/presentationml/2006/main">
+  <p:cSld>
+    <p:spTree>
+      <p:nvGrpSpPr>
+        <p:cNvPr id="1" name=""/>
+        <p:cNvGrpSpPr/>
+        <p:nvPr/>
+      </p:nvGrpSpPr>
+      <p:grpSpPr>
+        <a:xfrm>
+          <a:off x="0" y="0"/>
+          <a:ext cx="0" cy="0"/>
+          <a:chOff x="0" y="0"/>
+          <a:chExt cx="0" cy="0"/>
+        </a:xfrm>
+      </p:grpSpPr>
+      <p:sp>
+        <p:nvSpPr>
+          <p:cNvPr id="2" name="Marcador de imagen de diapositiva 1"/>
+          <p:cNvSpPr>
+            <a:spLocks noGrp="1" noRot="1" noChangeAspect="1"/>
+          </p:cNvSpPr>
+          <p:nvPr>
+            <p:ph type="sldImg"/>
+          </p:nvPr>
+        </p:nvSpPr>
+        <p:spPr/>
+      </p:sp>
+      <p:sp>
+        <p:nvSpPr>
+          <p:cNvPr id="3" name="Marcador de notas 2"/>
+          <p:cNvSpPr>
+            <a:spLocks noGrp="1"/>
+          </p:cNvSpPr>
+          <p:nvPr>
+            <p:ph type="body" idx="1"/>
+          </p:nvPr>
+        </p:nvSpPr>
+        <p:spPr/>
+        <p:txBody>
+          <a:bodyPr/>
+          <a:lstStyle/>
+          <a:p>
+            <a:pPr marL="0" marR="0" lvl="0" indent="0" algn="l" defTabSz="914400" rtl="0" eaLnBrk="1" fontAlgn="auto" latinLnBrk="0" hangingPunct="1">
+              <a:lnSpc>
+                <a:spcPct val="100000"/>
+              </a:lnSpc>
+              <a:spcBef>
+                <a:spcPts val="0"/>
+              </a:spcBef>
+              <a:spcAft>
+                <a:spcPts val="0"/>
+              </a:spcAft>
+              <a:buClrTx/>
+              <a:buSzTx/>
+              <a:buFontTx/>
+              <a:buNone/>
+              <a:tabLst/>
+              <a:defRPr/>
+            </a:pPr>
+            <a:r>
+              <a:rPr lang="es-ES" dirty="0"/>
+              <a:t>Pagina que verán los tutores al seleccionar la opción de generar los informes de los alumnos</a:t>
+            </a:r>
+          </a:p>
+          <a:p>
+            <a:endParaRPr lang="es-ES" dirty="0"/>
+          </a:p>
+        </p:txBody>
+      </p:sp>
+      <p:sp>
+        <p:nvSpPr>
+          <p:cNvPr id="4" name="Marcador de número de diapositiva 3"/>
+          <p:cNvSpPr>
+            <a:spLocks noGrp="1"/>
+          </p:cNvSpPr>
+          <p:nvPr>
+            <p:ph type="sldNum" sz="quarter" idx="5"/>
+          </p:nvPr>
+        </p:nvSpPr>
+        <p:spPr/>
+        <p:txBody>
+          <a:bodyPr/>
+          <a:lstStyle/>
+          <a:p>
+            <a:fld id="{4D2C949F-3CA9-4017-9788-73226C6E5AAA}" type="slidenum">
+              <a:rPr lang="es-ES" smtClean="0"/>
+              <a:t>11</a:t>
+            </a:fld>
+            <a:endParaRPr lang="es-ES"/>
+          </a:p>
+        </p:txBody>
+      </p:sp>
+    </p:spTree>
+    <p:extLst>
+      <p:ext uri="{BB962C8B-B14F-4D97-AF65-F5344CB8AC3E}">
         <p14:creationId xmlns:p14="http://schemas.microsoft.com/office/powerpoint/2010/main" val="562597935"/>
       </p:ext>
     </p:extLst>
@@ -1370,7 +788,94 @@
 </p:notes>
 </file>
 
-<file path=ppt/notesSlides/notesSlide11.xml><?xml version="1.0" encoding="utf-8"?>
+<file path=ppt/notesSlides/notesSlide12.xml><?xml version="1.0" encoding="utf-8"?>
+<p:notes xmlns:a="http://schemas.openxmlformats.org/drawingml/2006/main" xmlns:r="http://schemas.openxmlformats.org/officeDocument/2006/relationships" xmlns:p="http://schemas.openxmlformats.org/presentationml/2006/main">
+  <p:cSld>
+    <p:spTree>
+      <p:nvGrpSpPr>
+        <p:cNvPr id="1" name=""/>
+        <p:cNvGrpSpPr/>
+        <p:nvPr/>
+      </p:nvGrpSpPr>
+      <p:grpSpPr>
+        <a:xfrm>
+          <a:off x="0" y="0"/>
+          <a:ext cx="0" cy="0"/>
+          <a:chOff x="0" y="0"/>
+          <a:chExt cx="0" cy="0"/>
+        </a:xfrm>
+      </p:grpSpPr>
+      <p:sp>
+        <p:nvSpPr>
+          <p:cNvPr id="2" name="Marcador de imagen de diapositiva 1"/>
+          <p:cNvSpPr>
+            <a:spLocks noGrp="1" noRot="1" noChangeAspect="1"/>
+          </p:cNvSpPr>
+          <p:nvPr>
+            <p:ph type="sldImg"/>
+          </p:nvPr>
+        </p:nvSpPr>
+        <p:spPr/>
+      </p:sp>
+      <p:sp>
+        <p:nvSpPr>
+          <p:cNvPr id="3" name="Marcador de notas 2"/>
+          <p:cNvSpPr>
+            <a:spLocks noGrp="1"/>
+          </p:cNvSpPr>
+          <p:nvPr>
+            <p:ph type="body" idx="1"/>
+          </p:nvPr>
+        </p:nvSpPr>
+        <p:spPr/>
+        <p:txBody>
+          <a:bodyPr/>
+          <a:lstStyle/>
+          <a:p>
+            <a:r>
+              <a:rPr lang="es-ES" dirty="0"/>
+              <a:t>Pagina que verán los alumnos al seleccionar la opción de modificar sus datos</a:t>
+            </a:r>
+          </a:p>
+        </p:txBody>
+      </p:sp>
+      <p:sp>
+        <p:nvSpPr>
+          <p:cNvPr id="4" name="Marcador de número de diapositiva 3"/>
+          <p:cNvSpPr>
+            <a:spLocks noGrp="1"/>
+          </p:cNvSpPr>
+          <p:nvPr>
+            <p:ph type="sldNum" sz="quarter" idx="5"/>
+          </p:nvPr>
+        </p:nvSpPr>
+        <p:spPr/>
+        <p:txBody>
+          <a:bodyPr/>
+          <a:lstStyle/>
+          <a:p>
+            <a:fld id="{4D2C949F-3CA9-4017-9788-73226C6E5AAA}" type="slidenum">
+              <a:rPr lang="es-ES" smtClean="0"/>
+              <a:t>12</a:t>
+            </a:fld>
+            <a:endParaRPr lang="es-ES"/>
+          </a:p>
+        </p:txBody>
+      </p:sp>
+    </p:spTree>
+    <p:extLst>
+      <p:ext uri="{BB962C8B-B14F-4D97-AF65-F5344CB8AC3E}">
+        <p14:creationId xmlns:p14="http://schemas.microsoft.com/office/powerpoint/2010/main" val="3105576816"/>
+      </p:ext>
+    </p:extLst>
+  </p:cSld>
+  <p:clrMapOvr>
+    <a:masterClrMapping/>
+  </p:clrMapOvr>
+</p:notes>
+</file>
+
+<file path=ppt/notesSlides/notesSlide13.xml><?xml version="1.0" encoding="utf-8"?>
 <p:notes xmlns:a="http://schemas.openxmlformats.org/drawingml/2006/main" xmlns:r="http://schemas.openxmlformats.org/officeDocument/2006/relationships" xmlns:p="http://schemas.openxmlformats.org/presentationml/2006/main">
   <p:cSld>
     <p:spTree>
@@ -1438,7 +943,7 @@
           <a:p>
             <a:fld id="{4D2C949F-3CA9-4017-9788-73226C6E5AAA}" type="slidenum">
               <a:rPr lang="es-ES" smtClean="0"/>
-              <a:t>11</a:t>
+              <a:t>13</a:t>
             </a:fld>
             <a:endParaRPr lang="es-ES"/>
           </a:p>
@@ -1457,7 +962,7 @@
 </p:notes>
 </file>
 
-<file path=ppt/notesSlides/notesSlide12.xml><?xml version="1.0" encoding="utf-8"?>
+<file path=ppt/notesSlides/notesSlide14.xml><?xml version="1.0" encoding="utf-8"?>
 <p:notes xmlns:a="http://schemas.openxmlformats.org/drawingml/2006/main" xmlns:r="http://schemas.openxmlformats.org/officeDocument/2006/relationships" xmlns:p="http://schemas.openxmlformats.org/presentationml/2006/main">
   <p:cSld>
     <p:spTree>
@@ -1545,7 +1050,7 @@
           <a:p>
             <a:fld id="{4D2C949F-3CA9-4017-9788-73226C6E5AAA}" type="slidenum">
               <a:rPr lang="es-ES" smtClean="0"/>
-              <a:t>12</a:t>
+              <a:t>14</a:t>
             </a:fld>
             <a:endParaRPr lang="es-ES"/>
           </a:p>
@@ -1564,7 +1069,7 @@
 </p:notes>
 </file>
 
-<file path=ppt/notesSlides/notesSlide13.xml><?xml version="1.0" encoding="utf-8"?>
+<file path=ppt/notesSlides/notesSlide15.xml><?xml version="1.0" encoding="utf-8"?>
 <p:notes xmlns:a="http://schemas.openxmlformats.org/drawingml/2006/main" xmlns:r="http://schemas.openxmlformats.org/officeDocument/2006/relationships" xmlns:p="http://schemas.openxmlformats.org/presentationml/2006/main">
   <p:cSld>
     <p:spTree>
@@ -1654,7 +1159,7 @@
           <a:p>
             <a:fld id="{4D2C949F-3CA9-4017-9788-73226C6E5AAA}" type="slidenum">
               <a:rPr lang="es-ES" smtClean="0"/>
-              <a:t>13</a:t>
+              <a:t>15</a:t>
             </a:fld>
             <a:endParaRPr lang="es-ES"/>
           </a:p>
@@ -1664,6 +1169,93 @@
     <p:extLst>
       <p:ext uri="{BB962C8B-B14F-4D97-AF65-F5344CB8AC3E}">
         <p14:creationId xmlns:p14="http://schemas.microsoft.com/office/powerpoint/2010/main" val="2186063745"/>
+      </p:ext>
+    </p:extLst>
+  </p:cSld>
+  <p:clrMapOvr>
+    <a:masterClrMapping/>
+  </p:clrMapOvr>
+</p:notes>
+</file>
+
+<file path=ppt/notesSlides/notesSlide16.xml><?xml version="1.0" encoding="utf-8"?>
+<p:notes xmlns:a="http://schemas.openxmlformats.org/drawingml/2006/main" xmlns:r="http://schemas.openxmlformats.org/officeDocument/2006/relationships" xmlns:p="http://schemas.openxmlformats.org/presentationml/2006/main">
+  <p:cSld>
+    <p:spTree>
+      <p:nvGrpSpPr>
+        <p:cNvPr id="1" name=""/>
+        <p:cNvGrpSpPr/>
+        <p:nvPr/>
+      </p:nvGrpSpPr>
+      <p:grpSpPr>
+        <a:xfrm>
+          <a:off x="0" y="0"/>
+          <a:ext cx="0" cy="0"/>
+          <a:chOff x="0" y="0"/>
+          <a:chExt cx="0" cy="0"/>
+        </a:xfrm>
+      </p:grpSpPr>
+      <p:sp>
+        <p:nvSpPr>
+          <p:cNvPr id="2" name="Marcador de imagen de diapositiva 1"/>
+          <p:cNvSpPr>
+            <a:spLocks noGrp="1" noRot="1" noChangeAspect="1"/>
+          </p:cNvSpPr>
+          <p:nvPr>
+            <p:ph type="sldImg"/>
+          </p:nvPr>
+        </p:nvSpPr>
+        <p:spPr/>
+      </p:sp>
+      <p:sp>
+        <p:nvSpPr>
+          <p:cNvPr id="3" name="Marcador de notas 2"/>
+          <p:cNvSpPr>
+            <a:spLocks noGrp="1"/>
+          </p:cNvSpPr>
+          <p:nvPr>
+            <p:ph type="body" idx="1"/>
+          </p:nvPr>
+        </p:nvSpPr>
+        <p:spPr/>
+        <p:txBody>
+          <a:bodyPr/>
+          <a:lstStyle/>
+          <a:p>
+            <a:r>
+              <a:rPr lang="es-ES" dirty="0"/>
+              <a:t>Pagina que verán los alumnos al seleccionar la opción de modificar sus datos</a:t>
+            </a:r>
+          </a:p>
+        </p:txBody>
+      </p:sp>
+      <p:sp>
+        <p:nvSpPr>
+          <p:cNvPr id="4" name="Marcador de número de diapositiva 3"/>
+          <p:cNvSpPr>
+            <a:spLocks noGrp="1"/>
+          </p:cNvSpPr>
+          <p:nvPr>
+            <p:ph type="sldNum" sz="quarter" idx="5"/>
+          </p:nvPr>
+        </p:nvSpPr>
+        <p:spPr/>
+        <p:txBody>
+          <a:bodyPr/>
+          <a:lstStyle/>
+          <a:p>
+            <a:fld id="{4D2C949F-3CA9-4017-9788-73226C6E5AAA}" type="slidenum">
+              <a:rPr lang="es-ES" smtClean="0"/>
+              <a:t>16</a:t>
+            </a:fld>
+            <a:endParaRPr lang="es-ES"/>
+          </a:p>
+        </p:txBody>
+      </p:sp>
+    </p:spTree>
+    <p:extLst>
+      <p:ext uri="{BB962C8B-B14F-4D97-AF65-F5344CB8AC3E}">
+        <p14:creationId xmlns:p14="http://schemas.microsoft.com/office/powerpoint/2010/main" val="2610369743"/>
       </p:ext>
     </p:extLst>
   </p:cSld>
@@ -2070,12 +1662,8 @@
           <a:lstStyle/>
           <a:p>
             <a:r>
-              <a:rPr lang="es-ES" dirty="0" err="1"/>
-              <a:t>Menu</a:t>
-            </a:r>
-            <a:r>
               <a:rPr lang="es-ES" dirty="0"/>
-              <a:t> del tutor , con las opciones que se le permiten a este</a:t>
+              <a:t>Pagina que verán los alumnos al seleccionar la opción de modificar sus datos</a:t>
             </a:r>
           </a:p>
         </p:txBody>
@@ -2106,6 +1694,97 @@
     </p:spTree>
     <p:extLst>
       <p:ext uri="{BB962C8B-B14F-4D97-AF65-F5344CB8AC3E}">
+        <p14:creationId xmlns:p14="http://schemas.microsoft.com/office/powerpoint/2010/main" val="1453630958"/>
+      </p:ext>
+    </p:extLst>
+  </p:cSld>
+  <p:clrMapOvr>
+    <a:masterClrMapping/>
+  </p:clrMapOvr>
+</p:notes>
+</file>
+
+<file path=ppt/notesSlides/notesSlide7.xml><?xml version="1.0" encoding="utf-8"?>
+<p:notes xmlns:a="http://schemas.openxmlformats.org/drawingml/2006/main" xmlns:r="http://schemas.openxmlformats.org/officeDocument/2006/relationships" xmlns:p="http://schemas.openxmlformats.org/presentationml/2006/main">
+  <p:cSld>
+    <p:spTree>
+      <p:nvGrpSpPr>
+        <p:cNvPr id="1" name=""/>
+        <p:cNvGrpSpPr/>
+        <p:nvPr/>
+      </p:nvGrpSpPr>
+      <p:grpSpPr>
+        <a:xfrm>
+          <a:off x="0" y="0"/>
+          <a:ext cx="0" cy="0"/>
+          <a:chOff x="0" y="0"/>
+          <a:chExt cx="0" cy="0"/>
+        </a:xfrm>
+      </p:grpSpPr>
+      <p:sp>
+        <p:nvSpPr>
+          <p:cNvPr id="2" name="Marcador de imagen de diapositiva 1"/>
+          <p:cNvSpPr>
+            <a:spLocks noGrp="1" noRot="1" noChangeAspect="1"/>
+          </p:cNvSpPr>
+          <p:nvPr>
+            <p:ph type="sldImg"/>
+          </p:nvPr>
+        </p:nvSpPr>
+        <p:spPr/>
+      </p:sp>
+      <p:sp>
+        <p:nvSpPr>
+          <p:cNvPr id="3" name="Marcador de notas 2"/>
+          <p:cNvSpPr>
+            <a:spLocks noGrp="1"/>
+          </p:cNvSpPr>
+          <p:nvPr>
+            <p:ph type="body" idx="1"/>
+          </p:nvPr>
+        </p:nvSpPr>
+        <p:spPr/>
+        <p:txBody>
+          <a:bodyPr/>
+          <a:lstStyle/>
+          <a:p>
+            <a:r>
+              <a:rPr lang="es-ES" dirty="0" err="1"/>
+              <a:t>Menu</a:t>
+            </a:r>
+            <a:r>
+              <a:rPr lang="es-ES" dirty="0"/>
+              <a:t> del tutor , con las opciones que se le permiten a este</a:t>
+            </a:r>
+          </a:p>
+        </p:txBody>
+      </p:sp>
+      <p:sp>
+        <p:nvSpPr>
+          <p:cNvPr id="4" name="Marcador de número de diapositiva 3"/>
+          <p:cNvSpPr>
+            <a:spLocks noGrp="1"/>
+          </p:cNvSpPr>
+          <p:nvPr>
+            <p:ph type="sldNum" sz="quarter" idx="5"/>
+          </p:nvPr>
+        </p:nvSpPr>
+        <p:spPr/>
+        <p:txBody>
+          <a:bodyPr/>
+          <a:lstStyle/>
+          <a:p>
+            <a:fld id="{4D2C949F-3CA9-4017-9788-73226C6E5AAA}" type="slidenum">
+              <a:rPr lang="es-ES" smtClean="0"/>
+              <a:t>7</a:t>
+            </a:fld>
+            <a:endParaRPr lang="es-ES"/>
+          </a:p>
+        </p:txBody>
+      </p:sp>
+    </p:spTree>
+    <p:extLst>
+      <p:ext uri="{BB962C8B-B14F-4D97-AF65-F5344CB8AC3E}">
         <p14:creationId xmlns:p14="http://schemas.microsoft.com/office/powerpoint/2010/main" val="3930640106"/>
       </p:ext>
     </p:extLst>
@@ -2116,7 +1795,7 @@
 </p:notes>
 </file>
 
-<file path=ppt/notesSlides/notesSlide7.xml><?xml version="1.0" encoding="utf-8"?>
+<file path=ppt/notesSlides/notesSlide8.xml><?xml version="1.0" encoding="utf-8"?>
 <p:notes xmlns:a="http://schemas.openxmlformats.org/drawingml/2006/main" xmlns:r="http://schemas.openxmlformats.org/officeDocument/2006/relationships" xmlns:p="http://schemas.openxmlformats.org/presentationml/2006/main">
   <p:cSld>
     <p:spTree>
@@ -2204,7 +1883,7 @@
           <a:p>
             <a:fld id="{4D2C949F-3CA9-4017-9788-73226C6E5AAA}" type="slidenum">
               <a:rPr lang="es-ES" smtClean="0"/>
-              <a:t>7</a:t>
+              <a:t>8</a:t>
             </a:fld>
             <a:endParaRPr lang="es-ES"/>
           </a:p>
@@ -2223,7 +1902,7 @@
 </p:notes>
 </file>
 
-<file path=ppt/notesSlides/notesSlide8.xml><?xml version="1.0" encoding="utf-8"?>
+<file path=ppt/notesSlides/notesSlide9.xml><?xml version="1.0" encoding="utf-8"?>
 <p:notes xmlns:a="http://schemas.openxmlformats.org/drawingml/2006/main" xmlns:r="http://schemas.openxmlformats.org/officeDocument/2006/relationships" xmlns:p="http://schemas.openxmlformats.org/presentationml/2006/main">
   <p:cSld>
     <p:spTree>
@@ -2311,7 +1990,7 @@
           <a:p>
             <a:fld id="{4D2C949F-3CA9-4017-9788-73226C6E5AAA}" type="slidenum">
               <a:rPr lang="es-ES" smtClean="0"/>
-              <a:t>8</a:t>
+              <a:t>9</a:t>
             </a:fld>
             <a:endParaRPr lang="es-ES"/>
           </a:p>
@@ -2321,113 +2000,6 @@
     <p:extLst>
       <p:ext uri="{BB962C8B-B14F-4D97-AF65-F5344CB8AC3E}">
         <p14:creationId xmlns:p14="http://schemas.microsoft.com/office/powerpoint/2010/main" val="1679603970"/>
-      </p:ext>
-    </p:extLst>
-  </p:cSld>
-  <p:clrMapOvr>
-    <a:masterClrMapping/>
-  </p:clrMapOvr>
-</p:notes>
-</file>
-
-<file path=ppt/notesSlides/notesSlide9.xml><?xml version="1.0" encoding="utf-8"?>
-<p:notes xmlns:a="http://schemas.openxmlformats.org/drawingml/2006/main" xmlns:r="http://schemas.openxmlformats.org/officeDocument/2006/relationships" xmlns:p="http://schemas.openxmlformats.org/presentationml/2006/main">
-  <p:cSld>
-    <p:spTree>
-      <p:nvGrpSpPr>
-        <p:cNvPr id="1" name=""/>
-        <p:cNvGrpSpPr/>
-        <p:nvPr/>
-      </p:nvGrpSpPr>
-      <p:grpSpPr>
-        <a:xfrm>
-          <a:off x="0" y="0"/>
-          <a:ext cx="0" cy="0"/>
-          <a:chOff x="0" y="0"/>
-          <a:chExt cx="0" cy="0"/>
-        </a:xfrm>
-      </p:grpSpPr>
-      <p:sp>
-        <p:nvSpPr>
-          <p:cNvPr id="2" name="Marcador de imagen de diapositiva 1"/>
-          <p:cNvSpPr>
-            <a:spLocks noGrp="1" noRot="1" noChangeAspect="1"/>
-          </p:cNvSpPr>
-          <p:nvPr>
-            <p:ph type="sldImg"/>
-          </p:nvPr>
-        </p:nvSpPr>
-        <p:spPr/>
-      </p:sp>
-      <p:sp>
-        <p:nvSpPr>
-          <p:cNvPr id="3" name="Marcador de notas 2"/>
-          <p:cNvSpPr>
-            <a:spLocks noGrp="1"/>
-          </p:cNvSpPr>
-          <p:nvPr>
-            <p:ph type="body" idx="1"/>
-          </p:nvPr>
-        </p:nvSpPr>
-        <p:spPr/>
-        <p:txBody>
-          <a:bodyPr/>
-          <a:lstStyle/>
-          <a:p>
-            <a:pPr marL="0" marR="0" lvl="0" indent="0" algn="l" defTabSz="914400" rtl="0" eaLnBrk="1" fontAlgn="auto" latinLnBrk="0" hangingPunct="1">
-              <a:lnSpc>
-                <a:spcPct val="100000"/>
-              </a:lnSpc>
-              <a:spcBef>
-                <a:spcPts val="0"/>
-              </a:spcBef>
-              <a:spcAft>
-                <a:spcPts val="0"/>
-              </a:spcAft>
-              <a:buClrTx/>
-              <a:buSzTx/>
-              <a:buFontTx/>
-              <a:buNone/>
-              <a:tabLst/>
-              <a:defRPr/>
-            </a:pPr>
-            <a:r>
-              <a:rPr lang="es-ES" dirty="0"/>
-              <a:t>Pagina que verán los tutores al seleccionar la opción de cambiar un tutor de una  empresa en el sistema</a:t>
-            </a:r>
-          </a:p>
-          <a:p>
-            <a:endParaRPr lang="es-ES" dirty="0"/>
-          </a:p>
-        </p:txBody>
-      </p:sp>
-      <p:sp>
-        <p:nvSpPr>
-          <p:cNvPr id="4" name="Marcador de número de diapositiva 3"/>
-          <p:cNvSpPr>
-            <a:spLocks noGrp="1"/>
-          </p:cNvSpPr>
-          <p:nvPr>
-            <p:ph type="sldNum" sz="quarter" idx="5"/>
-          </p:nvPr>
-        </p:nvSpPr>
-        <p:spPr/>
-        <p:txBody>
-          <a:bodyPr/>
-          <a:lstStyle/>
-          <a:p>
-            <a:fld id="{4D2C949F-3CA9-4017-9788-73226C6E5AAA}" type="slidenum">
-              <a:rPr lang="es-ES" smtClean="0"/>
-              <a:t>9</a:t>
-            </a:fld>
-            <a:endParaRPr lang="es-ES"/>
-          </a:p>
-        </p:txBody>
-      </p:sp>
-    </p:spTree>
-    <p:extLst>
-      <p:ext uri="{BB962C8B-B14F-4D97-AF65-F5344CB8AC3E}">
-        <p14:creationId xmlns:p14="http://schemas.microsoft.com/office/powerpoint/2010/main" val="1275162334"/>
       </p:ext>
     </p:extLst>
   </p:cSld>
@@ -2584,7 +2156,7 @@
           <a:p>
             <a:fld id="{081858EE-9950-4DB6-A16D-9386F2BBC3E2}" type="datetimeFigureOut">
               <a:rPr lang="es-ES" smtClean="0"/>
-              <a:t>04/11/2022</a:t>
+              <a:t>14/11/2022</a:t>
             </a:fld>
             <a:endParaRPr lang="es-ES"/>
           </a:p>
@@ -2782,7 +2354,7 @@
           <a:p>
             <a:fld id="{081858EE-9950-4DB6-A16D-9386F2BBC3E2}" type="datetimeFigureOut">
               <a:rPr lang="es-ES" smtClean="0"/>
-              <a:t>04/11/2022</a:t>
+              <a:t>14/11/2022</a:t>
             </a:fld>
             <a:endParaRPr lang="es-ES"/>
           </a:p>
@@ -2990,7 +2562,7 @@
           <a:p>
             <a:fld id="{081858EE-9950-4DB6-A16D-9386F2BBC3E2}" type="datetimeFigureOut">
               <a:rPr lang="es-ES" smtClean="0"/>
-              <a:t>04/11/2022</a:t>
+              <a:t>14/11/2022</a:t>
             </a:fld>
             <a:endParaRPr lang="es-ES"/>
           </a:p>
@@ -3188,7 +2760,7 @@
           <a:p>
             <a:fld id="{081858EE-9950-4DB6-A16D-9386F2BBC3E2}" type="datetimeFigureOut">
               <a:rPr lang="es-ES" smtClean="0"/>
-              <a:t>04/11/2022</a:t>
+              <a:t>14/11/2022</a:t>
             </a:fld>
             <a:endParaRPr lang="es-ES"/>
           </a:p>
@@ -3463,7 +3035,7 @@
           <a:p>
             <a:fld id="{081858EE-9950-4DB6-A16D-9386F2BBC3E2}" type="datetimeFigureOut">
               <a:rPr lang="es-ES" smtClean="0"/>
-              <a:t>04/11/2022</a:t>
+              <a:t>14/11/2022</a:t>
             </a:fld>
             <a:endParaRPr lang="es-ES"/>
           </a:p>
@@ -3728,7 +3300,7 @@
           <a:p>
             <a:fld id="{081858EE-9950-4DB6-A16D-9386F2BBC3E2}" type="datetimeFigureOut">
               <a:rPr lang="es-ES" smtClean="0"/>
-              <a:t>04/11/2022</a:t>
+              <a:t>14/11/2022</a:t>
             </a:fld>
             <a:endParaRPr lang="es-ES"/>
           </a:p>
@@ -4140,7 +3712,7 @@
           <a:p>
             <a:fld id="{081858EE-9950-4DB6-A16D-9386F2BBC3E2}" type="datetimeFigureOut">
               <a:rPr lang="es-ES" smtClean="0"/>
-              <a:t>04/11/2022</a:t>
+              <a:t>14/11/2022</a:t>
             </a:fld>
             <a:endParaRPr lang="es-ES"/>
           </a:p>
@@ -4281,7 +3853,7 @@
           <a:p>
             <a:fld id="{081858EE-9950-4DB6-A16D-9386F2BBC3E2}" type="datetimeFigureOut">
               <a:rPr lang="es-ES" smtClean="0"/>
-              <a:t>04/11/2022</a:t>
+              <a:t>14/11/2022</a:t>
             </a:fld>
             <a:endParaRPr lang="es-ES"/>
           </a:p>
@@ -4394,7 +3966,7 @@
           <a:p>
             <a:fld id="{081858EE-9950-4DB6-A16D-9386F2BBC3E2}" type="datetimeFigureOut">
               <a:rPr lang="es-ES" smtClean="0"/>
-              <a:t>04/11/2022</a:t>
+              <a:t>14/11/2022</a:t>
             </a:fld>
             <a:endParaRPr lang="es-ES"/>
           </a:p>
@@ -4705,7 +4277,7 @@
           <a:p>
             <a:fld id="{081858EE-9950-4DB6-A16D-9386F2BBC3E2}" type="datetimeFigureOut">
               <a:rPr lang="es-ES" smtClean="0"/>
-              <a:t>04/11/2022</a:t>
+              <a:t>14/11/2022</a:t>
             </a:fld>
             <a:endParaRPr lang="es-ES"/>
           </a:p>
@@ -4993,7 +4565,7 @@
           <a:p>
             <a:fld id="{081858EE-9950-4DB6-A16D-9386F2BBC3E2}" type="datetimeFigureOut">
               <a:rPr lang="es-ES" smtClean="0"/>
-              <a:t>04/11/2022</a:t>
+              <a:t>14/11/2022</a:t>
             </a:fld>
             <a:endParaRPr lang="es-ES"/>
           </a:p>
@@ -5234,7 +4806,7 @@
           <a:p>
             <a:fld id="{081858EE-9950-4DB6-A16D-9386F2BBC3E2}" type="datetimeFigureOut">
               <a:rPr lang="es-ES" smtClean="0"/>
-              <a:t>04/11/2022</a:t>
+              <a:t>14/11/2022</a:t>
             </a:fld>
             <a:endParaRPr lang="es-ES"/>
           </a:p>
@@ -6049,6 +5621,708 @@
         </p:nvSpPr>
         <p:spPr>
           <a:xfrm>
+            <a:off x="0" y="0"/>
+            <a:ext cx="12192000" cy="6858000"/>
+          </a:xfrm>
+          <a:prstGeom prst="rect">
+            <a:avLst/>
+          </a:prstGeom>
+          <a:solidFill>
+            <a:schemeClr val="accent5">
+              <a:lumMod val="40000"/>
+              <a:lumOff val="60000"/>
+            </a:schemeClr>
+          </a:solidFill>
+          <a:ln>
+            <a:solidFill>
+              <a:schemeClr val="tx1"/>
+            </a:solidFill>
+          </a:ln>
+        </p:spPr>
+        <p:style>
+          <a:lnRef idx="2">
+            <a:schemeClr val="accent1">
+              <a:shade val="50000"/>
+            </a:schemeClr>
+          </a:lnRef>
+          <a:fillRef idx="1">
+            <a:schemeClr val="accent1"/>
+          </a:fillRef>
+          <a:effectRef idx="0">
+            <a:schemeClr val="accent1"/>
+          </a:effectRef>
+          <a:fontRef idx="minor">
+            <a:schemeClr val="lt1"/>
+          </a:fontRef>
+        </p:style>
+        <p:txBody>
+          <a:bodyPr rtlCol="0" anchor="ctr"/>
+          <a:lstStyle/>
+          <a:p>
+            <a:pPr algn="ctr"/>
+            <a:endParaRPr lang="es-ES" dirty="0"/>
+          </a:p>
+        </p:txBody>
+      </p:sp>
+      <p:sp>
+        <p:nvSpPr>
+          <p:cNvPr id="5" name="Rectángulo 4">
+            <a:extLst>
+              <a:ext uri="{FF2B5EF4-FFF2-40B4-BE49-F238E27FC236}">
+                <a16:creationId xmlns:a16="http://schemas.microsoft.com/office/drawing/2014/main" id="{C8CA8C21-D4A2-42E4-963F-DB5259E72712}"/>
+              </a:ext>
+            </a:extLst>
+          </p:cNvPr>
+          <p:cNvSpPr/>
+          <p:nvPr/>
+        </p:nvSpPr>
+        <p:spPr>
+          <a:xfrm>
+            <a:off x="3785834" y="292445"/>
+            <a:ext cx="4741680" cy="584775"/>
+          </a:xfrm>
+          <a:prstGeom prst="rect">
+            <a:avLst/>
+          </a:prstGeom>
+          <a:noFill/>
+        </p:spPr>
+        <p:txBody>
+          <a:bodyPr wrap="square" lIns="91440" tIns="45720" rIns="91440" bIns="45720">
+            <a:spAutoFit/>
+          </a:bodyPr>
+          <a:lstStyle/>
+          <a:p>
+            <a:pPr algn="ctr"/>
+            <a:r>
+              <a:rPr lang="es-ES" sz="3200" dirty="0">
+                <a:ln w="0"/>
+                <a:solidFill>
+                  <a:schemeClr val="accent5">
+                    <a:lumMod val="50000"/>
+                  </a:schemeClr>
+                </a:solidFill>
+                <a:effectLst>
+                  <a:outerShdw blurRad="38100" dist="38100" dir="2700000" algn="tl">
+                    <a:srgbClr val="000000">
+                      <a:alpha val="43137"/>
+                    </a:srgbClr>
+                  </a:outerShdw>
+                </a:effectLst>
+                <a:latin typeface="Verdana" panose="020B0604030504040204" pitchFamily="34" charset="0"/>
+                <a:ea typeface="Verdana" panose="020B0604030504040204" pitchFamily="34" charset="0"/>
+              </a:rPr>
+              <a:t>GESTIÓN PRÁCTICAS</a:t>
+            </a:r>
+          </a:p>
+        </p:txBody>
+      </p:sp>
+      <p:sp>
+        <p:nvSpPr>
+          <p:cNvPr id="29" name="CuadroTexto 28">
+            <a:extLst>
+              <a:ext uri="{FF2B5EF4-FFF2-40B4-BE49-F238E27FC236}">
+                <a16:creationId xmlns:a16="http://schemas.microsoft.com/office/drawing/2014/main" id="{15F9DC28-23C0-427C-B3AB-B32C3CD694A4}"/>
+              </a:ext>
+            </a:extLst>
+          </p:cNvPr>
+          <p:cNvSpPr txBox="1"/>
+          <p:nvPr/>
+        </p:nvSpPr>
+        <p:spPr>
+          <a:xfrm>
+            <a:off x="5858007" y="1348595"/>
+            <a:ext cx="2239770" cy="369332"/>
+          </a:xfrm>
+          <a:prstGeom prst="rect">
+            <a:avLst/>
+          </a:prstGeom>
+          <a:noFill/>
+        </p:spPr>
+        <p:txBody>
+          <a:bodyPr wrap="square" rtlCol="0">
+            <a:spAutoFit/>
+          </a:bodyPr>
+          <a:lstStyle/>
+          <a:p>
+            <a:r>
+              <a:rPr lang="es-ES" dirty="0">
+                <a:solidFill>
+                  <a:schemeClr val="accent1">
+                    <a:lumMod val="50000"/>
+                  </a:schemeClr>
+                </a:solidFill>
+                <a:latin typeface="Verdana" panose="020B0604030504040204" pitchFamily="34" charset="0"/>
+                <a:ea typeface="Verdana" panose="020B0604030504040204" pitchFamily="34" charset="0"/>
+              </a:rPr>
+              <a:t> </a:t>
+            </a:r>
+            <a:endParaRPr lang="es-ES" sz="2000" dirty="0">
+              <a:solidFill>
+                <a:schemeClr val="accent1">
+                  <a:lumMod val="50000"/>
+                </a:schemeClr>
+              </a:solidFill>
+              <a:latin typeface="Verdana" panose="020B0604030504040204" pitchFamily="34" charset="0"/>
+              <a:ea typeface="Verdana" panose="020B0604030504040204" pitchFamily="34" charset="0"/>
+            </a:endParaRPr>
+          </a:p>
+        </p:txBody>
+      </p:sp>
+      <p:sp>
+        <p:nvSpPr>
+          <p:cNvPr id="45" name="CuadroTexto 44">
+            <a:extLst>
+              <a:ext uri="{FF2B5EF4-FFF2-40B4-BE49-F238E27FC236}">
+                <a16:creationId xmlns:a16="http://schemas.microsoft.com/office/drawing/2014/main" id="{F6D280E0-98A1-4AAE-A32B-8BDDB85E571B}"/>
+              </a:ext>
+            </a:extLst>
+          </p:cNvPr>
+          <p:cNvSpPr txBox="1"/>
+          <p:nvPr/>
+        </p:nvSpPr>
+        <p:spPr>
+          <a:xfrm>
+            <a:off x="2762879" y="2897137"/>
+            <a:ext cx="2297873" cy="338554"/>
+          </a:xfrm>
+          <a:prstGeom prst="rect">
+            <a:avLst/>
+          </a:prstGeom>
+          <a:noFill/>
+        </p:spPr>
+        <p:txBody>
+          <a:bodyPr wrap="square" rtlCol="0">
+            <a:spAutoFit/>
+          </a:bodyPr>
+          <a:lstStyle/>
+          <a:p>
+            <a:endParaRPr lang="es-ES" sz="1600" dirty="0">
+              <a:latin typeface="Verdana" panose="020B0604030504040204" pitchFamily="34" charset="0"/>
+              <a:ea typeface="Verdana" panose="020B0604030504040204" pitchFamily="34" charset="0"/>
+            </a:endParaRPr>
+          </a:p>
+        </p:txBody>
+      </p:sp>
+      <p:sp>
+        <p:nvSpPr>
+          <p:cNvPr id="50" name="Rectángulo 49">
+            <a:extLst>
+              <a:ext uri="{FF2B5EF4-FFF2-40B4-BE49-F238E27FC236}">
+                <a16:creationId xmlns:a16="http://schemas.microsoft.com/office/drawing/2014/main" id="{E84EC8EC-7CC0-4E97-A670-F5753F76F428}"/>
+              </a:ext>
+            </a:extLst>
+          </p:cNvPr>
+          <p:cNvSpPr/>
+          <p:nvPr/>
+        </p:nvSpPr>
+        <p:spPr>
+          <a:xfrm>
+            <a:off x="4018332" y="4833623"/>
+            <a:ext cx="4509181" cy="523220"/>
+          </a:xfrm>
+          <a:prstGeom prst="rect">
+            <a:avLst/>
+          </a:prstGeom>
+        </p:spPr>
+        <p:style>
+          <a:lnRef idx="2">
+            <a:schemeClr val="accent1">
+              <a:shade val="50000"/>
+            </a:schemeClr>
+          </a:lnRef>
+          <a:fillRef idx="1">
+            <a:schemeClr val="accent1"/>
+          </a:fillRef>
+          <a:effectRef idx="0">
+            <a:schemeClr val="accent1"/>
+          </a:effectRef>
+          <a:fontRef idx="minor">
+            <a:schemeClr val="lt1"/>
+          </a:fontRef>
+        </p:style>
+        <p:txBody>
+          <a:bodyPr rtlCol="0" anchor="ctr"/>
+          <a:lstStyle/>
+          <a:p>
+            <a:pPr algn="ctr"/>
+            <a:r>
+              <a:rPr lang="es-ES" dirty="0">
+                <a:latin typeface="Verdana" panose="020B0604030504040204" pitchFamily="34" charset="0"/>
+                <a:ea typeface="Verdana" panose="020B0604030504040204" pitchFamily="34" charset="0"/>
+              </a:rPr>
+              <a:t>Modificar tutor de la empresa</a:t>
+            </a:r>
+          </a:p>
+        </p:txBody>
+      </p:sp>
+      <p:graphicFrame>
+        <p:nvGraphicFramePr>
+          <p:cNvPr id="3" name="Tabla 5">
+            <a:extLst>
+              <a:ext uri="{FF2B5EF4-FFF2-40B4-BE49-F238E27FC236}">
+                <a16:creationId xmlns:a16="http://schemas.microsoft.com/office/drawing/2014/main" id="{382426E5-DC90-4EEC-9F79-6C4D24928338}"/>
+              </a:ext>
+            </a:extLst>
+          </p:cNvPr>
+          <p:cNvGraphicFramePr>
+            <a:graphicFrameLocks noGrp="1"/>
+          </p:cNvGraphicFramePr>
+          <p:nvPr>
+            <p:extLst>
+              <p:ext uri="{D42A27DB-BD31-4B8C-83A1-F6EECF244321}">
+                <p14:modId xmlns:p14="http://schemas.microsoft.com/office/powerpoint/2010/main" val="2600377896"/>
+              </p:ext>
+            </p:extLst>
+          </p:nvPr>
+        </p:nvGraphicFramePr>
+        <p:xfrm>
+          <a:off x="4018332" y="1717927"/>
+          <a:ext cx="4509182" cy="2358420"/>
+        </p:xfrm>
+        <a:graphic>
+          <a:graphicData uri="http://schemas.openxmlformats.org/drawingml/2006/table">
+            <a:tbl>
+              <a:tblPr firstRow="1" bandRow="1">
+                <a:tableStyleId>{5C22544A-7EE6-4342-B048-85BDC9FD1C3A}</a:tableStyleId>
+              </a:tblPr>
+              <a:tblGrid>
+                <a:gridCol w="2254591">
+                  <a:extLst>
+                    <a:ext uri="{9D8B030D-6E8A-4147-A177-3AD203B41FA5}">
+                      <a16:colId xmlns:a16="http://schemas.microsoft.com/office/drawing/2014/main" val="3701280786"/>
+                    </a:ext>
+                  </a:extLst>
+                </a:gridCol>
+                <a:gridCol w="2254591">
+                  <a:extLst>
+                    <a:ext uri="{9D8B030D-6E8A-4147-A177-3AD203B41FA5}">
+                      <a16:colId xmlns:a16="http://schemas.microsoft.com/office/drawing/2014/main" val="2296914076"/>
+                    </a:ext>
+                  </a:extLst>
+                </a:gridCol>
+              </a:tblGrid>
+              <a:tr h="1179210">
+                <a:tc>
+                  <a:txBody>
+                    <a:bodyPr/>
+                    <a:lstStyle/>
+                    <a:p>
+                      <a:pPr marL="0" marR="0" lvl="0" indent="0" algn="ctr" defTabSz="914400" rtl="0" eaLnBrk="1" fontAlgn="auto" latinLnBrk="0" hangingPunct="1">
+                        <a:lnSpc>
+                          <a:spcPct val="100000"/>
+                        </a:lnSpc>
+                        <a:spcBef>
+                          <a:spcPts val="0"/>
+                        </a:spcBef>
+                        <a:spcAft>
+                          <a:spcPts val="0"/>
+                        </a:spcAft>
+                        <a:buClrTx/>
+                        <a:buSzTx/>
+                        <a:buFontTx/>
+                        <a:buNone/>
+                        <a:tabLst/>
+                        <a:defRPr/>
+                      </a:pPr>
+                      <a:r>
+                        <a:rPr lang="es-ES" sz="1600" dirty="0">
+                          <a:solidFill>
+                            <a:schemeClr val="accent1">
+                              <a:lumMod val="50000"/>
+                            </a:schemeClr>
+                          </a:solidFill>
+                          <a:latin typeface="Verdana" panose="020B0604030504040204" pitchFamily="34" charset="0"/>
+                          <a:ea typeface="Verdana" panose="020B0604030504040204" pitchFamily="34" charset="0"/>
+                        </a:rPr>
+                        <a:t>Nombre de la empresa a editar</a:t>
+                      </a:r>
+                    </a:p>
+                  </a:txBody>
+                  <a:tcPr anchor="ctr">
+                    <a:lnL w="12700" cap="flat" cmpd="sng" algn="ctr">
+                      <a:solidFill>
+                        <a:schemeClr val="accent1">
+                          <a:lumMod val="75000"/>
+                        </a:schemeClr>
+                      </a:solidFill>
+                      <a:prstDash val="solid"/>
+                      <a:round/>
+                      <a:headEnd type="none" w="med" len="med"/>
+                      <a:tailEnd type="none" w="med" len="med"/>
+                    </a:lnL>
+                    <a:lnR w="12700" cap="flat" cmpd="sng" algn="ctr">
+                      <a:solidFill>
+                        <a:schemeClr val="accent1">
+                          <a:lumMod val="75000"/>
+                        </a:schemeClr>
+                      </a:solidFill>
+                      <a:prstDash val="solid"/>
+                      <a:round/>
+                      <a:headEnd type="none" w="med" len="med"/>
+                      <a:tailEnd type="none" w="med" len="med"/>
+                    </a:lnR>
+                    <a:lnT w="12700" cap="flat" cmpd="sng" algn="ctr">
+                      <a:solidFill>
+                        <a:schemeClr val="accent1">
+                          <a:lumMod val="75000"/>
+                        </a:schemeClr>
+                      </a:solidFill>
+                      <a:prstDash val="solid"/>
+                      <a:round/>
+                      <a:headEnd type="none" w="med" len="med"/>
+                      <a:tailEnd type="none" w="med" len="med"/>
+                    </a:lnT>
+                    <a:lnB w="12700" cap="flat" cmpd="sng" algn="ctr">
+                      <a:solidFill>
+                        <a:schemeClr val="accent1">
+                          <a:lumMod val="75000"/>
+                        </a:schemeClr>
+                      </a:solidFill>
+                      <a:prstDash val="solid"/>
+                      <a:round/>
+                      <a:headEnd type="none" w="med" len="med"/>
+                      <a:tailEnd type="none" w="med" len="med"/>
+                    </a:lnB>
+                    <a:noFill/>
+                  </a:tcPr>
+                </a:tc>
+                <a:tc>
+                  <a:txBody>
+                    <a:bodyPr/>
+                    <a:lstStyle/>
+                    <a:p>
+                      <a:pPr marL="0" marR="0" lvl="0" indent="0" algn="ctr" defTabSz="914400" rtl="0" eaLnBrk="1" fontAlgn="auto" latinLnBrk="0" hangingPunct="1">
+                        <a:lnSpc>
+                          <a:spcPct val="100000"/>
+                        </a:lnSpc>
+                        <a:spcBef>
+                          <a:spcPts val="0"/>
+                        </a:spcBef>
+                        <a:spcAft>
+                          <a:spcPts val="0"/>
+                        </a:spcAft>
+                        <a:buClrTx/>
+                        <a:buSzTx/>
+                        <a:buFontTx/>
+                        <a:buNone/>
+                        <a:tabLst/>
+                        <a:defRPr/>
+                      </a:pPr>
+                      <a:r>
+                        <a:rPr lang="es-ES" sz="1200" b="0" dirty="0">
+                          <a:solidFill>
+                            <a:schemeClr val="tx1"/>
+                          </a:solidFill>
+                          <a:latin typeface="Verdana" panose="020B0604030504040204" pitchFamily="34" charset="0"/>
+                          <a:ea typeface="Verdana" panose="020B0604030504040204" pitchFamily="34" charset="0"/>
+                        </a:rPr>
+                        <a:t>LOGICALIS SPAIN S.L.U.</a:t>
+                      </a:r>
+                    </a:p>
+                  </a:txBody>
+                  <a:tcPr anchor="ctr">
+                    <a:lnL w="12700" cap="flat" cmpd="sng" algn="ctr">
+                      <a:solidFill>
+                        <a:schemeClr val="accent1">
+                          <a:lumMod val="75000"/>
+                        </a:schemeClr>
+                      </a:solidFill>
+                      <a:prstDash val="solid"/>
+                      <a:round/>
+                      <a:headEnd type="none" w="med" len="med"/>
+                      <a:tailEnd type="none" w="med" len="med"/>
+                    </a:lnL>
+                    <a:lnR w="12700" cap="flat" cmpd="sng" algn="ctr">
+                      <a:solidFill>
+                        <a:schemeClr val="accent1">
+                          <a:lumMod val="75000"/>
+                        </a:schemeClr>
+                      </a:solidFill>
+                      <a:prstDash val="solid"/>
+                      <a:round/>
+                      <a:headEnd type="none" w="med" len="med"/>
+                      <a:tailEnd type="none" w="med" len="med"/>
+                    </a:lnR>
+                    <a:lnT w="12700" cap="flat" cmpd="sng" algn="ctr">
+                      <a:solidFill>
+                        <a:schemeClr val="accent1">
+                          <a:lumMod val="75000"/>
+                        </a:schemeClr>
+                      </a:solidFill>
+                      <a:prstDash val="solid"/>
+                      <a:round/>
+                      <a:headEnd type="none" w="med" len="med"/>
+                      <a:tailEnd type="none" w="med" len="med"/>
+                    </a:lnT>
+                    <a:lnB w="12700" cap="flat" cmpd="sng" algn="ctr">
+                      <a:solidFill>
+                        <a:schemeClr val="accent1">
+                          <a:lumMod val="75000"/>
+                        </a:schemeClr>
+                      </a:solidFill>
+                      <a:prstDash val="solid"/>
+                      <a:round/>
+                      <a:headEnd type="none" w="med" len="med"/>
+                      <a:tailEnd type="none" w="med" len="med"/>
+                    </a:lnB>
+                    <a:noFill/>
+                  </a:tcPr>
+                </a:tc>
+                <a:extLst>
+                  <a:ext uri="{0D108BD9-81ED-4DB2-BD59-A6C34878D82A}">
+                    <a16:rowId xmlns:a16="http://schemas.microsoft.com/office/drawing/2014/main" val="2143072800"/>
+                  </a:ext>
+                </a:extLst>
+              </a:tr>
+              <a:tr h="1179210">
+                <a:tc>
+                  <a:txBody>
+                    <a:bodyPr/>
+                    <a:lstStyle/>
+                    <a:p>
+                      <a:pPr marL="0" marR="0" lvl="0" indent="0" algn="ctr" defTabSz="914400" rtl="0" eaLnBrk="1" fontAlgn="auto" latinLnBrk="0" hangingPunct="1">
+                        <a:lnSpc>
+                          <a:spcPct val="100000"/>
+                        </a:lnSpc>
+                        <a:spcBef>
+                          <a:spcPts val="0"/>
+                        </a:spcBef>
+                        <a:spcAft>
+                          <a:spcPts val="0"/>
+                        </a:spcAft>
+                        <a:buClrTx/>
+                        <a:buSzTx/>
+                        <a:buFontTx/>
+                        <a:buNone/>
+                        <a:tabLst/>
+                        <a:defRPr/>
+                      </a:pPr>
+                      <a:r>
+                        <a:rPr lang="es-ES" sz="1600" b="1" dirty="0">
+                          <a:solidFill>
+                            <a:schemeClr val="accent1">
+                              <a:lumMod val="50000"/>
+                            </a:schemeClr>
+                          </a:solidFill>
+                          <a:latin typeface="Verdana" panose="020B0604030504040204" pitchFamily="34" charset="0"/>
+                          <a:ea typeface="Verdana" panose="020B0604030504040204" pitchFamily="34" charset="0"/>
+                        </a:rPr>
+                        <a:t>Nombre del nuevo tutor </a:t>
+                      </a:r>
+                    </a:p>
+                    <a:p>
+                      <a:pPr marL="0" marR="0" lvl="0" indent="0" algn="ctr" defTabSz="914400" rtl="0" eaLnBrk="1" fontAlgn="auto" latinLnBrk="0" hangingPunct="1">
+                        <a:lnSpc>
+                          <a:spcPct val="100000"/>
+                        </a:lnSpc>
+                        <a:spcBef>
+                          <a:spcPts val="0"/>
+                        </a:spcBef>
+                        <a:spcAft>
+                          <a:spcPts val="0"/>
+                        </a:spcAft>
+                        <a:buClrTx/>
+                        <a:buSzTx/>
+                        <a:buFontTx/>
+                        <a:buNone/>
+                        <a:tabLst/>
+                        <a:defRPr/>
+                      </a:pPr>
+                      <a:endParaRPr lang="es-ES" sz="1600" dirty="0">
+                        <a:solidFill>
+                          <a:schemeClr val="accent1">
+                            <a:lumMod val="50000"/>
+                          </a:schemeClr>
+                        </a:solidFill>
+                        <a:latin typeface="Verdana" panose="020B0604030504040204" pitchFamily="34" charset="0"/>
+                        <a:ea typeface="Verdana" panose="020B0604030504040204" pitchFamily="34" charset="0"/>
+                      </a:endParaRPr>
+                    </a:p>
+                  </a:txBody>
+                  <a:tcPr anchor="ctr">
+                    <a:lnL w="12700" cap="flat" cmpd="sng" algn="ctr">
+                      <a:solidFill>
+                        <a:schemeClr val="accent1">
+                          <a:lumMod val="75000"/>
+                        </a:schemeClr>
+                      </a:solidFill>
+                      <a:prstDash val="solid"/>
+                      <a:round/>
+                      <a:headEnd type="none" w="med" len="med"/>
+                      <a:tailEnd type="none" w="med" len="med"/>
+                    </a:lnL>
+                    <a:lnR w="12700" cap="flat" cmpd="sng" algn="ctr">
+                      <a:solidFill>
+                        <a:schemeClr val="accent1">
+                          <a:lumMod val="75000"/>
+                        </a:schemeClr>
+                      </a:solidFill>
+                      <a:prstDash val="solid"/>
+                      <a:round/>
+                      <a:headEnd type="none" w="med" len="med"/>
+                      <a:tailEnd type="none" w="med" len="med"/>
+                    </a:lnR>
+                    <a:lnT w="12700" cap="flat" cmpd="sng" algn="ctr">
+                      <a:solidFill>
+                        <a:schemeClr val="accent1">
+                          <a:lumMod val="75000"/>
+                        </a:schemeClr>
+                      </a:solidFill>
+                      <a:prstDash val="solid"/>
+                      <a:round/>
+                      <a:headEnd type="none" w="med" len="med"/>
+                      <a:tailEnd type="none" w="med" len="med"/>
+                    </a:lnT>
+                    <a:lnB w="12700" cap="flat" cmpd="sng" algn="ctr">
+                      <a:solidFill>
+                        <a:schemeClr val="accent1">
+                          <a:lumMod val="75000"/>
+                        </a:schemeClr>
+                      </a:solidFill>
+                      <a:prstDash val="solid"/>
+                      <a:round/>
+                      <a:headEnd type="none" w="med" len="med"/>
+                      <a:tailEnd type="none" w="med" len="med"/>
+                    </a:lnB>
+                    <a:noFill/>
+                  </a:tcPr>
+                </a:tc>
+                <a:tc>
+                  <a:txBody>
+                    <a:bodyPr/>
+                    <a:lstStyle/>
+                    <a:p>
+                      <a:pPr marL="0" marR="0" lvl="0" indent="0" algn="ctr" defTabSz="914400" rtl="0" eaLnBrk="1" fontAlgn="auto" latinLnBrk="0" hangingPunct="1">
+                        <a:lnSpc>
+                          <a:spcPct val="100000"/>
+                        </a:lnSpc>
+                        <a:spcBef>
+                          <a:spcPts val="0"/>
+                        </a:spcBef>
+                        <a:spcAft>
+                          <a:spcPts val="0"/>
+                        </a:spcAft>
+                        <a:buClrTx/>
+                        <a:buSzTx/>
+                        <a:buFontTx/>
+                        <a:buNone/>
+                        <a:tabLst/>
+                        <a:defRPr/>
+                      </a:pPr>
+                      <a:r>
+                        <a:rPr lang="es-ES" sz="1200" b="0" dirty="0">
+                          <a:solidFill>
+                            <a:schemeClr val="tx1"/>
+                          </a:solidFill>
+                          <a:latin typeface="Verdana" panose="020B0604030504040204" pitchFamily="34" charset="0"/>
+                          <a:ea typeface="Verdana" panose="020B0604030504040204" pitchFamily="34" charset="0"/>
+                        </a:rPr>
+                        <a:t>Luis Pérez Olmo</a:t>
+                      </a:r>
+                    </a:p>
+                  </a:txBody>
+                  <a:tcPr anchor="ctr">
+                    <a:lnL w="12700" cap="flat" cmpd="sng" algn="ctr">
+                      <a:solidFill>
+                        <a:schemeClr val="accent1">
+                          <a:lumMod val="75000"/>
+                        </a:schemeClr>
+                      </a:solidFill>
+                      <a:prstDash val="solid"/>
+                      <a:round/>
+                      <a:headEnd type="none" w="med" len="med"/>
+                      <a:tailEnd type="none" w="med" len="med"/>
+                    </a:lnL>
+                    <a:lnR w="12700" cap="flat" cmpd="sng" algn="ctr">
+                      <a:solidFill>
+                        <a:schemeClr val="accent1">
+                          <a:lumMod val="75000"/>
+                        </a:schemeClr>
+                      </a:solidFill>
+                      <a:prstDash val="solid"/>
+                      <a:round/>
+                      <a:headEnd type="none" w="med" len="med"/>
+                      <a:tailEnd type="none" w="med" len="med"/>
+                    </a:lnR>
+                    <a:lnT w="12700" cap="flat" cmpd="sng" algn="ctr">
+                      <a:solidFill>
+                        <a:schemeClr val="accent1">
+                          <a:lumMod val="75000"/>
+                        </a:schemeClr>
+                      </a:solidFill>
+                      <a:prstDash val="solid"/>
+                      <a:round/>
+                      <a:headEnd type="none" w="med" len="med"/>
+                      <a:tailEnd type="none" w="med" len="med"/>
+                    </a:lnT>
+                    <a:lnB w="12700" cap="flat" cmpd="sng" algn="ctr">
+                      <a:solidFill>
+                        <a:schemeClr val="accent1">
+                          <a:lumMod val="75000"/>
+                        </a:schemeClr>
+                      </a:solidFill>
+                      <a:prstDash val="solid"/>
+                      <a:round/>
+                      <a:headEnd type="none" w="med" len="med"/>
+                      <a:tailEnd type="none" w="med" len="med"/>
+                    </a:lnB>
+                    <a:noFill/>
+                  </a:tcPr>
+                </a:tc>
+                <a:extLst>
+                  <a:ext uri="{0D108BD9-81ED-4DB2-BD59-A6C34878D82A}">
+                    <a16:rowId xmlns:a16="http://schemas.microsoft.com/office/drawing/2014/main" val="1441484300"/>
+                  </a:ext>
+                </a:extLst>
+              </a:tr>
+            </a:tbl>
+          </a:graphicData>
+        </a:graphic>
+      </p:graphicFrame>
+    </p:spTree>
+    <p:extLst>
+      <p:ext uri="{BB962C8B-B14F-4D97-AF65-F5344CB8AC3E}">
+        <p14:creationId xmlns:p14="http://schemas.microsoft.com/office/powerpoint/2010/main" val="479236911"/>
+      </p:ext>
+    </p:extLst>
+  </p:cSld>
+  <p:clrMapOvr>
+    <a:masterClrMapping/>
+  </p:clrMapOvr>
+</p:sld>
+</file>
+
+<file path=ppt/slides/slide11.xml><?xml version="1.0" encoding="utf-8"?>
+<p:sld xmlns:a="http://schemas.openxmlformats.org/drawingml/2006/main" xmlns:r="http://schemas.openxmlformats.org/officeDocument/2006/relationships" xmlns:p="http://schemas.openxmlformats.org/presentationml/2006/main">
+  <p:cSld>
+    <p:spTree>
+      <p:nvGrpSpPr>
+        <p:cNvPr id="1" name=""/>
+        <p:cNvGrpSpPr/>
+        <p:nvPr/>
+      </p:nvGrpSpPr>
+      <p:grpSpPr>
+        <a:xfrm>
+          <a:off x="0" y="0"/>
+          <a:ext cx="0" cy="0"/>
+          <a:chOff x="0" y="0"/>
+          <a:chExt cx="0" cy="0"/>
+        </a:xfrm>
+      </p:grpSpPr>
+      <p:sp>
+        <p:nvSpPr>
+          <p:cNvPr id="4" name="Rectángulo 3">
+            <a:extLst>
+              <a:ext uri="{FF2B5EF4-FFF2-40B4-BE49-F238E27FC236}">
+                <a16:creationId xmlns:a16="http://schemas.microsoft.com/office/drawing/2014/main" id="{AA904F9A-BA53-451F-AE86-711975138345}"/>
+              </a:ext>
+            </a:extLst>
+          </p:cNvPr>
+          <p:cNvSpPr/>
+          <p:nvPr/>
+        </p:nvSpPr>
+        <p:spPr>
+          <a:xfrm>
             <a:off x="0" y="-1"/>
             <a:ext cx="12192000" cy="6858000"/>
           </a:xfrm>
@@ -8781,7 +9055,1035 @@
 </p:sld>
 </file>
 
-<file path=ppt/slides/slide11.xml><?xml version="1.0" encoding="utf-8"?>
+<file path=ppt/slides/slide12.xml><?xml version="1.0" encoding="utf-8"?>
+<p:sld xmlns:a="http://schemas.openxmlformats.org/drawingml/2006/main" xmlns:r="http://schemas.openxmlformats.org/officeDocument/2006/relationships" xmlns:p="http://schemas.openxmlformats.org/presentationml/2006/main">
+  <p:cSld>
+    <p:spTree>
+      <p:nvGrpSpPr>
+        <p:cNvPr id="1" name=""/>
+        <p:cNvGrpSpPr/>
+        <p:nvPr/>
+      </p:nvGrpSpPr>
+      <p:grpSpPr>
+        <a:xfrm>
+          <a:off x="0" y="0"/>
+          <a:ext cx="0" cy="0"/>
+          <a:chOff x="0" y="0"/>
+          <a:chExt cx="0" cy="0"/>
+        </a:xfrm>
+      </p:grpSpPr>
+      <p:sp>
+        <p:nvSpPr>
+          <p:cNvPr id="4" name="Rectángulo 3">
+            <a:extLst>
+              <a:ext uri="{FF2B5EF4-FFF2-40B4-BE49-F238E27FC236}">
+                <a16:creationId xmlns:a16="http://schemas.microsoft.com/office/drawing/2014/main" id="{AA904F9A-BA53-451F-AE86-711975138345}"/>
+              </a:ext>
+            </a:extLst>
+          </p:cNvPr>
+          <p:cNvSpPr/>
+          <p:nvPr/>
+        </p:nvSpPr>
+        <p:spPr>
+          <a:xfrm>
+            <a:off x="0" y="-1"/>
+            <a:ext cx="12192000" cy="6858000"/>
+          </a:xfrm>
+          <a:prstGeom prst="rect">
+            <a:avLst/>
+          </a:prstGeom>
+          <a:solidFill>
+            <a:schemeClr val="accent5">
+              <a:lumMod val="40000"/>
+              <a:lumOff val="60000"/>
+            </a:schemeClr>
+          </a:solidFill>
+          <a:ln>
+            <a:solidFill>
+              <a:schemeClr val="tx1"/>
+            </a:solidFill>
+          </a:ln>
+        </p:spPr>
+        <p:style>
+          <a:lnRef idx="2">
+            <a:schemeClr val="accent1">
+              <a:shade val="50000"/>
+            </a:schemeClr>
+          </a:lnRef>
+          <a:fillRef idx="1">
+            <a:schemeClr val="accent1"/>
+          </a:fillRef>
+          <a:effectRef idx="0">
+            <a:schemeClr val="accent1"/>
+          </a:effectRef>
+          <a:fontRef idx="minor">
+            <a:schemeClr val="lt1"/>
+          </a:fontRef>
+        </p:style>
+        <p:txBody>
+          <a:bodyPr rtlCol="0" anchor="ctr"/>
+          <a:lstStyle/>
+          <a:p>
+            <a:pPr algn="ctr"/>
+            <a:endParaRPr lang="es-ES" dirty="0"/>
+          </a:p>
+        </p:txBody>
+      </p:sp>
+      <p:sp>
+        <p:nvSpPr>
+          <p:cNvPr id="5" name="Rectángulo 4">
+            <a:extLst>
+              <a:ext uri="{FF2B5EF4-FFF2-40B4-BE49-F238E27FC236}">
+                <a16:creationId xmlns:a16="http://schemas.microsoft.com/office/drawing/2014/main" id="{C8CA8C21-D4A2-42E4-963F-DB5259E72712}"/>
+              </a:ext>
+            </a:extLst>
+          </p:cNvPr>
+          <p:cNvSpPr/>
+          <p:nvPr/>
+        </p:nvSpPr>
+        <p:spPr>
+          <a:xfrm>
+            <a:off x="3785834" y="292445"/>
+            <a:ext cx="4741680" cy="584775"/>
+          </a:xfrm>
+          <a:prstGeom prst="rect">
+            <a:avLst/>
+          </a:prstGeom>
+          <a:noFill/>
+        </p:spPr>
+        <p:txBody>
+          <a:bodyPr wrap="square" lIns="91440" tIns="45720" rIns="91440" bIns="45720">
+            <a:spAutoFit/>
+          </a:bodyPr>
+          <a:lstStyle/>
+          <a:p>
+            <a:pPr algn="ctr"/>
+            <a:r>
+              <a:rPr lang="es-ES" sz="3200" dirty="0">
+                <a:ln w="0"/>
+                <a:solidFill>
+                  <a:schemeClr val="accent5">
+                    <a:lumMod val="50000"/>
+                  </a:schemeClr>
+                </a:solidFill>
+                <a:effectLst>
+                  <a:outerShdw blurRad="38100" dist="38100" dir="2700000" algn="tl">
+                    <a:srgbClr val="000000">
+                      <a:alpha val="43137"/>
+                    </a:srgbClr>
+                  </a:outerShdw>
+                </a:effectLst>
+                <a:latin typeface="Verdana" panose="020B0604030504040204" pitchFamily="34" charset="0"/>
+                <a:ea typeface="Verdana" panose="020B0604030504040204" pitchFamily="34" charset="0"/>
+              </a:rPr>
+              <a:t>GESTIÓN PRÁCTICAS</a:t>
+            </a:r>
+          </a:p>
+        </p:txBody>
+      </p:sp>
+      <p:sp>
+        <p:nvSpPr>
+          <p:cNvPr id="29" name="CuadroTexto 28">
+            <a:extLst>
+              <a:ext uri="{FF2B5EF4-FFF2-40B4-BE49-F238E27FC236}">
+                <a16:creationId xmlns:a16="http://schemas.microsoft.com/office/drawing/2014/main" id="{15F9DC28-23C0-427C-B3AB-B32C3CD694A4}"/>
+              </a:ext>
+            </a:extLst>
+          </p:cNvPr>
+          <p:cNvSpPr txBox="1"/>
+          <p:nvPr/>
+        </p:nvSpPr>
+        <p:spPr>
+          <a:xfrm>
+            <a:off x="5858007" y="1348595"/>
+            <a:ext cx="2239770" cy="369332"/>
+          </a:xfrm>
+          <a:prstGeom prst="rect">
+            <a:avLst/>
+          </a:prstGeom>
+          <a:noFill/>
+        </p:spPr>
+        <p:txBody>
+          <a:bodyPr wrap="square" rtlCol="0">
+            <a:spAutoFit/>
+          </a:bodyPr>
+          <a:lstStyle/>
+          <a:p>
+            <a:r>
+              <a:rPr lang="es-ES" dirty="0">
+                <a:solidFill>
+                  <a:schemeClr val="accent1">
+                    <a:lumMod val="50000"/>
+                  </a:schemeClr>
+                </a:solidFill>
+                <a:latin typeface="Verdana" panose="020B0604030504040204" pitchFamily="34" charset="0"/>
+                <a:ea typeface="Verdana" panose="020B0604030504040204" pitchFamily="34" charset="0"/>
+              </a:rPr>
+              <a:t> </a:t>
+            </a:r>
+            <a:endParaRPr lang="es-ES" sz="2000" dirty="0">
+              <a:solidFill>
+                <a:schemeClr val="accent1">
+                  <a:lumMod val="50000"/>
+                </a:schemeClr>
+              </a:solidFill>
+              <a:latin typeface="Verdana" panose="020B0604030504040204" pitchFamily="34" charset="0"/>
+              <a:ea typeface="Verdana" panose="020B0604030504040204" pitchFamily="34" charset="0"/>
+            </a:endParaRPr>
+          </a:p>
+        </p:txBody>
+      </p:sp>
+      <p:sp>
+        <p:nvSpPr>
+          <p:cNvPr id="45" name="CuadroTexto 44">
+            <a:extLst>
+              <a:ext uri="{FF2B5EF4-FFF2-40B4-BE49-F238E27FC236}">
+                <a16:creationId xmlns:a16="http://schemas.microsoft.com/office/drawing/2014/main" id="{F6D280E0-98A1-4AAE-A32B-8BDDB85E571B}"/>
+              </a:ext>
+            </a:extLst>
+          </p:cNvPr>
+          <p:cNvSpPr txBox="1"/>
+          <p:nvPr/>
+        </p:nvSpPr>
+        <p:spPr>
+          <a:xfrm>
+            <a:off x="2762879" y="2897137"/>
+            <a:ext cx="2297873" cy="338554"/>
+          </a:xfrm>
+          <a:prstGeom prst="rect">
+            <a:avLst/>
+          </a:prstGeom>
+          <a:noFill/>
+        </p:spPr>
+        <p:txBody>
+          <a:bodyPr wrap="square" rtlCol="0">
+            <a:spAutoFit/>
+          </a:bodyPr>
+          <a:lstStyle/>
+          <a:p>
+            <a:endParaRPr lang="es-ES" sz="1600" dirty="0">
+              <a:latin typeface="Verdana" panose="020B0604030504040204" pitchFamily="34" charset="0"/>
+              <a:ea typeface="Verdana" panose="020B0604030504040204" pitchFamily="34" charset="0"/>
+            </a:endParaRPr>
+          </a:p>
+        </p:txBody>
+      </p:sp>
+      <p:sp>
+        <p:nvSpPr>
+          <p:cNvPr id="50" name="Rectángulo 49">
+            <a:extLst>
+              <a:ext uri="{FF2B5EF4-FFF2-40B4-BE49-F238E27FC236}">
+                <a16:creationId xmlns:a16="http://schemas.microsoft.com/office/drawing/2014/main" id="{E84EC8EC-7CC0-4E97-A670-F5753F76F428}"/>
+              </a:ext>
+            </a:extLst>
+          </p:cNvPr>
+          <p:cNvSpPr/>
+          <p:nvPr/>
+        </p:nvSpPr>
+        <p:spPr>
+          <a:xfrm>
+            <a:off x="6505236" y="5527855"/>
+            <a:ext cx="3328720" cy="523220"/>
+          </a:xfrm>
+          <a:prstGeom prst="rect">
+            <a:avLst/>
+          </a:prstGeom>
+        </p:spPr>
+        <p:style>
+          <a:lnRef idx="2">
+            <a:schemeClr val="accent1">
+              <a:shade val="50000"/>
+            </a:schemeClr>
+          </a:lnRef>
+          <a:fillRef idx="1">
+            <a:schemeClr val="accent1"/>
+          </a:fillRef>
+          <a:effectRef idx="0">
+            <a:schemeClr val="accent1"/>
+          </a:effectRef>
+          <a:fontRef idx="minor">
+            <a:schemeClr val="lt1"/>
+          </a:fontRef>
+        </p:style>
+        <p:txBody>
+          <a:bodyPr rtlCol="0" anchor="ctr"/>
+          <a:lstStyle/>
+          <a:p>
+            <a:pPr algn="ctr"/>
+            <a:r>
+              <a:rPr lang="es-ES" dirty="0">
+                <a:latin typeface="Verdana" panose="020B0604030504040204" pitchFamily="34" charset="0"/>
+                <a:ea typeface="Verdana" panose="020B0604030504040204" pitchFamily="34" charset="0"/>
+              </a:rPr>
+              <a:t>Volver</a:t>
+            </a:r>
+          </a:p>
+        </p:txBody>
+      </p:sp>
+      <p:graphicFrame>
+        <p:nvGraphicFramePr>
+          <p:cNvPr id="10" name="Tabla 9">
+            <a:extLst>
+              <a:ext uri="{FF2B5EF4-FFF2-40B4-BE49-F238E27FC236}">
+                <a16:creationId xmlns:a16="http://schemas.microsoft.com/office/drawing/2014/main" id="{9ED59890-94B6-4FF6-B9CF-14508297EA94}"/>
+              </a:ext>
+            </a:extLst>
+          </p:cNvPr>
+          <p:cNvGraphicFramePr>
+            <a:graphicFrameLocks noGrp="1"/>
+          </p:cNvGraphicFramePr>
+          <p:nvPr/>
+        </p:nvGraphicFramePr>
+        <p:xfrm>
+          <a:off x="2223338" y="1812459"/>
+          <a:ext cx="7610618" cy="2475504"/>
+        </p:xfrm>
+        <a:graphic>
+          <a:graphicData uri="http://schemas.openxmlformats.org/drawingml/2006/table">
+            <a:tbl>
+              <a:tblPr firstRow="1" bandRow="1">
+                <a:tableStyleId>{5C22544A-7EE6-4342-B048-85BDC9FD1C3A}</a:tableStyleId>
+              </a:tblPr>
+              <a:tblGrid>
+                <a:gridCol w="3777889">
+                  <a:extLst>
+                    <a:ext uri="{9D8B030D-6E8A-4147-A177-3AD203B41FA5}">
+                      <a16:colId xmlns:a16="http://schemas.microsoft.com/office/drawing/2014/main" val="1589201820"/>
+                    </a:ext>
+                  </a:extLst>
+                </a:gridCol>
+                <a:gridCol w="3832729">
+                  <a:extLst>
+                    <a:ext uri="{9D8B030D-6E8A-4147-A177-3AD203B41FA5}">
+                      <a16:colId xmlns:a16="http://schemas.microsoft.com/office/drawing/2014/main" val="3238391026"/>
+                    </a:ext>
+                  </a:extLst>
+                </a:gridCol>
+              </a:tblGrid>
+              <a:tr h="700267">
+                <a:tc>
+                  <a:txBody>
+                    <a:bodyPr/>
+                    <a:lstStyle/>
+                    <a:p>
+                      <a:pPr marL="0" marR="0" lvl="0" indent="0" algn="ctr" defTabSz="914400" rtl="0" eaLnBrk="1" fontAlgn="auto" latinLnBrk="0" hangingPunct="1">
+                        <a:lnSpc>
+                          <a:spcPct val="100000"/>
+                        </a:lnSpc>
+                        <a:spcBef>
+                          <a:spcPts val="0"/>
+                        </a:spcBef>
+                        <a:spcAft>
+                          <a:spcPts val="0"/>
+                        </a:spcAft>
+                        <a:buClrTx/>
+                        <a:buSzTx/>
+                        <a:buFontTx/>
+                        <a:buNone/>
+                        <a:tabLst/>
+                        <a:defRPr/>
+                      </a:pPr>
+                      <a:r>
+                        <a:rPr lang="es-ES" sz="1600" dirty="0">
+                          <a:solidFill>
+                            <a:schemeClr val="accent1">
+                              <a:lumMod val="50000"/>
+                            </a:schemeClr>
+                          </a:solidFill>
+                          <a:latin typeface="Verdana" panose="020B0604030504040204" pitchFamily="34" charset="0"/>
+                          <a:ea typeface="Verdana" panose="020B0604030504040204" pitchFamily="34" charset="0"/>
+                        </a:rPr>
+                        <a:t>Nombre usuario </a:t>
+                      </a:r>
+                    </a:p>
+                  </a:txBody>
+                  <a:tcPr anchor="ctr">
+                    <a:lnL w="12700" cap="flat" cmpd="sng" algn="ctr">
+                      <a:solidFill>
+                        <a:schemeClr val="accent1">
+                          <a:lumMod val="75000"/>
+                        </a:schemeClr>
+                      </a:solidFill>
+                      <a:prstDash val="solid"/>
+                      <a:round/>
+                      <a:headEnd type="none" w="med" len="med"/>
+                      <a:tailEnd type="none" w="med" len="med"/>
+                    </a:lnL>
+                    <a:lnR w="12700" cap="flat" cmpd="sng" algn="ctr">
+                      <a:solidFill>
+                        <a:schemeClr val="accent1">
+                          <a:lumMod val="75000"/>
+                        </a:schemeClr>
+                      </a:solidFill>
+                      <a:prstDash val="solid"/>
+                      <a:round/>
+                      <a:headEnd type="none" w="med" len="med"/>
+                      <a:tailEnd type="none" w="med" len="med"/>
+                    </a:lnR>
+                    <a:lnT w="12700" cap="flat" cmpd="sng" algn="ctr">
+                      <a:solidFill>
+                        <a:schemeClr val="accent1">
+                          <a:lumMod val="75000"/>
+                        </a:schemeClr>
+                      </a:solidFill>
+                      <a:prstDash val="solid"/>
+                      <a:round/>
+                      <a:headEnd type="none" w="med" len="med"/>
+                      <a:tailEnd type="none" w="med" len="med"/>
+                    </a:lnT>
+                    <a:lnB w="12700" cap="flat" cmpd="sng" algn="ctr">
+                      <a:solidFill>
+                        <a:schemeClr val="accent1">
+                          <a:lumMod val="75000"/>
+                        </a:schemeClr>
+                      </a:solidFill>
+                      <a:prstDash val="solid"/>
+                      <a:round/>
+                      <a:headEnd type="none" w="med" len="med"/>
+                      <a:tailEnd type="none" w="med" len="med"/>
+                    </a:lnB>
+                    <a:noFill/>
+                  </a:tcPr>
+                </a:tc>
+                <a:tc>
+                  <a:txBody>
+                    <a:bodyPr/>
+                    <a:lstStyle/>
+                    <a:p>
+                      <a:pPr algn="ctr"/>
+                      <a:endParaRPr lang="es-ES" sz="1200" b="0" dirty="0">
+                        <a:solidFill>
+                          <a:schemeClr val="tx1"/>
+                        </a:solidFill>
+                        <a:latin typeface="Verdana" panose="020B0604030504040204" pitchFamily="34" charset="0"/>
+                        <a:ea typeface="Verdana" panose="020B0604030504040204" pitchFamily="34" charset="0"/>
+                      </a:endParaRPr>
+                    </a:p>
+                  </a:txBody>
+                  <a:tcPr anchor="ctr">
+                    <a:lnL w="12700" cap="flat" cmpd="sng" algn="ctr">
+                      <a:solidFill>
+                        <a:schemeClr val="accent1">
+                          <a:lumMod val="75000"/>
+                        </a:schemeClr>
+                      </a:solidFill>
+                      <a:prstDash val="solid"/>
+                      <a:round/>
+                      <a:headEnd type="none" w="med" len="med"/>
+                      <a:tailEnd type="none" w="med" len="med"/>
+                    </a:lnL>
+                    <a:lnR w="12700" cap="flat" cmpd="sng" algn="ctr">
+                      <a:solidFill>
+                        <a:schemeClr val="accent1">
+                          <a:lumMod val="75000"/>
+                        </a:schemeClr>
+                      </a:solidFill>
+                      <a:prstDash val="solid"/>
+                      <a:round/>
+                      <a:headEnd type="none" w="med" len="med"/>
+                      <a:tailEnd type="none" w="med" len="med"/>
+                    </a:lnR>
+                    <a:lnT w="12700" cap="flat" cmpd="sng" algn="ctr">
+                      <a:solidFill>
+                        <a:schemeClr val="accent1">
+                          <a:lumMod val="75000"/>
+                        </a:schemeClr>
+                      </a:solidFill>
+                      <a:prstDash val="solid"/>
+                      <a:round/>
+                      <a:headEnd type="none" w="med" len="med"/>
+                      <a:tailEnd type="none" w="med" len="med"/>
+                    </a:lnT>
+                    <a:lnB w="12700" cap="flat" cmpd="sng" algn="ctr">
+                      <a:solidFill>
+                        <a:schemeClr val="accent1">
+                          <a:lumMod val="75000"/>
+                        </a:schemeClr>
+                      </a:solidFill>
+                      <a:prstDash val="solid"/>
+                      <a:round/>
+                      <a:headEnd type="none" w="med" len="med"/>
+                      <a:tailEnd type="none" w="med" len="med"/>
+                    </a:lnB>
+                    <a:noFill/>
+                  </a:tcPr>
+                </a:tc>
+                <a:extLst>
+                  <a:ext uri="{0D108BD9-81ED-4DB2-BD59-A6C34878D82A}">
+                    <a16:rowId xmlns:a16="http://schemas.microsoft.com/office/drawing/2014/main" val="2766233296"/>
+                  </a:ext>
+                </a:extLst>
+              </a:tr>
+              <a:tr h="552842">
+                <a:tc>
+                  <a:txBody>
+                    <a:bodyPr/>
+                    <a:lstStyle/>
+                    <a:p>
+                      <a:pPr marL="0" marR="0" lvl="0" indent="0" algn="ctr" defTabSz="914400" rtl="0" eaLnBrk="1" fontAlgn="auto" latinLnBrk="0" hangingPunct="1">
+                        <a:lnSpc>
+                          <a:spcPct val="100000"/>
+                        </a:lnSpc>
+                        <a:spcBef>
+                          <a:spcPts val="0"/>
+                        </a:spcBef>
+                        <a:spcAft>
+                          <a:spcPts val="0"/>
+                        </a:spcAft>
+                        <a:buClrTx/>
+                        <a:buSzTx/>
+                        <a:buFontTx/>
+                        <a:buNone/>
+                        <a:tabLst/>
+                        <a:defRPr/>
+                      </a:pPr>
+                      <a:r>
+                        <a:rPr lang="es-ES" sz="1600" b="1" dirty="0">
+                          <a:solidFill>
+                            <a:schemeClr val="accent1">
+                              <a:lumMod val="50000"/>
+                            </a:schemeClr>
+                          </a:solidFill>
+                          <a:latin typeface="Verdana" panose="020B0604030504040204" pitchFamily="34" charset="0"/>
+                          <a:ea typeface="Verdana" panose="020B0604030504040204" pitchFamily="34" charset="0"/>
+                        </a:rPr>
+                        <a:t>Correo</a:t>
+                      </a:r>
+                      <a:r>
+                        <a:rPr lang="es-ES" sz="1600" dirty="0">
+                          <a:solidFill>
+                            <a:schemeClr val="accent1">
+                              <a:lumMod val="50000"/>
+                            </a:schemeClr>
+                          </a:solidFill>
+                          <a:latin typeface="Verdana" panose="020B0604030504040204" pitchFamily="34" charset="0"/>
+                          <a:ea typeface="Verdana" panose="020B0604030504040204" pitchFamily="34" charset="0"/>
+                        </a:rPr>
+                        <a:t> </a:t>
+                      </a:r>
+                    </a:p>
+                  </a:txBody>
+                  <a:tcPr anchor="ctr">
+                    <a:lnL w="12700" cap="flat" cmpd="sng" algn="ctr">
+                      <a:solidFill>
+                        <a:schemeClr val="accent1">
+                          <a:lumMod val="75000"/>
+                        </a:schemeClr>
+                      </a:solidFill>
+                      <a:prstDash val="solid"/>
+                      <a:round/>
+                      <a:headEnd type="none" w="med" len="med"/>
+                      <a:tailEnd type="none" w="med" len="med"/>
+                    </a:lnL>
+                    <a:lnR w="12700" cap="flat" cmpd="sng" algn="ctr">
+                      <a:solidFill>
+                        <a:schemeClr val="accent1">
+                          <a:lumMod val="75000"/>
+                        </a:schemeClr>
+                      </a:solidFill>
+                      <a:prstDash val="solid"/>
+                      <a:round/>
+                      <a:headEnd type="none" w="med" len="med"/>
+                      <a:tailEnd type="none" w="med" len="med"/>
+                    </a:lnR>
+                    <a:lnT w="12700" cap="flat" cmpd="sng" algn="ctr">
+                      <a:solidFill>
+                        <a:schemeClr val="accent1">
+                          <a:lumMod val="75000"/>
+                        </a:schemeClr>
+                      </a:solidFill>
+                      <a:prstDash val="solid"/>
+                      <a:round/>
+                      <a:headEnd type="none" w="med" len="med"/>
+                      <a:tailEnd type="none" w="med" len="med"/>
+                    </a:lnT>
+                    <a:lnB w="12700" cap="flat" cmpd="sng" algn="ctr">
+                      <a:solidFill>
+                        <a:schemeClr val="accent1">
+                          <a:lumMod val="75000"/>
+                        </a:schemeClr>
+                      </a:solidFill>
+                      <a:prstDash val="solid"/>
+                      <a:round/>
+                      <a:headEnd type="none" w="med" len="med"/>
+                      <a:tailEnd type="none" w="med" len="med"/>
+                    </a:lnB>
+                    <a:noFill/>
+                  </a:tcPr>
+                </a:tc>
+                <a:tc>
+                  <a:txBody>
+                    <a:bodyPr/>
+                    <a:lstStyle/>
+                    <a:p>
+                      <a:pPr algn="ctr"/>
+                      <a:endParaRPr lang="es-ES" sz="1200" b="0" dirty="0">
+                        <a:solidFill>
+                          <a:schemeClr val="tx1"/>
+                        </a:solidFill>
+                        <a:latin typeface="Verdana" panose="020B0604030504040204" pitchFamily="34" charset="0"/>
+                        <a:ea typeface="Verdana" panose="020B0604030504040204" pitchFamily="34" charset="0"/>
+                      </a:endParaRPr>
+                    </a:p>
+                  </a:txBody>
+                  <a:tcPr anchor="ctr">
+                    <a:lnL w="12700" cap="flat" cmpd="sng" algn="ctr">
+                      <a:solidFill>
+                        <a:schemeClr val="accent1">
+                          <a:lumMod val="75000"/>
+                        </a:schemeClr>
+                      </a:solidFill>
+                      <a:prstDash val="solid"/>
+                      <a:round/>
+                      <a:headEnd type="none" w="med" len="med"/>
+                      <a:tailEnd type="none" w="med" len="med"/>
+                    </a:lnL>
+                    <a:lnR w="12700" cap="flat" cmpd="sng" algn="ctr">
+                      <a:solidFill>
+                        <a:schemeClr val="accent1">
+                          <a:lumMod val="75000"/>
+                        </a:schemeClr>
+                      </a:solidFill>
+                      <a:prstDash val="solid"/>
+                      <a:round/>
+                      <a:headEnd type="none" w="med" len="med"/>
+                      <a:tailEnd type="none" w="med" len="med"/>
+                    </a:lnR>
+                    <a:lnT w="12700" cap="flat" cmpd="sng" algn="ctr">
+                      <a:solidFill>
+                        <a:schemeClr val="accent1">
+                          <a:lumMod val="75000"/>
+                        </a:schemeClr>
+                      </a:solidFill>
+                      <a:prstDash val="solid"/>
+                      <a:round/>
+                      <a:headEnd type="none" w="med" len="med"/>
+                      <a:tailEnd type="none" w="med" len="med"/>
+                    </a:lnT>
+                    <a:lnB w="12700" cap="flat" cmpd="sng" algn="ctr">
+                      <a:solidFill>
+                        <a:schemeClr val="accent1">
+                          <a:lumMod val="75000"/>
+                        </a:schemeClr>
+                      </a:solidFill>
+                      <a:prstDash val="solid"/>
+                      <a:round/>
+                      <a:headEnd type="none" w="med" len="med"/>
+                      <a:tailEnd type="none" w="med" len="med"/>
+                    </a:lnB>
+                    <a:noFill/>
+                  </a:tcPr>
+                </a:tc>
+                <a:extLst>
+                  <a:ext uri="{0D108BD9-81ED-4DB2-BD59-A6C34878D82A}">
+                    <a16:rowId xmlns:a16="http://schemas.microsoft.com/office/drawing/2014/main" val="1707078335"/>
+                  </a:ext>
+                </a:extLst>
+              </a:tr>
+              <a:tr h="773979">
+                <a:tc>
+                  <a:txBody>
+                    <a:bodyPr/>
+                    <a:lstStyle/>
+                    <a:p>
+                      <a:pPr marL="0" marR="0" lvl="0" indent="0" algn="ctr" defTabSz="914400" rtl="0" eaLnBrk="1" fontAlgn="auto" latinLnBrk="0" hangingPunct="1">
+                        <a:lnSpc>
+                          <a:spcPct val="100000"/>
+                        </a:lnSpc>
+                        <a:spcBef>
+                          <a:spcPts val="0"/>
+                        </a:spcBef>
+                        <a:spcAft>
+                          <a:spcPts val="0"/>
+                        </a:spcAft>
+                        <a:buClrTx/>
+                        <a:buSzTx/>
+                        <a:buFontTx/>
+                        <a:buNone/>
+                        <a:tabLst/>
+                        <a:defRPr/>
+                      </a:pPr>
+                      <a:r>
+                        <a:rPr lang="es-ES" sz="1600" b="1" dirty="0">
+                          <a:solidFill>
+                            <a:schemeClr val="accent1">
+                              <a:lumMod val="50000"/>
+                            </a:schemeClr>
+                          </a:solidFill>
+                          <a:latin typeface="Verdana" panose="020B0604030504040204" pitchFamily="34" charset="0"/>
+                          <a:ea typeface="Verdana" panose="020B0604030504040204" pitchFamily="34" charset="0"/>
+                        </a:rPr>
+                        <a:t>Contraseña</a:t>
+                      </a:r>
+                    </a:p>
+                  </a:txBody>
+                  <a:tcPr anchor="ctr">
+                    <a:lnL w="12700" cap="flat" cmpd="sng" algn="ctr">
+                      <a:solidFill>
+                        <a:schemeClr val="accent1">
+                          <a:lumMod val="75000"/>
+                        </a:schemeClr>
+                      </a:solidFill>
+                      <a:prstDash val="solid"/>
+                      <a:round/>
+                      <a:headEnd type="none" w="med" len="med"/>
+                      <a:tailEnd type="none" w="med" len="med"/>
+                    </a:lnL>
+                    <a:lnR w="12700" cap="flat" cmpd="sng" algn="ctr">
+                      <a:solidFill>
+                        <a:schemeClr val="accent1">
+                          <a:lumMod val="75000"/>
+                        </a:schemeClr>
+                      </a:solidFill>
+                      <a:prstDash val="solid"/>
+                      <a:round/>
+                      <a:headEnd type="none" w="med" len="med"/>
+                      <a:tailEnd type="none" w="med" len="med"/>
+                    </a:lnR>
+                    <a:lnT w="12700" cap="flat" cmpd="sng" algn="ctr">
+                      <a:solidFill>
+                        <a:schemeClr val="accent1">
+                          <a:lumMod val="75000"/>
+                        </a:schemeClr>
+                      </a:solidFill>
+                      <a:prstDash val="solid"/>
+                      <a:round/>
+                      <a:headEnd type="none" w="med" len="med"/>
+                      <a:tailEnd type="none" w="med" len="med"/>
+                    </a:lnT>
+                    <a:lnB w="12700" cap="flat" cmpd="sng" algn="ctr">
+                      <a:solidFill>
+                        <a:schemeClr val="accent1">
+                          <a:lumMod val="75000"/>
+                        </a:schemeClr>
+                      </a:solidFill>
+                      <a:prstDash val="solid"/>
+                      <a:round/>
+                      <a:headEnd type="none" w="med" len="med"/>
+                      <a:tailEnd type="none" w="med" len="med"/>
+                    </a:lnB>
+                    <a:noFill/>
+                  </a:tcPr>
+                </a:tc>
+                <a:tc>
+                  <a:txBody>
+                    <a:bodyPr/>
+                    <a:lstStyle/>
+                    <a:p>
+                      <a:pPr marL="0" marR="0" lvl="0" indent="0" algn="ctr" defTabSz="914400" rtl="0" eaLnBrk="1" fontAlgn="auto" latinLnBrk="0" hangingPunct="1">
+                        <a:lnSpc>
+                          <a:spcPct val="100000"/>
+                        </a:lnSpc>
+                        <a:spcBef>
+                          <a:spcPts val="0"/>
+                        </a:spcBef>
+                        <a:spcAft>
+                          <a:spcPts val="0"/>
+                        </a:spcAft>
+                        <a:buClrTx/>
+                        <a:buSzTx/>
+                        <a:buFontTx/>
+                        <a:buNone/>
+                        <a:tabLst/>
+                        <a:defRPr/>
+                      </a:pPr>
+                      <a:endParaRPr lang="es-ES" sz="1200" dirty="0">
+                        <a:latin typeface="Verdana" panose="020B0604030504040204" pitchFamily="34" charset="0"/>
+                        <a:ea typeface="Verdana" panose="020B0604030504040204" pitchFamily="34" charset="0"/>
+                      </a:endParaRPr>
+                    </a:p>
+                  </a:txBody>
+                  <a:tcPr anchor="ctr">
+                    <a:lnL w="12700" cap="flat" cmpd="sng" algn="ctr">
+                      <a:solidFill>
+                        <a:schemeClr val="accent1">
+                          <a:lumMod val="75000"/>
+                        </a:schemeClr>
+                      </a:solidFill>
+                      <a:prstDash val="solid"/>
+                      <a:round/>
+                      <a:headEnd type="none" w="med" len="med"/>
+                      <a:tailEnd type="none" w="med" len="med"/>
+                    </a:lnL>
+                    <a:lnR w="12700" cap="flat" cmpd="sng" algn="ctr">
+                      <a:solidFill>
+                        <a:schemeClr val="accent1">
+                          <a:lumMod val="75000"/>
+                        </a:schemeClr>
+                      </a:solidFill>
+                      <a:prstDash val="solid"/>
+                      <a:round/>
+                      <a:headEnd type="none" w="med" len="med"/>
+                      <a:tailEnd type="none" w="med" len="med"/>
+                    </a:lnR>
+                    <a:lnT w="12700" cap="flat" cmpd="sng" algn="ctr">
+                      <a:solidFill>
+                        <a:schemeClr val="accent1">
+                          <a:lumMod val="75000"/>
+                        </a:schemeClr>
+                      </a:solidFill>
+                      <a:prstDash val="solid"/>
+                      <a:round/>
+                      <a:headEnd type="none" w="med" len="med"/>
+                      <a:tailEnd type="none" w="med" len="med"/>
+                    </a:lnT>
+                    <a:lnB w="12700" cap="flat" cmpd="sng" algn="ctr">
+                      <a:solidFill>
+                        <a:schemeClr val="accent1">
+                          <a:lumMod val="75000"/>
+                        </a:schemeClr>
+                      </a:solidFill>
+                      <a:prstDash val="solid"/>
+                      <a:round/>
+                      <a:headEnd type="none" w="med" len="med"/>
+                      <a:tailEnd type="none" w="med" len="med"/>
+                    </a:lnB>
+                    <a:noFill/>
+                  </a:tcPr>
+                </a:tc>
+                <a:extLst>
+                  <a:ext uri="{0D108BD9-81ED-4DB2-BD59-A6C34878D82A}">
+                    <a16:rowId xmlns:a16="http://schemas.microsoft.com/office/drawing/2014/main" val="2242701384"/>
+                  </a:ext>
+                </a:extLst>
+              </a:tr>
+              <a:tr h="448416">
+                <a:tc>
+                  <a:txBody>
+                    <a:bodyPr/>
+                    <a:lstStyle/>
+                    <a:p>
+                      <a:pPr marL="0" marR="0" lvl="0" indent="0" algn="ctr" defTabSz="914400" rtl="0" eaLnBrk="1" fontAlgn="auto" latinLnBrk="0" hangingPunct="1">
+                        <a:lnSpc>
+                          <a:spcPct val="100000"/>
+                        </a:lnSpc>
+                        <a:spcBef>
+                          <a:spcPts val="0"/>
+                        </a:spcBef>
+                        <a:spcAft>
+                          <a:spcPts val="0"/>
+                        </a:spcAft>
+                        <a:buClrTx/>
+                        <a:buSzTx/>
+                        <a:buFontTx/>
+                        <a:buNone/>
+                        <a:tabLst/>
+                        <a:defRPr/>
+                      </a:pPr>
+                      <a:r>
+                        <a:rPr lang="es-ES" sz="1600" b="1" dirty="0">
+                          <a:solidFill>
+                            <a:schemeClr val="accent1">
+                              <a:lumMod val="50000"/>
+                            </a:schemeClr>
+                          </a:solidFill>
+                          <a:latin typeface="Verdana" panose="020B0604030504040204" pitchFamily="34" charset="0"/>
+                          <a:ea typeface="Verdana" panose="020B0604030504040204" pitchFamily="34" charset="0"/>
+                        </a:rPr>
+                        <a:t>Teléfono</a:t>
+                      </a:r>
+                    </a:p>
+                  </a:txBody>
+                  <a:tcPr anchor="ctr">
+                    <a:lnL w="12700" cap="flat" cmpd="sng" algn="ctr">
+                      <a:solidFill>
+                        <a:schemeClr val="accent1">
+                          <a:lumMod val="75000"/>
+                        </a:schemeClr>
+                      </a:solidFill>
+                      <a:prstDash val="solid"/>
+                      <a:round/>
+                      <a:headEnd type="none" w="med" len="med"/>
+                      <a:tailEnd type="none" w="med" len="med"/>
+                    </a:lnL>
+                    <a:lnR w="12700" cap="flat" cmpd="sng" algn="ctr">
+                      <a:solidFill>
+                        <a:schemeClr val="accent1">
+                          <a:lumMod val="75000"/>
+                        </a:schemeClr>
+                      </a:solidFill>
+                      <a:prstDash val="solid"/>
+                      <a:round/>
+                      <a:headEnd type="none" w="med" len="med"/>
+                      <a:tailEnd type="none" w="med" len="med"/>
+                    </a:lnR>
+                    <a:lnT w="12700" cap="flat" cmpd="sng" algn="ctr">
+                      <a:solidFill>
+                        <a:schemeClr val="accent1">
+                          <a:lumMod val="75000"/>
+                        </a:schemeClr>
+                      </a:solidFill>
+                      <a:prstDash val="solid"/>
+                      <a:round/>
+                      <a:headEnd type="none" w="med" len="med"/>
+                      <a:tailEnd type="none" w="med" len="med"/>
+                    </a:lnT>
+                    <a:lnB w="12700" cap="flat" cmpd="sng" algn="ctr">
+                      <a:solidFill>
+                        <a:schemeClr val="accent1">
+                          <a:lumMod val="75000"/>
+                        </a:schemeClr>
+                      </a:solidFill>
+                      <a:prstDash val="solid"/>
+                      <a:round/>
+                      <a:headEnd type="none" w="med" len="med"/>
+                      <a:tailEnd type="none" w="med" len="med"/>
+                    </a:lnB>
+                    <a:noFill/>
+                  </a:tcPr>
+                </a:tc>
+                <a:tc>
+                  <a:txBody>
+                    <a:bodyPr/>
+                    <a:lstStyle/>
+                    <a:p>
+                      <a:pPr marL="0" marR="0" lvl="0" indent="0" algn="ctr" defTabSz="914400" rtl="0" eaLnBrk="1" fontAlgn="auto" latinLnBrk="0" hangingPunct="1">
+                        <a:lnSpc>
+                          <a:spcPct val="100000"/>
+                        </a:lnSpc>
+                        <a:spcBef>
+                          <a:spcPts val="0"/>
+                        </a:spcBef>
+                        <a:spcAft>
+                          <a:spcPts val="0"/>
+                        </a:spcAft>
+                        <a:buClrTx/>
+                        <a:buSzTx/>
+                        <a:buFontTx/>
+                        <a:buNone/>
+                        <a:tabLst/>
+                        <a:defRPr/>
+                      </a:pPr>
+                      <a:endParaRPr lang="es-ES" sz="1200" dirty="0">
+                        <a:latin typeface="Verdana" panose="020B0604030504040204" pitchFamily="34" charset="0"/>
+                        <a:ea typeface="Verdana" panose="020B0604030504040204" pitchFamily="34" charset="0"/>
+                      </a:endParaRPr>
+                    </a:p>
+                  </a:txBody>
+                  <a:tcPr anchor="ctr">
+                    <a:lnL w="12700" cap="flat" cmpd="sng" algn="ctr">
+                      <a:solidFill>
+                        <a:schemeClr val="accent1">
+                          <a:lumMod val="75000"/>
+                        </a:schemeClr>
+                      </a:solidFill>
+                      <a:prstDash val="solid"/>
+                      <a:round/>
+                      <a:headEnd type="none" w="med" len="med"/>
+                      <a:tailEnd type="none" w="med" len="med"/>
+                    </a:lnL>
+                    <a:lnR w="12700" cap="flat" cmpd="sng" algn="ctr">
+                      <a:solidFill>
+                        <a:schemeClr val="accent1">
+                          <a:lumMod val="75000"/>
+                        </a:schemeClr>
+                      </a:solidFill>
+                      <a:prstDash val="solid"/>
+                      <a:round/>
+                      <a:headEnd type="none" w="med" len="med"/>
+                      <a:tailEnd type="none" w="med" len="med"/>
+                    </a:lnR>
+                    <a:lnT w="12700" cap="flat" cmpd="sng" algn="ctr">
+                      <a:solidFill>
+                        <a:schemeClr val="accent1">
+                          <a:lumMod val="75000"/>
+                        </a:schemeClr>
+                      </a:solidFill>
+                      <a:prstDash val="solid"/>
+                      <a:round/>
+                      <a:headEnd type="none" w="med" len="med"/>
+                      <a:tailEnd type="none" w="med" len="med"/>
+                    </a:lnT>
+                    <a:lnB w="12700" cap="flat" cmpd="sng" algn="ctr">
+                      <a:solidFill>
+                        <a:schemeClr val="accent1">
+                          <a:lumMod val="75000"/>
+                        </a:schemeClr>
+                      </a:solidFill>
+                      <a:prstDash val="solid"/>
+                      <a:round/>
+                      <a:headEnd type="none" w="med" len="med"/>
+                      <a:tailEnd type="none" w="med" len="med"/>
+                    </a:lnB>
+                    <a:noFill/>
+                  </a:tcPr>
+                </a:tc>
+                <a:extLst>
+                  <a:ext uri="{0D108BD9-81ED-4DB2-BD59-A6C34878D82A}">
+                    <a16:rowId xmlns:a16="http://schemas.microsoft.com/office/drawing/2014/main" val="1514709571"/>
+                  </a:ext>
+                </a:extLst>
+              </a:tr>
+            </a:tbl>
+          </a:graphicData>
+        </a:graphic>
+      </p:graphicFrame>
+      <p:sp>
+        <p:nvSpPr>
+          <p:cNvPr id="2" name="Rectángulo 1">
+            <a:extLst>
+              <a:ext uri="{FF2B5EF4-FFF2-40B4-BE49-F238E27FC236}">
+                <a16:creationId xmlns:a16="http://schemas.microsoft.com/office/drawing/2014/main" id="{D604F44C-C4CF-DE1D-FBB7-2C0229043C1A}"/>
+              </a:ext>
+            </a:extLst>
+          </p:cNvPr>
+          <p:cNvSpPr/>
+          <p:nvPr/>
+        </p:nvSpPr>
+        <p:spPr>
+          <a:xfrm>
+            <a:off x="2247455" y="5546547"/>
+            <a:ext cx="3328720" cy="523220"/>
+          </a:xfrm>
+          <a:prstGeom prst="rect">
+            <a:avLst/>
+          </a:prstGeom>
+        </p:spPr>
+        <p:style>
+          <a:lnRef idx="2">
+            <a:schemeClr val="accent1">
+              <a:shade val="50000"/>
+            </a:schemeClr>
+          </a:lnRef>
+          <a:fillRef idx="1">
+            <a:schemeClr val="accent1"/>
+          </a:fillRef>
+          <a:effectRef idx="0">
+            <a:schemeClr val="accent1"/>
+          </a:effectRef>
+          <a:fontRef idx="minor">
+            <a:schemeClr val="lt1"/>
+          </a:fontRef>
+        </p:style>
+        <p:txBody>
+          <a:bodyPr rtlCol="0" anchor="ctr"/>
+          <a:lstStyle/>
+          <a:p>
+            <a:pPr algn="ctr"/>
+            <a:r>
+              <a:rPr lang="es-ES" dirty="0">
+                <a:latin typeface="Verdana" panose="020B0604030504040204" pitchFamily="34" charset="0"/>
+                <a:ea typeface="Verdana" panose="020B0604030504040204" pitchFamily="34" charset="0"/>
+              </a:rPr>
+              <a:t>Guardar cambios</a:t>
+            </a:r>
+          </a:p>
+        </p:txBody>
+      </p:sp>
+    </p:spTree>
+    <p:extLst>
+      <p:ext uri="{BB962C8B-B14F-4D97-AF65-F5344CB8AC3E}">
+        <p14:creationId xmlns:p14="http://schemas.microsoft.com/office/powerpoint/2010/main" val="1785291963"/>
+      </p:ext>
+    </p:extLst>
+  </p:cSld>
+  <p:clrMapOvr>
+    <a:masterClrMapping/>
+  </p:clrMapOvr>
+</p:sld>
+</file>
+
+<file path=ppt/slides/slide13.xml><?xml version="1.0" encoding="utf-8"?>
 <p:sld xmlns:a="http://schemas.openxmlformats.org/drawingml/2006/main" xmlns:r="http://schemas.openxmlformats.org/officeDocument/2006/relationships" xmlns:p="http://schemas.openxmlformats.org/presentationml/2006/main">
   <p:cSld>
     <p:spTree>
@@ -9030,7 +10332,7 @@
         </p:nvSpPr>
         <p:spPr>
           <a:xfrm>
-            <a:off x="4386605" y="4098644"/>
+            <a:off x="4386605" y="3941333"/>
             <a:ext cx="3418790" cy="999395"/>
           </a:xfrm>
           <a:prstGeom prst="rect">
@@ -9068,6 +10370,58 @@
           </a:p>
         </p:txBody>
       </p:sp>
+      <p:sp>
+        <p:nvSpPr>
+          <p:cNvPr id="2" name="Rectángulo 1">
+            <a:extLst>
+              <a:ext uri="{FF2B5EF4-FFF2-40B4-BE49-F238E27FC236}">
+                <a16:creationId xmlns:a16="http://schemas.microsoft.com/office/drawing/2014/main" id="{2E79F810-B6A7-610B-B85A-FFA3677395B1}"/>
+              </a:ext>
+            </a:extLst>
+          </p:cNvPr>
+          <p:cNvSpPr/>
+          <p:nvPr/>
+        </p:nvSpPr>
+        <p:spPr>
+          <a:xfrm>
+            <a:off x="4386605" y="5305411"/>
+            <a:ext cx="3418790" cy="999395"/>
+          </a:xfrm>
+          <a:prstGeom prst="rect">
+            <a:avLst/>
+          </a:prstGeom>
+        </p:spPr>
+        <p:style>
+          <a:lnRef idx="2">
+            <a:schemeClr val="accent1">
+              <a:shade val="50000"/>
+            </a:schemeClr>
+          </a:lnRef>
+          <a:fillRef idx="1">
+            <a:schemeClr val="accent1"/>
+          </a:fillRef>
+          <a:effectRef idx="0">
+            <a:schemeClr val="accent1"/>
+          </a:effectRef>
+          <a:fontRef idx="minor">
+            <a:schemeClr val="lt1"/>
+          </a:fontRef>
+        </p:style>
+        <p:txBody>
+          <a:bodyPr rtlCol="0" anchor="ctr"/>
+          <a:lstStyle/>
+          <a:p>
+            <a:pPr algn="ctr"/>
+            <a:r>
+              <a:rPr lang="es-ES" dirty="0">
+                <a:latin typeface="Verdana" panose="020B0604030504040204" pitchFamily="34" charset="0"/>
+                <a:ea typeface="Verdana" panose="020B0604030504040204" pitchFamily="34" charset="0"/>
+              </a:rPr>
+              <a:t>Modificar datos</a:t>
+            </a:r>
+          </a:p>
+        </p:txBody>
+      </p:sp>
     </p:spTree>
     <p:extLst>
       <p:ext uri="{BB962C8B-B14F-4D97-AF65-F5344CB8AC3E}">
@@ -9081,7 +10435,7 @@
 </p:sld>
 </file>
 
-<file path=ppt/slides/slide12.xml><?xml version="1.0" encoding="utf-8"?>
+<file path=ppt/slides/slide14.xml><?xml version="1.0" encoding="utf-8"?>
 <p:sld xmlns:a="http://schemas.openxmlformats.org/drawingml/2006/main" xmlns:r="http://schemas.openxmlformats.org/officeDocument/2006/relationships" xmlns:p="http://schemas.openxmlformats.org/presentationml/2006/main">
   <p:cSld>
     <p:spTree>
@@ -10991,7 +12345,7 @@
 </p:sld>
 </file>
 
-<file path=ppt/slides/slide13.xml><?xml version="1.0" encoding="utf-8"?>
+<file path=ppt/slides/slide15.xml><?xml version="1.0" encoding="utf-8"?>
 <p:sld xmlns:a="http://schemas.openxmlformats.org/drawingml/2006/main" xmlns:r="http://schemas.openxmlformats.org/officeDocument/2006/relationships" xmlns:p="http://schemas.openxmlformats.org/presentationml/2006/main">
   <p:cSld>
     <p:spTree>
@@ -12906,6 +14260,1034 @@
 </p:sld>
 </file>
 
+<file path=ppt/slides/slide16.xml><?xml version="1.0" encoding="utf-8"?>
+<p:sld xmlns:a="http://schemas.openxmlformats.org/drawingml/2006/main" xmlns:r="http://schemas.openxmlformats.org/officeDocument/2006/relationships" xmlns:p="http://schemas.openxmlformats.org/presentationml/2006/main">
+  <p:cSld>
+    <p:spTree>
+      <p:nvGrpSpPr>
+        <p:cNvPr id="1" name=""/>
+        <p:cNvGrpSpPr/>
+        <p:nvPr/>
+      </p:nvGrpSpPr>
+      <p:grpSpPr>
+        <a:xfrm>
+          <a:off x="0" y="0"/>
+          <a:ext cx="0" cy="0"/>
+          <a:chOff x="0" y="0"/>
+          <a:chExt cx="0" cy="0"/>
+        </a:xfrm>
+      </p:grpSpPr>
+      <p:sp>
+        <p:nvSpPr>
+          <p:cNvPr id="4" name="Rectángulo 3">
+            <a:extLst>
+              <a:ext uri="{FF2B5EF4-FFF2-40B4-BE49-F238E27FC236}">
+                <a16:creationId xmlns:a16="http://schemas.microsoft.com/office/drawing/2014/main" id="{AA904F9A-BA53-451F-AE86-711975138345}"/>
+              </a:ext>
+            </a:extLst>
+          </p:cNvPr>
+          <p:cNvSpPr/>
+          <p:nvPr/>
+        </p:nvSpPr>
+        <p:spPr>
+          <a:xfrm>
+            <a:off x="0" y="-1"/>
+            <a:ext cx="12192000" cy="6858000"/>
+          </a:xfrm>
+          <a:prstGeom prst="rect">
+            <a:avLst/>
+          </a:prstGeom>
+          <a:solidFill>
+            <a:schemeClr val="accent5">
+              <a:lumMod val="40000"/>
+              <a:lumOff val="60000"/>
+            </a:schemeClr>
+          </a:solidFill>
+          <a:ln>
+            <a:solidFill>
+              <a:schemeClr val="tx1"/>
+            </a:solidFill>
+          </a:ln>
+        </p:spPr>
+        <p:style>
+          <a:lnRef idx="2">
+            <a:schemeClr val="accent1">
+              <a:shade val="50000"/>
+            </a:schemeClr>
+          </a:lnRef>
+          <a:fillRef idx="1">
+            <a:schemeClr val="accent1"/>
+          </a:fillRef>
+          <a:effectRef idx="0">
+            <a:schemeClr val="accent1"/>
+          </a:effectRef>
+          <a:fontRef idx="minor">
+            <a:schemeClr val="lt1"/>
+          </a:fontRef>
+        </p:style>
+        <p:txBody>
+          <a:bodyPr rtlCol="0" anchor="ctr"/>
+          <a:lstStyle/>
+          <a:p>
+            <a:pPr algn="ctr"/>
+            <a:endParaRPr lang="es-ES" dirty="0"/>
+          </a:p>
+        </p:txBody>
+      </p:sp>
+      <p:sp>
+        <p:nvSpPr>
+          <p:cNvPr id="5" name="Rectángulo 4">
+            <a:extLst>
+              <a:ext uri="{FF2B5EF4-FFF2-40B4-BE49-F238E27FC236}">
+                <a16:creationId xmlns:a16="http://schemas.microsoft.com/office/drawing/2014/main" id="{C8CA8C21-D4A2-42E4-963F-DB5259E72712}"/>
+              </a:ext>
+            </a:extLst>
+          </p:cNvPr>
+          <p:cNvSpPr/>
+          <p:nvPr/>
+        </p:nvSpPr>
+        <p:spPr>
+          <a:xfrm>
+            <a:off x="3785834" y="292445"/>
+            <a:ext cx="4741680" cy="584775"/>
+          </a:xfrm>
+          <a:prstGeom prst="rect">
+            <a:avLst/>
+          </a:prstGeom>
+          <a:noFill/>
+        </p:spPr>
+        <p:txBody>
+          <a:bodyPr wrap="square" lIns="91440" tIns="45720" rIns="91440" bIns="45720">
+            <a:spAutoFit/>
+          </a:bodyPr>
+          <a:lstStyle/>
+          <a:p>
+            <a:pPr algn="ctr"/>
+            <a:r>
+              <a:rPr lang="es-ES" sz="3200" dirty="0">
+                <a:ln w="0"/>
+                <a:solidFill>
+                  <a:schemeClr val="accent5">
+                    <a:lumMod val="50000"/>
+                  </a:schemeClr>
+                </a:solidFill>
+                <a:effectLst>
+                  <a:outerShdw blurRad="38100" dist="38100" dir="2700000" algn="tl">
+                    <a:srgbClr val="000000">
+                      <a:alpha val="43137"/>
+                    </a:srgbClr>
+                  </a:outerShdw>
+                </a:effectLst>
+                <a:latin typeface="Verdana" panose="020B0604030504040204" pitchFamily="34" charset="0"/>
+                <a:ea typeface="Verdana" panose="020B0604030504040204" pitchFamily="34" charset="0"/>
+              </a:rPr>
+              <a:t>GESTIÓN PRÁCTICAS</a:t>
+            </a:r>
+          </a:p>
+        </p:txBody>
+      </p:sp>
+      <p:sp>
+        <p:nvSpPr>
+          <p:cNvPr id="29" name="CuadroTexto 28">
+            <a:extLst>
+              <a:ext uri="{FF2B5EF4-FFF2-40B4-BE49-F238E27FC236}">
+                <a16:creationId xmlns:a16="http://schemas.microsoft.com/office/drawing/2014/main" id="{15F9DC28-23C0-427C-B3AB-B32C3CD694A4}"/>
+              </a:ext>
+            </a:extLst>
+          </p:cNvPr>
+          <p:cNvSpPr txBox="1"/>
+          <p:nvPr/>
+        </p:nvSpPr>
+        <p:spPr>
+          <a:xfrm>
+            <a:off x="5858007" y="1348595"/>
+            <a:ext cx="2239770" cy="369332"/>
+          </a:xfrm>
+          <a:prstGeom prst="rect">
+            <a:avLst/>
+          </a:prstGeom>
+          <a:noFill/>
+        </p:spPr>
+        <p:txBody>
+          <a:bodyPr wrap="square" rtlCol="0">
+            <a:spAutoFit/>
+          </a:bodyPr>
+          <a:lstStyle/>
+          <a:p>
+            <a:r>
+              <a:rPr lang="es-ES" dirty="0">
+                <a:solidFill>
+                  <a:schemeClr val="accent1">
+                    <a:lumMod val="50000"/>
+                  </a:schemeClr>
+                </a:solidFill>
+                <a:latin typeface="Verdana" panose="020B0604030504040204" pitchFamily="34" charset="0"/>
+                <a:ea typeface="Verdana" panose="020B0604030504040204" pitchFamily="34" charset="0"/>
+              </a:rPr>
+              <a:t> </a:t>
+            </a:r>
+            <a:endParaRPr lang="es-ES" sz="2000" dirty="0">
+              <a:solidFill>
+                <a:schemeClr val="accent1">
+                  <a:lumMod val="50000"/>
+                </a:schemeClr>
+              </a:solidFill>
+              <a:latin typeface="Verdana" panose="020B0604030504040204" pitchFamily="34" charset="0"/>
+              <a:ea typeface="Verdana" panose="020B0604030504040204" pitchFamily="34" charset="0"/>
+            </a:endParaRPr>
+          </a:p>
+        </p:txBody>
+      </p:sp>
+      <p:sp>
+        <p:nvSpPr>
+          <p:cNvPr id="45" name="CuadroTexto 44">
+            <a:extLst>
+              <a:ext uri="{FF2B5EF4-FFF2-40B4-BE49-F238E27FC236}">
+                <a16:creationId xmlns:a16="http://schemas.microsoft.com/office/drawing/2014/main" id="{F6D280E0-98A1-4AAE-A32B-8BDDB85E571B}"/>
+              </a:ext>
+            </a:extLst>
+          </p:cNvPr>
+          <p:cNvSpPr txBox="1"/>
+          <p:nvPr/>
+        </p:nvSpPr>
+        <p:spPr>
+          <a:xfrm>
+            <a:off x="2762879" y="2897137"/>
+            <a:ext cx="2297873" cy="338554"/>
+          </a:xfrm>
+          <a:prstGeom prst="rect">
+            <a:avLst/>
+          </a:prstGeom>
+          <a:noFill/>
+        </p:spPr>
+        <p:txBody>
+          <a:bodyPr wrap="square" rtlCol="0">
+            <a:spAutoFit/>
+          </a:bodyPr>
+          <a:lstStyle/>
+          <a:p>
+            <a:endParaRPr lang="es-ES" sz="1600" dirty="0">
+              <a:latin typeface="Verdana" panose="020B0604030504040204" pitchFamily="34" charset="0"/>
+              <a:ea typeface="Verdana" panose="020B0604030504040204" pitchFamily="34" charset="0"/>
+            </a:endParaRPr>
+          </a:p>
+        </p:txBody>
+      </p:sp>
+      <p:sp>
+        <p:nvSpPr>
+          <p:cNvPr id="50" name="Rectángulo 49">
+            <a:extLst>
+              <a:ext uri="{FF2B5EF4-FFF2-40B4-BE49-F238E27FC236}">
+                <a16:creationId xmlns:a16="http://schemas.microsoft.com/office/drawing/2014/main" id="{E84EC8EC-7CC0-4E97-A670-F5753F76F428}"/>
+              </a:ext>
+            </a:extLst>
+          </p:cNvPr>
+          <p:cNvSpPr/>
+          <p:nvPr/>
+        </p:nvSpPr>
+        <p:spPr>
+          <a:xfrm>
+            <a:off x="6505236" y="5527855"/>
+            <a:ext cx="3328720" cy="523220"/>
+          </a:xfrm>
+          <a:prstGeom prst="rect">
+            <a:avLst/>
+          </a:prstGeom>
+        </p:spPr>
+        <p:style>
+          <a:lnRef idx="2">
+            <a:schemeClr val="accent1">
+              <a:shade val="50000"/>
+            </a:schemeClr>
+          </a:lnRef>
+          <a:fillRef idx="1">
+            <a:schemeClr val="accent1"/>
+          </a:fillRef>
+          <a:effectRef idx="0">
+            <a:schemeClr val="accent1"/>
+          </a:effectRef>
+          <a:fontRef idx="minor">
+            <a:schemeClr val="lt1"/>
+          </a:fontRef>
+        </p:style>
+        <p:txBody>
+          <a:bodyPr rtlCol="0" anchor="ctr"/>
+          <a:lstStyle/>
+          <a:p>
+            <a:pPr algn="ctr"/>
+            <a:r>
+              <a:rPr lang="es-ES" dirty="0">
+                <a:latin typeface="Verdana" panose="020B0604030504040204" pitchFamily="34" charset="0"/>
+                <a:ea typeface="Verdana" panose="020B0604030504040204" pitchFamily="34" charset="0"/>
+              </a:rPr>
+              <a:t>Volver</a:t>
+            </a:r>
+          </a:p>
+        </p:txBody>
+      </p:sp>
+      <p:graphicFrame>
+        <p:nvGraphicFramePr>
+          <p:cNvPr id="10" name="Tabla 9">
+            <a:extLst>
+              <a:ext uri="{FF2B5EF4-FFF2-40B4-BE49-F238E27FC236}">
+                <a16:creationId xmlns:a16="http://schemas.microsoft.com/office/drawing/2014/main" id="{9ED59890-94B6-4FF6-B9CF-14508297EA94}"/>
+              </a:ext>
+            </a:extLst>
+          </p:cNvPr>
+          <p:cNvGraphicFramePr>
+            <a:graphicFrameLocks noGrp="1"/>
+          </p:cNvGraphicFramePr>
+          <p:nvPr/>
+        </p:nvGraphicFramePr>
+        <p:xfrm>
+          <a:off x="2223338" y="1812459"/>
+          <a:ext cx="7610618" cy="2475504"/>
+        </p:xfrm>
+        <a:graphic>
+          <a:graphicData uri="http://schemas.openxmlformats.org/drawingml/2006/table">
+            <a:tbl>
+              <a:tblPr firstRow="1" bandRow="1">
+                <a:tableStyleId>{5C22544A-7EE6-4342-B048-85BDC9FD1C3A}</a:tableStyleId>
+              </a:tblPr>
+              <a:tblGrid>
+                <a:gridCol w="3777889">
+                  <a:extLst>
+                    <a:ext uri="{9D8B030D-6E8A-4147-A177-3AD203B41FA5}">
+                      <a16:colId xmlns:a16="http://schemas.microsoft.com/office/drawing/2014/main" val="1589201820"/>
+                    </a:ext>
+                  </a:extLst>
+                </a:gridCol>
+                <a:gridCol w="3832729">
+                  <a:extLst>
+                    <a:ext uri="{9D8B030D-6E8A-4147-A177-3AD203B41FA5}">
+                      <a16:colId xmlns:a16="http://schemas.microsoft.com/office/drawing/2014/main" val="3238391026"/>
+                    </a:ext>
+                  </a:extLst>
+                </a:gridCol>
+              </a:tblGrid>
+              <a:tr h="700267">
+                <a:tc>
+                  <a:txBody>
+                    <a:bodyPr/>
+                    <a:lstStyle/>
+                    <a:p>
+                      <a:pPr marL="0" marR="0" lvl="0" indent="0" algn="ctr" defTabSz="914400" rtl="0" eaLnBrk="1" fontAlgn="auto" latinLnBrk="0" hangingPunct="1">
+                        <a:lnSpc>
+                          <a:spcPct val="100000"/>
+                        </a:lnSpc>
+                        <a:spcBef>
+                          <a:spcPts val="0"/>
+                        </a:spcBef>
+                        <a:spcAft>
+                          <a:spcPts val="0"/>
+                        </a:spcAft>
+                        <a:buClrTx/>
+                        <a:buSzTx/>
+                        <a:buFontTx/>
+                        <a:buNone/>
+                        <a:tabLst/>
+                        <a:defRPr/>
+                      </a:pPr>
+                      <a:r>
+                        <a:rPr lang="es-ES" sz="1600" dirty="0">
+                          <a:solidFill>
+                            <a:schemeClr val="accent1">
+                              <a:lumMod val="50000"/>
+                            </a:schemeClr>
+                          </a:solidFill>
+                          <a:latin typeface="Verdana" panose="020B0604030504040204" pitchFamily="34" charset="0"/>
+                          <a:ea typeface="Verdana" panose="020B0604030504040204" pitchFamily="34" charset="0"/>
+                        </a:rPr>
+                        <a:t>Nombre usuario </a:t>
+                      </a:r>
+                    </a:p>
+                  </a:txBody>
+                  <a:tcPr anchor="ctr">
+                    <a:lnL w="12700" cap="flat" cmpd="sng" algn="ctr">
+                      <a:solidFill>
+                        <a:schemeClr val="accent1">
+                          <a:lumMod val="75000"/>
+                        </a:schemeClr>
+                      </a:solidFill>
+                      <a:prstDash val="solid"/>
+                      <a:round/>
+                      <a:headEnd type="none" w="med" len="med"/>
+                      <a:tailEnd type="none" w="med" len="med"/>
+                    </a:lnL>
+                    <a:lnR w="12700" cap="flat" cmpd="sng" algn="ctr">
+                      <a:solidFill>
+                        <a:schemeClr val="accent1">
+                          <a:lumMod val="75000"/>
+                        </a:schemeClr>
+                      </a:solidFill>
+                      <a:prstDash val="solid"/>
+                      <a:round/>
+                      <a:headEnd type="none" w="med" len="med"/>
+                      <a:tailEnd type="none" w="med" len="med"/>
+                    </a:lnR>
+                    <a:lnT w="12700" cap="flat" cmpd="sng" algn="ctr">
+                      <a:solidFill>
+                        <a:schemeClr val="accent1">
+                          <a:lumMod val="75000"/>
+                        </a:schemeClr>
+                      </a:solidFill>
+                      <a:prstDash val="solid"/>
+                      <a:round/>
+                      <a:headEnd type="none" w="med" len="med"/>
+                      <a:tailEnd type="none" w="med" len="med"/>
+                    </a:lnT>
+                    <a:lnB w="12700" cap="flat" cmpd="sng" algn="ctr">
+                      <a:solidFill>
+                        <a:schemeClr val="accent1">
+                          <a:lumMod val="75000"/>
+                        </a:schemeClr>
+                      </a:solidFill>
+                      <a:prstDash val="solid"/>
+                      <a:round/>
+                      <a:headEnd type="none" w="med" len="med"/>
+                      <a:tailEnd type="none" w="med" len="med"/>
+                    </a:lnB>
+                    <a:noFill/>
+                  </a:tcPr>
+                </a:tc>
+                <a:tc>
+                  <a:txBody>
+                    <a:bodyPr/>
+                    <a:lstStyle/>
+                    <a:p>
+                      <a:pPr algn="ctr"/>
+                      <a:endParaRPr lang="es-ES" sz="1200" b="0" dirty="0">
+                        <a:solidFill>
+                          <a:schemeClr val="tx1"/>
+                        </a:solidFill>
+                        <a:latin typeface="Verdana" panose="020B0604030504040204" pitchFamily="34" charset="0"/>
+                        <a:ea typeface="Verdana" panose="020B0604030504040204" pitchFamily="34" charset="0"/>
+                      </a:endParaRPr>
+                    </a:p>
+                  </a:txBody>
+                  <a:tcPr anchor="ctr">
+                    <a:lnL w="12700" cap="flat" cmpd="sng" algn="ctr">
+                      <a:solidFill>
+                        <a:schemeClr val="accent1">
+                          <a:lumMod val="75000"/>
+                        </a:schemeClr>
+                      </a:solidFill>
+                      <a:prstDash val="solid"/>
+                      <a:round/>
+                      <a:headEnd type="none" w="med" len="med"/>
+                      <a:tailEnd type="none" w="med" len="med"/>
+                    </a:lnL>
+                    <a:lnR w="12700" cap="flat" cmpd="sng" algn="ctr">
+                      <a:solidFill>
+                        <a:schemeClr val="accent1">
+                          <a:lumMod val="75000"/>
+                        </a:schemeClr>
+                      </a:solidFill>
+                      <a:prstDash val="solid"/>
+                      <a:round/>
+                      <a:headEnd type="none" w="med" len="med"/>
+                      <a:tailEnd type="none" w="med" len="med"/>
+                    </a:lnR>
+                    <a:lnT w="12700" cap="flat" cmpd="sng" algn="ctr">
+                      <a:solidFill>
+                        <a:schemeClr val="accent1">
+                          <a:lumMod val="75000"/>
+                        </a:schemeClr>
+                      </a:solidFill>
+                      <a:prstDash val="solid"/>
+                      <a:round/>
+                      <a:headEnd type="none" w="med" len="med"/>
+                      <a:tailEnd type="none" w="med" len="med"/>
+                    </a:lnT>
+                    <a:lnB w="12700" cap="flat" cmpd="sng" algn="ctr">
+                      <a:solidFill>
+                        <a:schemeClr val="accent1">
+                          <a:lumMod val="75000"/>
+                        </a:schemeClr>
+                      </a:solidFill>
+                      <a:prstDash val="solid"/>
+                      <a:round/>
+                      <a:headEnd type="none" w="med" len="med"/>
+                      <a:tailEnd type="none" w="med" len="med"/>
+                    </a:lnB>
+                    <a:noFill/>
+                  </a:tcPr>
+                </a:tc>
+                <a:extLst>
+                  <a:ext uri="{0D108BD9-81ED-4DB2-BD59-A6C34878D82A}">
+                    <a16:rowId xmlns:a16="http://schemas.microsoft.com/office/drawing/2014/main" val="2766233296"/>
+                  </a:ext>
+                </a:extLst>
+              </a:tr>
+              <a:tr h="552842">
+                <a:tc>
+                  <a:txBody>
+                    <a:bodyPr/>
+                    <a:lstStyle/>
+                    <a:p>
+                      <a:pPr marL="0" marR="0" lvl="0" indent="0" algn="ctr" defTabSz="914400" rtl="0" eaLnBrk="1" fontAlgn="auto" latinLnBrk="0" hangingPunct="1">
+                        <a:lnSpc>
+                          <a:spcPct val="100000"/>
+                        </a:lnSpc>
+                        <a:spcBef>
+                          <a:spcPts val="0"/>
+                        </a:spcBef>
+                        <a:spcAft>
+                          <a:spcPts val="0"/>
+                        </a:spcAft>
+                        <a:buClrTx/>
+                        <a:buSzTx/>
+                        <a:buFontTx/>
+                        <a:buNone/>
+                        <a:tabLst/>
+                        <a:defRPr/>
+                      </a:pPr>
+                      <a:r>
+                        <a:rPr lang="es-ES" sz="1600" b="1" dirty="0">
+                          <a:solidFill>
+                            <a:schemeClr val="accent1">
+                              <a:lumMod val="50000"/>
+                            </a:schemeClr>
+                          </a:solidFill>
+                          <a:latin typeface="Verdana" panose="020B0604030504040204" pitchFamily="34" charset="0"/>
+                          <a:ea typeface="Verdana" panose="020B0604030504040204" pitchFamily="34" charset="0"/>
+                        </a:rPr>
+                        <a:t>Correo</a:t>
+                      </a:r>
+                      <a:r>
+                        <a:rPr lang="es-ES" sz="1600" dirty="0">
+                          <a:solidFill>
+                            <a:schemeClr val="accent1">
+                              <a:lumMod val="50000"/>
+                            </a:schemeClr>
+                          </a:solidFill>
+                          <a:latin typeface="Verdana" panose="020B0604030504040204" pitchFamily="34" charset="0"/>
+                          <a:ea typeface="Verdana" panose="020B0604030504040204" pitchFamily="34" charset="0"/>
+                        </a:rPr>
+                        <a:t> </a:t>
+                      </a:r>
+                    </a:p>
+                  </a:txBody>
+                  <a:tcPr anchor="ctr">
+                    <a:lnL w="12700" cap="flat" cmpd="sng" algn="ctr">
+                      <a:solidFill>
+                        <a:schemeClr val="accent1">
+                          <a:lumMod val="75000"/>
+                        </a:schemeClr>
+                      </a:solidFill>
+                      <a:prstDash val="solid"/>
+                      <a:round/>
+                      <a:headEnd type="none" w="med" len="med"/>
+                      <a:tailEnd type="none" w="med" len="med"/>
+                    </a:lnL>
+                    <a:lnR w="12700" cap="flat" cmpd="sng" algn="ctr">
+                      <a:solidFill>
+                        <a:schemeClr val="accent1">
+                          <a:lumMod val="75000"/>
+                        </a:schemeClr>
+                      </a:solidFill>
+                      <a:prstDash val="solid"/>
+                      <a:round/>
+                      <a:headEnd type="none" w="med" len="med"/>
+                      <a:tailEnd type="none" w="med" len="med"/>
+                    </a:lnR>
+                    <a:lnT w="12700" cap="flat" cmpd="sng" algn="ctr">
+                      <a:solidFill>
+                        <a:schemeClr val="accent1">
+                          <a:lumMod val="75000"/>
+                        </a:schemeClr>
+                      </a:solidFill>
+                      <a:prstDash val="solid"/>
+                      <a:round/>
+                      <a:headEnd type="none" w="med" len="med"/>
+                      <a:tailEnd type="none" w="med" len="med"/>
+                    </a:lnT>
+                    <a:lnB w="12700" cap="flat" cmpd="sng" algn="ctr">
+                      <a:solidFill>
+                        <a:schemeClr val="accent1">
+                          <a:lumMod val="75000"/>
+                        </a:schemeClr>
+                      </a:solidFill>
+                      <a:prstDash val="solid"/>
+                      <a:round/>
+                      <a:headEnd type="none" w="med" len="med"/>
+                      <a:tailEnd type="none" w="med" len="med"/>
+                    </a:lnB>
+                    <a:noFill/>
+                  </a:tcPr>
+                </a:tc>
+                <a:tc>
+                  <a:txBody>
+                    <a:bodyPr/>
+                    <a:lstStyle/>
+                    <a:p>
+                      <a:pPr algn="ctr"/>
+                      <a:endParaRPr lang="es-ES" sz="1200" b="0" dirty="0">
+                        <a:solidFill>
+                          <a:schemeClr val="tx1"/>
+                        </a:solidFill>
+                        <a:latin typeface="Verdana" panose="020B0604030504040204" pitchFamily="34" charset="0"/>
+                        <a:ea typeface="Verdana" panose="020B0604030504040204" pitchFamily="34" charset="0"/>
+                      </a:endParaRPr>
+                    </a:p>
+                  </a:txBody>
+                  <a:tcPr anchor="ctr">
+                    <a:lnL w="12700" cap="flat" cmpd="sng" algn="ctr">
+                      <a:solidFill>
+                        <a:schemeClr val="accent1">
+                          <a:lumMod val="75000"/>
+                        </a:schemeClr>
+                      </a:solidFill>
+                      <a:prstDash val="solid"/>
+                      <a:round/>
+                      <a:headEnd type="none" w="med" len="med"/>
+                      <a:tailEnd type="none" w="med" len="med"/>
+                    </a:lnL>
+                    <a:lnR w="12700" cap="flat" cmpd="sng" algn="ctr">
+                      <a:solidFill>
+                        <a:schemeClr val="accent1">
+                          <a:lumMod val="75000"/>
+                        </a:schemeClr>
+                      </a:solidFill>
+                      <a:prstDash val="solid"/>
+                      <a:round/>
+                      <a:headEnd type="none" w="med" len="med"/>
+                      <a:tailEnd type="none" w="med" len="med"/>
+                    </a:lnR>
+                    <a:lnT w="12700" cap="flat" cmpd="sng" algn="ctr">
+                      <a:solidFill>
+                        <a:schemeClr val="accent1">
+                          <a:lumMod val="75000"/>
+                        </a:schemeClr>
+                      </a:solidFill>
+                      <a:prstDash val="solid"/>
+                      <a:round/>
+                      <a:headEnd type="none" w="med" len="med"/>
+                      <a:tailEnd type="none" w="med" len="med"/>
+                    </a:lnT>
+                    <a:lnB w="12700" cap="flat" cmpd="sng" algn="ctr">
+                      <a:solidFill>
+                        <a:schemeClr val="accent1">
+                          <a:lumMod val="75000"/>
+                        </a:schemeClr>
+                      </a:solidFill>
+                      <a:prstDash val="solid"/>
+                      <a:round/>
+                      <a:headEnd type="none" w="med" len="med"/>
+                      <a:tailEnd type="none" w="med" len="med"/>
+                    </a:lnB>
+                    <a:noFill/>
+                  </a:tcPr>
+                </a:tc>
+                <a:extLst>
+                  <a:ext uri="{0D108BD9-81ED-4DB2-BD59-A6C34878D82A}">
+                    <a16:rowId xmlns:a16="http://schemas.microsoft.com/office/drawing/2014/main" val="1707078335"/>
+                  </a:ext>
+                </a:extLst>
+              </a:tr>
+              <a:tr h="773979">
+                <a:tc>
+                  <a:txBody>
+                    <a:bodyPr/>
+                    <a:lstStyle/>
+                    <a:p>
+                      <a:pPr marL="0" marR="0" lvl="0" indent="0" algn="ctr" defTabSz="914400" rtl="0" eaLnBrk="1" fontAlgn="auto" latinLnBrk="0" hangingPunct="1">
+                        <a:lnSpc>
+                          <a:spcPct val="100000"/>
+                        </a:lnSpc>
+                        <a:spcBef>
+                          <a:spcPts val="0"/>
+                        </a:spcBef>
+                        <a:spcAft>
+                          <a:spcPts val="0"/>
+                        </a:spcAft>
+                        <a:buClrTx/>
+                        <a:buSzTx/>
+                        <a:buFontTx/>
+                        <a:buNone/>
+                        <a:tabLst/>
+                        <a:defRPr/>
+                      </a:pPr>
+                      <a:r>
+                        <a:rPr lang="es-ES" sz="1600" b="1" dirty="0">
+                          <a:solidFill>
+                            <a:schemeClr val="accent1">
+                              <a:lumMod val="50000"/>
+                            </a:schemeClr>
+                          </a:solidFill>
+                          <a:latin typeface="Verdana" panose="020B0604030504040204" pitchFamily="34" charset="0"/>
+                          <a:ea typeface="Verdana" panose="020B0604030504040204" pitchFamily="34" charset="0"/>
+                        </a:rPr>
+                        <a:t>Contraseña</a:t>
+                      </a:r>
+                    </a:p>
+                  </a:txBody>
+                  <a:tcPr anchor="ctr">
+                    <a:lnL w="12700" cap="flat" cmpd="sng" algn="ctr">
+                      <a:solidFill>
+                        <a:schemeClr val="accent1">
+                          <a:lumMod val="75000"/>
+                        </a:schemeClr>
+                      </a:solidFill>
+                      <a:prstDash val="solid"/>
+                      <a:round/>
+                      <a:headEnd type="none" w="med" len="med"/>
+                      <a:tailEnd type="none" w="med" len="med"/>
+                    </a:lnL>
+                    <a:lnR w="12700" cap="flat" cmpd="sng" algn="ctr">
+                      <a:solidFill>
+                        <a:schemeClr val="accent1">
+                          <a:lumMod val="75000"/>
+                        </a:schemeClr>
+                      </a:solidFill>
+                      <a:prstDash val="solid"/>
+                      <a:round/>
+                      <a:headEnd type="none" w="med" len="med"/>
+                      <a:tailEnd type="none" w="med" len="med"/>
+                    </a:lnR>
+                    <a:lnT w="12700" cap="flat" cmpd="sng" algn="ctr">
+                      <a:solidFill>
+                        <a:schemeClr val="accent1">
+                          <a:lumMod val="75000"/>
+                        </a:schemeClr>
+                      </a:solidFill>
+                      <a:prstDash val="solid"/>
+                      <a:round/>
+                      <a:headEnd type="none" w="med" len="med"/>
+                      <a:tailEnd type="none" w="med" len="med"/>
+                    </a:lnT>
+                    <a:lnB w="12700" cap="flat" cmpd="sng" algn="ctr">
+                      <a:solidFill>
+                        <a:schemeClr val="accent1">
+                          <a:lumMod val="75000"/>
+                        </a:schemeClr>
+                      </a:solidFill>
+                      <a:prstDash val="solid"/>
+                      <a:round/>
+                      <a:headEnd type="none" w="med" len="med"/>
+                      <a:tailEnd type="none" w="med" len="med"/>
+                    </a:lnB>
+                    <a:noFill/>
+                  </a:tcPr>
+                </a:tc>
+                <a:tc>
+                  <a:txBody>
+                    <a:bodyPr/>
+                    <a:lstStyle/>
+                    <a:p>
+                      <a:pPr marL="0" marR="0" lvl="0" indent="0" algn="ctr" defTabSz="914400" rtl="0" eaLnBrk="1" fontAlgn="auto" latinLnBrk="0" hangingPunct="1">
+                        <a:lnSpc>
+                          <a:spcPct val="100000"/>
+                        </a:lnSpc>
+                        <a:spcBef>
+                          <a:spcPts val="0"/>
+                        </a:spcBef>
+                        <a:spcAft>
+                          <a:spcPts val="0"/>
+                        </a:spcAft>
+                        <a:buClrTx/>
+                        <a:buSzTx/>
+                        <a:buFontTx/>
+                        <a:buNone/>
+                        <a:tabLst/>
+                        <a:defRPr/>
+                      </a:pPr>
+                      <a:endParaRPr lang="es-ES" sz="1200" dirty="0">
+                        <a:latin typeface="Verdana" panose="020B0604030504040204" pitchFamily="34" charset="0"/>
+                        <a:ea typeface="Verdana" panose="020B0604030504040204" pitchFamily="34" charset="0"/>
+                      </a:endParaRPr>
+                    </a:p>
+                  </a:txBody>
+                  <a:tcPr anchor="ctr">
+                    <a:lnL w="12700" cap="flat" cmpd="sng" algn="ctr">
+                      <a:solidFill>
+                        <a:schemeClr val="accent1">
+                          <a:lumMod val="75000"/>
+                        </a:schemeClr>
+                      </a:solidFill>
+                      <a:prstDash val="solid"/>
+                      <a:round/>
+                      <a:headEnd type="none" w="med" len="med"/>
+                      <a:tailEnd type="none" w="med" len="med"/>
+                    </a:lnL>
+                    <a:lnR w="12700" cap="flat" cmpd="sng" algn="ctr">
+                      <a:solidFill>
+                        <a:schemeClr val="accent1">
+                          <a:lumMod val="75000"/>
+                        </a:schemeClr>
+                      </a:solidFill>
+                      <a:prstDash val="solid"/>
+                      <a:round/>
+                      <a:headEnd type="none" w="med" len="med"/>
+                      <a:tailEnd type="none" w="med" len="med"/>
+                    </a:lnR>
+                    <a:lnT w="12700" cap="flat" cmpd="sng" algn="ctr">
+                      <a:solidFill>
+                        <a:schemeClr val="accent1">
+                          <a:lumMod val="75000"/>
+                        </a:schemeClr>
+                      </a:solidFill>
+                      <a:prstDash val="solid"/>
+                      <a:round/>
+                      <a:headEnd type="none" w="med" len="med"/>
+                      <a:tailEnd type="none" w="med" len="med"/>
+                    </a:lnT>
+                    <a:lnB w="12700" cap="flat" cmpd="sng" algn="ctr">
+                      <a:solidFill>
+                        <a:schemeClr val="accent1">
+                          <a:lumMod val="75000"/>
+                        </a:schemeClr>
+                      </a:solidFill>
+                      <a:prstDash val="solid"/>
+                      <a:round/>
+                      <a:headEnd type="none" w="med" len="med"/>
+                      <a:tailEnd type="none" w="med" len="med"/>
+                    </a:lnB>
+                    <a:noFill/>
+                  </a:tcPr>
+                </a:tc>
+                <a:extLst>
+                  <a:ext uri="{0D108BD9-81ED-4DB2-BD59-A6C34878D82A}">
+                    <a16:rowId xmlns:a16="http://schemas.microsoft.com/office/drawing/2014/main" val="2242701384"/>
+                  </a:ext>
+                </a:extLst>
+              </a:tr>
+              <a:tr h="448416">
+                <a:tc>
+                  <a:txBody>
+                    <a:bodyPr/>
+                    <a:lstStyle/>
+                    <a:p>
+                      <a:pPr marL="0" marR="0" lvl="0" indent="0" algn="ctr" defTabSz="914400" rtl="0" eaLnBrk="1" fontAlgn="auto" latinLnBrk="0" hangingPunct="1">
+                        <a:lnSpc>
+                          <a:spcPct val="100000"/>
+                        </a:lnSpc>
+                        <a:spcBef>
+                          <a:spcPts val="0"/>
+                        </a:spcBef>
+                        <a:spcAft>
+                          <a:spcPts val="0"/>
+                        </a:spcAft>
+                        <a:buClrTx/>
+                        <a:buSzTx/>
+                        <a:buFontTx/>
+                        <a:buNone/>
+                        <a:tabLst/>
+                        <a:defRPr/>
+                      </a:pPr>
+                      <a:r>
+                        <a:rPr lang="es-ES" sz="1600" b="1" dirty="0">
+                          <a:solidFill>
+                            <a:schemeClr val="accent1">
+                              <a:lumMod val="50000"/>
+                            </a:schemeClr>
+                          </a:solidFill>
+                          <a:latin typeface="Verdana" panose="020B0604030504040204" pitchFamily="34" charset="0"/>
+                          <a:ea typeface="Verdana" panose="020B0604030504040204" pitchFamily="34" charset="0"/>
+                        </a:rPr>
+                        <a:t>Teléfono</a:t>
+                      </a:r>
+                    </a:p>
+                  </a:txBody>
+                  <a:tcPr anchor="ctr">
+                    <a:lnL w="12700" cap="flat" cmpd="sng" algn="ctr">
+                      <a:solidFill>
+                        <a:schemeClr val="accent1">
+                          <a:lumMod val="75000"/>
+                        </a:schemeClr>
+                      </a:solidFill>
+                      <a:prstDash val="solid"/>
+                      <a:round/>
+                      <a:headEnd type="none" w="med" len="med"/>
+                      <a:tailEnd type="none" w="med" len="med"/>
+                    </a:lnL>
+                    <a:lnR w="12700" cap="flat" cmpd="sng" algn="ctr">
+                      <a:solidFill>
+                        <a:schemeClr val="accent1">
+                          <a:lumMod val="75000"/>
+                        </a:schemeClr>
+                      </a:solidFill>
+                      <a:prstDash val="solid"/>
+                      <a:round/>
+                      <a:headEnd type="none" w="med" len="med"/>
+                      <a:tailEnd type="none" w="med" len="med"/>
+                    </a:lnR>
+                    <a:lnT w="12700" cap="flat" cmpd="sng" algn="ctr">
+                      <a:solidFill>
+                        <a:schemeClr val="accent1">
+                          <a:lumMod val="75000"/>
+                        </a:schemeClr>
+                      </a:solidFill>
+                      <a:prstDash val="solid"/>
+                      <a:round/>
+                      <a:headEnd type="none" w="med" len="med"/>
+                      <a:tailEnd type="none" w="med" len="med"/>
+                    </a:lnT>
+                    <a:lnB w="12700" cap="flat" cmpd="sng" algn="ctr">
+                      <a:solidFill>
+                        <a:schemeClr val="accent1">
+                          <a:lumMod val="75000"/>
+                        </a:schemeClr>
+                      </a:solidFill>
+                      <a:prstDash val="solid"/>
+                      <a:round/>
+                      <a:headEnd type="none" w="med" len="med"/>
+                      <a:tailEnd type="none" w="med" len="med"/>
+                    </a:lnB>
+                    <a:noFill/>
+                  </a:tcPr>
+                </a:tc>
+                <a:tc>
+                  <a:txBody>
+                    <a:bodyPr/>
+                    <a:lstStyle/>
+                    <a:p>
+                      <a:pPr marL="0" marR="0" lvl="0" indent="0" algn="ctr" defTabSz="914400" rtl="0" eaLnBrk="1" fontAlgn="auto" latinLnBrk="0" hangingPunct="1">
+                        <a:lnSpc>
+                          <a:spcPct val="100000"/>
+                        </a:lnSpc>
+                        <a:spcBef>
+                          <a:spcPts val="0"/>
+                        </a:spcBef>
+                        <a:spcAft>
+                          <a:spcPts val="0"/>
+                        </a:spcAft>
+                        <a:buClrTx/>
+                        <a:buSzTx/>
+                        <a:buFontTx/>
+                        <a:buNone/>
+                        <a:tabLst/>
+                        <a:defRPr/>
+                      </a:pPr>
+                      <a:endParaRPr lang="es-ES" sz="1200" dirty="0">
+                        <a:latin typeface="Verdana" panose="020B0604030504040204" pitchFamily="34" charset="0"/>
+                        <a:ea typeface="Verdana" panose="020B0604030504040204" pitchFamily="34" charset="0"/>
+                      </a:endParaRPr>
+                    </a:p>
+                  </a:txBody>
+                  <a:tcPr anchor="ctr">
+                    <a:lnL w="12700" cap="flat" cmpd="sng" algn="ctr">
+                      <a:solidFill>
+                        <a:schemeClr val="accent1">
+                          <a:lumMod val="75000"/>
+                        </a:schemeClr>
+                      </a:solidFill>
+                      <a:prstDash val="solid"/>
+                      <a:round/>
+                      <a:headEnd type="none" w="med" len="med"/>
+                      <a:tailEnd type="none" w="med" len="med"/>
+                    </a:lnL>
+                    <a:lnR w="12700" cap="flat" cmpd="sng" algn="ctr">
+                      <a:solidFill>
+                        <a:schemeClr val="accent1">
+                          <a:lumMod val="75000"/>
+                        </a:schemeClr>
+                      </a:solidFill>
+                      <a:prstDash val="solid"/>
+                      <a:round/>
+                      <a:headEnd type="none" w="med" len="med"/>
+                      <a:tailEnd type="none" w="med" len="med"/>
+                    </a:lnR>
+                    <a:lnT w="12700" cap="flat" cmpd="sng" algn="ctr">
+                      <a:solidFill>
+                        <a:schemeClr val="accent1">
+                          <a:lumMod val="75000"/>
+                        </a:schemeClr>
+                      </a:solidFill>
+                      <a:prstDash val="solid"/>
+                      <a:round/>
+                      <a:headEnd type="none" w="med" len="med"/>
+                      <a:tailEnd type="none" w="med" len="med"/>
+                    </a:lnT>
+                    <a:lnB w="12700" cap="flat" cmpd="sng" algn="ctr">
+                      <a:solidFill>
+                        <a:schemeClr val="accent1">
+                          <a:lumMod val="75000"/>
+                        </a:schemeClr>
+                      </a:solidFill>
+                      <a:prstDash val="solid"/>
+                      <a:round/>
+                      <a:headEnd type="none" w="med" len="med"/>
+                      <a:tailEnd type="none" w="med" len="med"/>
+                    </a:lnB>
+                    <a:noFill/>
+                  </a:tcPr>
+                </a:tc>
+                <a:extLst>
+                  <a:ext uri="{0D108BD9-81ED-4DB2-BD59-A6C34878D82A}">
+                    <a16:rowId xmlns:a16="http://schemas.microsoft.com/office/drawing/2014/main" val="1514709571"/>
+                  </a:ext>
+                </a:extLst>
+              </a:tr>
+            </a:tbl>
+          </a:graphicData>
+        </a:graphic>
+      </p:graphicFrame>
+      <p:sp>
+        <p:nvSpPr>
+          <p:cNvPr id="2" name="Rectángulo 1">
+            <a:extLst>
+              <a:ext uri="{FF2B5EF4-FFF2-40B4-BE49-F238E27FC236}">
+                <a16:creationId xmlns:a16="http://schemas.microsoft.com/office/drawing/2014/main" id="{D604F44C-C4CF-DE1D-FBB7-2C0229043C1A}"/>
+              </a:ext>
+            </a:extLst>
+          </p:cNvPr>
+          <p:cNvSpPr/>
+          <p:nvPr/>
+        </p:nvSpPr>
+        <p:spPr>
+          <a:xfrm>
+            <a:off x="2247455" y="5546547"/>
+            <a:ext cx="3328720" cy="523220"/>
+          </a:xfrm>
+          <a:prstGeom prst="rect">
+            <a:avLst/>
+          </a:prstGeom>
+        </p:spPr>
+        <p:style>
+          <a:lnRef idx="2">
+            <a:schemeClr val="accent1">
+              <a:shade val="50000"/>
+            </a:schemeClr>
+          </a:lnRef>
+          <a:fillRef idx="1">
+            <a:schemeClr val="accent1"/>
+          </a:fillRef>
+          <a:effectRef idx="0">
+            <a:schemeClr val="accent1"/>
+          </a:effectRef>
+          <a:fontRef idx="minor">
+            <a:schemeClr val="lt1"/>
+          </a:fontRef>
+        </p:style>
+        <p:txBody>
+          <a:bodyPr rtlCol="0" anchor="ctr"/>
+          <a:lstStyle/>
+          <a:p>
+            <a:pPr algn="ctr"/>
+            <a:r>
+              <a:rPr lang="es-ES" dirty="0">
+                <a:latin typeface="Verdana" panose="020B0604030504040204" pitchFamily="34" charset="0"/>
+                <a:ea typeface="Verdana" panose="020B0604030504040204" pitchFamily="34" charset="0"/>
+              </a:rPr>
+              <a:t>Guardar cambios</a:t>
+            </a:r>
+          </a:p>
+        </p:txBody>
+      </p:sp>
+    </p:spTree>
+    <p:extLst>
+      <p:ext uri="{BB962C8B-B14F-4D97-AF65-F5344CB8AC3E}">
+        <p14:creationId xmlns:p14="http://schemas.microsoft.com/office/powerpoint/2010/main" val="3440677102"/>
+      </p:ext>
+    </p:extLst>
+  </p:cSld>
+  <p:clrMapOvr>
+    <a:masterClrMapping/>
+  </p:clrMapOvr>
+</p:sld>
+</file>
+
 <file path=ppt/slides/slide2.xml><?xml version="1.0" encoding="utf-8"?>
 <p:sld xmlns:a="http://schemas.openxmlformats.org/drawingml/2006/main" xmlns:r="http://schemas.openxmlformats.org/officeDocument/2006/relationships" xmlns:p="http://schemas.openxmlformats.org/presentationml/2006/main">
   <p:cSld>
@@ -12937,7 +15319,7 @@
         </p:nvSpPr>
         <p:spPr>
           <a:xfrm>
-            <a:off x="0" y="-51747"/>
+            <a:off x="0" y="0"/>
             <a:ext cx="12192000" cy="6858000"/>
           </a:xfrm>
           <a:prstGeom prst="rect">
@@ -12989,7 +15371,7 @@
         </p:nvSpPr>
         <p:spPr>
           <a:xfrm>
-            <a:off x="4386605" y="2557194"/>
+            <a:off x="2267163" y="2603381"/>
             <a:ext cx="3418790" cy="999395"/>
           </a:xfrm>
           <a:prstGeom prst="rect">
@@ -13155,7 +15537,7 @@
         </p:nvSpPr>
         <p:spPr>
           <a:xfrm>
-            <a:off x="4386605" y="3964427"/>
+            <a:off x="2267163" y="4364477"/>
             <a:ext cx="3418790" cy="999395"/>
           </a:xfrm>
           <a:prstGeom prst="rect">
@@ -13207,7 +15589,7 @@
         </p:nvSpPr>
         <p:spPr>
           <a:xfrm>
-            <a:off x="4386605" y="5445207"/>
+            <a:off x="6506047" y="2603381"/>
             <a:ext cx="3418790" cy="999395"/>
           </a:xfrm>
           <a:prstGeom prst="rect">
@@ -13241,6 +15623,58 @@
                 <a:ea typeface="Verdana" panose="020B0604030504040204" pitchFamily="34" charset="0"/>
               </a:rPr>
               <a:t>Informe de datos personales</a:t>
+            </a:r>
+          </a:p>
+        </p:txBody>
+      </p:sp>
+      <p:sp>
+        <p:nvSpPr>
+          <p:cNvPr id="3" name="Rectángulo 2">
+            <a:extLst>
+              <a:ext uri="{FF2B5EF4-FFF2-40B4-BE49-F238E27FC236}">
+                <a16:creationId xmlns:a16="http://schemas.microsoft.com/office/drawing/2014/main" id="{EDAB40A5-951D-9661-B4EE-09B5166ADD33}"/>
+              </a:ext>
+            </a:extLst>
+          </p:cNvPr>
+          <p:cNvSpPr/>
+          <p:nvPr/>
+        </p:nvSpPr>
+        <p:spPr>
+          <a:xfrm>
+            <a:off x="6569547" y="4364477"/>
+            <a:ext cx="3418790" cy="999395"/>
+          </a:xfrm>
+          <a:prstGeom prst="rect">
+            <a:avLst/>
+          </a:prstGeom>
+        </p:spPr>
+        <p:style>
+          <a:lnRef idx="2">
+            <a:schemeClr val="accent1">
+              <a:shade val="50000"/>
+            </a:schemeClr>
+          </a:lnRef>
+          <a:fillRef idx="1">
+            <a:schemeClr val="accent1"/>
+          </a:fillRef>
+          <a:effectRef idx="0">
+            <a:schemeClr val="accent1"/>
+          </a:effectRef>
+          <a:fontRef idx="minor">
+            <a:schemeClr val="lt1"/>
+          </a:fontRef>
+        </p:style>
+        <p:txBody>
+          <a:bodyPr rtlCol="0" anchor="ctr"/>
+          <a:lstStyle/>
+          <a:p>
+            <a:pPr algn="ctr"/>
+            <a:r>
+              <a:rPr lang="es-ES" dirty="0">
+                <a:latin typeface="Verdana" panose="020B0604030504040204" pitchFamily="34" charset="0"/>
+                <a:ea typeface="Verdana" panose="020B0604030504040204" pitchFamily="34" charset="0"/>
+              </a:rPr>
+              <a:t>Modificar datos</a:t>
             </a:r>
           </a:p>
         </p:txBody>
@@ -21390,6 +23824,1040 @@
         </p:nvSpPr>
         <p:spPr>
           <a:xfrm>
+            <a:off x="0" y="-1"/>
+            <a:ext cx="12192000" cy="6858000"/>
+          </a:xfrm>
+          <a:prstGeom prst="rect">
+            <a:avLst/>
+          </a:prstGeom>
+          <a:solidFill>
+            <a:schemeClr val="accent5">
+              <a:lumMod val="40000"/>
+              <a:lumOff val="60000"/>
+            </a:schemeClr>
+          </a:solidFill>
+          <a:ln>
+            <a:solidFill>
+              <a:schemeClr val="tx1"/>
+            </a:solidFill>
+          </a:ln>
+        </p:spPr>
+        <p:style>
+          <a:lnRef idx="2">
+            <a:schemeClr val="accent1">
+              <a:shade val="50000"/>
+            </a:schemeClr>
+          </a:lnRef>
+          <a:fillRef idx="1">
+            <a:schemeClr val="accent1"/>
+          </a:fillRef>
+          <a:effectRef idx="0">
+            <a:schemeClr val="accent1"/>
+          </a:effectRef>
+          <a:fontRef idx="minor">
+            <a:schemeClr val="lt1"/>
+          </a:fontRef>
+        </p:style>
+        <p:txBody>
+          <a:bodyPr rtlCol="0" anchor="ctr"/>
+          <a:lstStyle/>
+          <a:p>
+            <a:pPr algn="ctr"/>
+            <a:endParaRPr lang="es-ES" dirty="0"/>
+          </a:p>
+        </p:txBody>
+      </p:sp>
+      <p:sp>
+        <p:nvSpPr>
+          <p:cNvPr id="5" name="Rectángulo 4">
+            <a:extLst>
+              <a:ext uri="{FF2B5EF4-FFF2-40B4-BE49-F238E27FC236}">
+                <a16:creationId xmlns:a16="http://schemas.microsoft.com/office/drawing/2014/main" id="{C8CA8C21-D4A2-42E4-963F-DB5259E72712}"/>
+              </a:ext>
+            </a:extLst>
+          </p:cNvPr>
+          <p:cNvSpPr/>
+          <p:nvPr/>
+        </p:nvSpPr>
+        <p:spPr>
+          <a:xfrm>
+            <a:off x="3785834" y="292445"/>
+            <a:ext cx="4741680" cy="584775"/>
+          </a:xfrm>
+          <a:prstGeom prst="rect">
+            <a:avLst/>
+          </a:prstGeom>
+          <a:noFill/>
+        </p:spPr>
+        <p:txBody>
+          <a:bodyPr wrap="square" lIns="91440" tIns="45720" rIns="91440" bIns="45720">
+            <a:spAutoFit/>
+          </a:bodyPr>
+          <a:lstStyle/>
+          <a:p>
+            <a:pPr algn="ctr"/>
+            <a:r>
+              <a:rPr lang="es-ES" sz="3200" dirty="0">
+                <a:ln w="0"/>
+                <a:solidFill>
+                  <a:schemeClr val="accent5">
+                    <a:lumMod val="50000"/>
+                  </a:schemeClr>
+                </a:solidFill>
+                <a:effectLst>
+                  <a:outerShdw blurRad="38100" dist="38100" dir="2700000" algn="tl">
+                    <a:srgbClr val="000000">
+                      <a:alpha val="43137"/>
+                    </a:srgbClr>
+                  </a:outerShdw>
+                </a:effectLst>
+                <a:latin typeface="Verdana" panose="020B0604030504040204" pitchFamily="34" charset="0"/>
+                <a:ea typeface="Verdana" panose="020B0604030504040204" pitchFamily="34" charset="0"/>
+              </a:rPr>
+              <a:t>GESTIÓN PRÁCTICAS</a:t>
+            </a:r>
+          </a:p>
+        </p:txBody>
+      </p:sp>
+      <p:sp>
+        <p:nvSpPr>
+          <p:cNvPr id="29" name="CuadroTexto 28">
+            <a:extLst>
+              <a:ext uri="{FF2B5EF4-FFF2-40B4-BE49-F238E27FC236}">
+                <a16:creationId xmlns:a16="http://schemas.microsoft.com/office/drawing/2014/main" id="{15F9DC28-23C0-427C-B3AB-B32C3CD694A4}"/>
+              </a:ext>
+            </a:extLst>
+          </p:cNvPr>
+          <p:cNvSpPr txBox="1"/>
+          <p:nvPr/>
+        </p:nvSpPr>
+        <p:spPr>
+          <a:xfrm>
+            <a:off x="5858007" y="1348595"/>
+            <a:ext cx="2239770" cy="369332"/>
+          </a:xfrm>
+          <a:prstGeom prst="rect">
+            <a:avLst/>
+          </a:prstGeom>
+          <a:noFill/>
+        </p:spPr>
+        <p:txBody>
+          <a:bodyPr wrap="square" rtlCol="0">
+            <a:spAutoFit/>
+          </a:bodyPr>
+          <a:lstStyle/>
+          <a:p>
+            <a:r>
+              <a:rPr lang="es-ES" dirty="0">
+                <a:solidFill>
+                  <a:schemeClr val="accent1">
+                    <a:lumMod val="50000"/>
+                  </a:schemeClr>
+                </a:solidFill>
+                <a:latin typeface="Verdana" panose="020B0604030504040204" pitchFamily="34" charset="0"/>
+                <a:ea typeface="Verdana" panose="020B0604030504040204" pitchFamily="34" charset="0"/>
+              </a:rPr>
+              <a:t> </a:t>
+            </a:r>
+            <a:endParaRPr lang="es-ES" sz="2000" dirty="0">
+              <a:solidFill>
+                <a:schemeClr val="accent1">
+                  <a:lumMod val="50000"/>
+                </a:schemeClr>
+              </a:solidFill>
+              <a:latin typeface="Verdana" panose="020B0604030504040204" pitchFamily="34" charset="0"/>
+              <a:ea typeface="Verdana" panose="020B0604030504040204" pitchFamily="34" charset="0"/>
+            </a:endParaRPr>
+          </a:p>
+        </p:txBody>
+      </p:sp>
+      <p:sp>
+        <p:nvSpPr>
+          <p:cNvPr id="45" name="CuadroTexto 44">
+            <a:extLst>
+              <a:ext uri="{FF2B5EF4-FFF2-40B4-BE49-F238E27FC236}">
+                <a16:creationId xmlns:a16="http://schemas.microsoft.com/office/drawing/2014/main" id="{F6D280E0-98A1-4AAE-A32B-8BDDB85E571B}"/>
+              </a:ext>
+            </a:extLst>
+          </p:cNvPr>
+          <p:cNvSpPr txBox="1"/>
+          <p:nvPr/>
+        </p:nvSpPr>
+        <p:spPr>
+          <a:xfrm>
+            <a:off x="2762879" y="2897137"/>
+            <a:ext cx="2297873" cy="338554"/>
+          </a:xfrm>
+          <a:prstGeom prst="rect">
+            <a:avLst/>
+          </a:prstGeom>
+          <a:noFill/>
+        </p:spPr>
+        <p:txBody>
+          <a:bodyPr wrap="square" rtlCol="0">
+            <a:spAutoFit/>
+          </a:bodyPr>
+          <a:lstStyle/>
+          <a:p>
+            <a:endParaRPr lang="es-ES" sz="1600" dirty="0">
+              <a:latin typeface="Verdana" panose="020B0604030504040204" pitchFamily="34" charset="0"/>
+              <a:ea typeface="Verdana" panose="020B0604030504040204" pitchFamily="34" charset="0"/>
+            </a:endParaRPr>
+          </a:p>
+        </p:txBody>
+      </p:sp>
+      <p:sp>
+        <p:nvSpPr>
+          <p:cNvPr id="50" name="Rectángulo 49">
+            <a:extLst>
+              <a:ext uri="{FF2B5EF4-FFF2-40B4-BE49-F238E27FC236}">
+                <a16:creationId xmlns:a16="http://schemas.microsoft.com/office/drawing/2014/main" id="{E84EC8EC-7CC0-4E97-A670-F5753F76F428}"/>
+              </a:ext>
+            </a:extLst>
+          </p:cNvPr>
+          <p:cNvSpPr/>
+          <p:nvPr/>
+        </p:nvSpPr>
+        <p:spPr>
+          <a:xfrm>
+            <a:off x="6505236" y="5527855"/>
+            <a:ext cx="3328720" cy="523220"/>
+          </a:xfrm>
+          <a:prstGeom prst="rect">
+            <a:avLst/>
+          </a:prstGeom>
+        </p:spPr>
+        <p:style>
+          <a:lnRef idx="2">
+            <a:schemeClr val="accent1">
+              <a:shade val="50000"/>
+            </a:schemeClr>
+          </a:lnRef>
+          <a:fillRef idx="1">
+            <a:schemeClr val="accent1"/>
+          </a:fillRef>
+          <a:effectRef idx="0">
+            <a:schemeClr val="accent1"/>
+          </a:effectRef>
+          <a:fontRef idx="minor">
+            <a:schemeClr val="lt1"/>
+          </a:fontRef>
+        </p:style>
+        <p:txBody>
+          <a:bodyPr rtlCol="0" anchor="ctr"/>
+          <a:lstStyle/>
+          <a:p>
+            <a:pPr algn="ctr"/>
+            <a:r>
+              <a:rPr lang="es-ES" dirty="0">
+                <a:latin typeface="Verdana" panose="020B0604030504040204" pitchFamily="34" charset="0"/>
+                <a:ea typeface="Verdana" panose="020B0604030504040204" pitchFamily="34" charset="0"/>
+              </a:rPr>
+              <a:t>Volver</a:t>
+            </a:r>
+          </a:p>
+        </p:txBody>
+      </p:sp>
+      <p:graphicFrame>
+        <p:nvGraphicFramePr>
+          <p:cNvPr id="10" name="Tabla 9">
+            <a:extLst>
+              <a:ext uri="{FF2B5EF4-FFF2-40B4-BE49-F238E27FC236}">
+                <a16:creationId xmlns:a16="http://schemas.microsoft.com/office/drawing/2014/main" id="{9ED59890-94B6-4FF6-B9CF-14508297EA94}"/>
+              </a:ext>
+            </a:extLst>
+          </p:cNvPr>
+          <p:cNvGraphicFramePr>
+            <a:graphicFrameLocks noGrp="1"/>
+          </p:cNvGraphicFramePr>
+          <p:nvPr>
+            <p:extLst>
+              <p:ext uri="{D42A27DB-BD31-4B8C-83A1-F6EECF244321}">
+                <p14:modId xmlns:p14="http://schemas.microsoft.com/office/powerpoint/2010/main" val="2896448859"/>
+              </p:ext>
+            </p:extLst>
+          </p:nvPr>
+        </p:nvGraphicFramePr>
+        <p:xfrm>
+          <a:off x="2223338" y="1812459"/>
+          <a:ext cx="7610618" cy="2475504"/>
+        </p:xfrm>
+        <a:graphic>
+          <a:graphicData uri="http://schemas.openxmlformats.org/drawingml/2006/table">
+            <a:tbl>
+              <a:tblPr firstRow="1" bandRow="1">
+                <a:tableStyleId>{5C22544A-7EE6-4342-B048-85BDC9FD1C3A}</a:tableStyleId>
+              </a:tblPr>
+              <a:tblGrid>
+                <a:gridCol w="3777889">
+                  <a:extLst>
+                    <a:ext uri="{9D8B030D-6E8A-4147-A177-3AD203B41FA5}">
+                      <a16:colId xmlns:a16="http://schemas.microsoft.com/office/drawing/2014/main" val="1589201820"/>
+                    </a:ext>
+                  </a:extLst>
+                </a:gridCol>
+                <a:gridCol w="3832729">
+                  <a:extLst>
+                    <a:ext uri="{9D8B030D-6E8A-4147-A177-3AD203B41FA5}">
+                      <a16:colId xmlns:a16="http://schemas.microsoft.com/office/drawing/2014/main" val="3238391026"/>
+                    </a:ext>
+                  </a:extLst>
+                </a:gridCol>
+              </a:tblGrid>
+              <a:tr h="700267">
+                <a:tc>
+                  <a:txBody>
+                    <a:bodyPr/>
+                    <a:lstStyle/>
+                    <a:p>
+                      <a:pPr marL="0" marR="0" lvl="0" indent="0" algn="ctr" defTabSz="914400" rtl="0" eaLnBrk="1" fontAlgn="auto" latinLnBrk="0" hangingPunct="1">
+                        <a:lnSpc>
+                          <a:spcPct val="100000"/>
+                        </a:lnSpc>
+                        <a:spcBef>
+                          <a:spcPts val="0"/>
+                        </a:spcBef>
+                        <a:spcAft>
+                          <a:spcPts val="0"/>
+                        </a:spcAft>
+                        <a:buClrTx/>
+                        <a:buSzTx/>
+                        <a:buFontTx/>
+                        <a:buNone/>
+                        <a:tabLst/>
+                        <a:defRPr/>
+                      </a:pPr>
+                      <a:r>
+                        <a:rPr lang="es-ES" sz="1600" dirty="0">
+                          <a:solidFill>
+                            <a:schemeClr val="accent1">
+                              <a:lumMod val="50000"/>
+                            </a:schemeClr>
+                          </a:solidFill>
+                          <a:latin typeface="Verdana" panose="020B0604030504040204" pitchFamily="34" charset="0"/>
+                          <a:ea typeface="Verdana" panose="020B0604030504040204" pitchFamily="34" charset="0"/>
+                        </a:rPr>
+                        <a:t>Nombre usuario </a:t>
+                      </a:r>
+                    </a:p>
+                  </a:txBody>
+                  <a:tcPr anchor="ctr">
+                    <a:lnL w="12700" cap="flat" cmpd="sng" algn="ctr">
+                      <a:solidFill>
+                        <a:schemeClr val="accent1">
+                          <a:lumMod val="75000"/>
+                        </a:schemeClr>
+                      </a:solidFill>
+                      <a:prstDash val="solid"/>
+                      <a:round/>
+                      <a:headEnd type="none" w="med" len="med"/>
+                      <a:tailEnd type="none" w="med" len="med"/>
+                    </a:lnL>
+                    <a:lnR w="12700" cap="flat" cmpd="sng" algn="ctr">
+                      <a:solidFill>
+                        <a:schemeClr val="accent1">
+                          <a:lumMod val="75000"/>
+                        </a:schemeClr>
+                      </a:solidFill>
+                      <a:prstDash val="solid"/>
+                      <a:round/>
+                      <a:headEnd type="none" w="med" len="med"/>
+                      <a:tailEnd type="none" w="med" len="med"/>
+                    </a:lnR>
+                    <a:lnT w="12700" cap="flat" cmpd="sng" algn="ctr">
+                      <a:solidFill>
+                        <a:schemeClr val="accent1">
+                          <a:lumMod val="75000"/>
+                        </a:schemeClr>
+                      </a:solidFill>
+                      <a:prstDash val="solid"/>
+                      <a:round/>
+                      <a:headEnd type="none" w="med" len="med"/>
+                      <a:tailEnd type="none" w="med" len="med"/>
+                    </a:lnT>
+                    <a:lnB w="12700" cap="flat" cmpd="sng" algn="ctr">
+                      <a:solidFill>
+                        <a:schemeClr val="accent1">
+                          <a:lumMod val="75000"/>
+                        </a:schemeClr>
+                      </a:solidFill>
+                      <a:prstDash val="solid"/>
+                      <a:round/>
+                      <a:headEnd type="none" w="med" len="med"/>
+                      <a:tailEnd type="none" w="med" len="med"/>
+                    </a:lnB>
+                    <a:noFill/>
+                  </a:tcPr>
+                </a:tc>
+                <a:tc>
+                  <a:txBody>
+                    <a:bodyPr/>
+                    <a:lstStyle/>
+                    <a:p>
+                      <a:pPr algn="ctr"/>
+                      <a:endParaRPr lang="es-ES" sz="1200" b="0" dirty="0">
+                        <a:solidFill>
+                          <a:schemeClr val="tx1"/>
+                        </a:solidFill>
+                        <a:latin typeface="Verdana" panose="020B0604030504040204" pitchFamily="34" charset="0"/>
+                        <a:ea typeface="Verdana" panose="020B0604030504040204" pitchFamily="34" charset="0"/>
+                      </a:endParaRPr>
+                    </a:p>
+                  </a:txBody>
+                  <a:tcPr anchor="ctr">
+                    <a:lnL w="12700" cap="flat" cmpd="sng" algn="ctr">
+                      <a:solidFill>
+                        <a:schemeClr val="accent1">
+                          <a:lumMod val="75000"/>
+                        </a:schemeClr>
+                      </a:solidFill>
+                      <a:prstDash val="solid"/>
+                      <a:round/>
+                      <a:headEnd type="none" w="med" len="med"/>
+                      <a:tailEnd type="none" w="med" len="med"/>
+                    </a:lnL>
+                    <a:lnR w="12700" cap="flat" cmpd="sng" algn="ctr">
+                      <a:solidFill>
+                        <a:schemeClr val="accent1">
+                          <a:lumMod val="75000"/>
+                        </a:schemeClr>
+                      </a:solidFill>
+                      <a:prstDash val="solid"/>
+                      <a:round/>
+                      <a:headEnd type="none" w="med" len="med"/>
+                      <a:tailEnd type="none" w="med" len="med"/>
+                    </a:lnR>
+                    <a:lnT w="12700" cap="flat" cmpd="sng" algn="ctr">
+                      <a:solidFill>
+                        <a:schemeClr val="accent1">
+                          <a:lumMod val="75000"/>
+                        </a:schemeClr>
+                      </a:solidFill>
+                      <a:prstDash val="solid"/>
+                      <a:round/>
+                      <a:headEnd type="none" w="med" len="med"/>
+                      <a:tailEnd type="none" w="med" len="med"/>
+                    </a:lnT>
+                    <a:lnB w="12700" cap="flat" cmpd="sng" algn="ctr">
+                      <a:solidFill>
+                        <a:schemeClr val="accent1">
+                          <a:lumMod val="75000"/>
+                        </a:schemeClr>
+                      </a:solidFill>
+                      <a:prstDash val="solid"/>
+                      <a:round/>
+                      <a:headEnd type="none" w="med" len="med"/>
+                      <a:tailEnd type="none" w="med" len="med"/>
+                    </a:lnB>
+                    <a:noFill/>
+                  </a:tcPr>
+                </a:tc>
+                <a:extLst>
+                  <a:ext uri="{0D108BD9-81ED-4DB2-BD59-A6C34878D82A}">
+                    <a16:rowId xmlns:a16="http://schemas.microsoft.com/office/drawing/2014/main" val="2766233296"/>
+                  </a:ext>
+                </a:extLst>
+              </a:tr>
+              <a:tr h="552842">
+                <a:tc>
+                  <a:txBody>
+                    <a:bodyPr/>
+                    <a:lstStyle/>
+                    <a:p>
+                      <a:pPr marL="0" marR="0" lvl="0" indent="0" algn="ctr" defTabSz="914400" rtl="0" eaLnBrk="1" fontAlgn="auto" latinLnBrk="0" hangingPunct="1">
+                        <a:lnSpc>
+                          <a:spcPct val="100000"/>
+                        </a:lnSpc>
+                        <a:spcBef>
+                          <a:spcPts val="0"/>
+                        </a:spcBef>
+                        <a:spcAft>
+                          <a:spcPts val="0"/>
+                        </a:spcAft>
+                        <a:buClrTx/>
+                        <a:buSzTx/>
+                        <a:buFontTx/>
+                        <a:buNone/>
+                        <a:tabLst/>
+                        <a:defRPr/>
+                      </a:pPr>
+                      <a:r>
+                        <a:rPr lang="es-ES" sz="1600" b="1" dirty="0">
+                          <a:solidFill>
+                            <a:schemeClr val="accent1">
+                              <a:lumMod val="50000"/>
+                            </a:schemeClr>
+                          </a:solidFill>
+                          <a:latin typeface="Verdana" panose="020B0604030504040204" pitchFamily="34" charset="0"/>
+                          <a:ea typeface="Verdana" panose="020B0604030504040204" pitchFamily="34" charset="0"/>
+                        </a:rPr>
+                        <a:t>Correo</a:t>
+                      </a:r>
+                      <a:r>
+                        <a:rPr lang="es-ES" sz="1600" dirty="0">
+                          <a:solidFill>
+                            <a:schemeClr val="accent1">
+                              <a:lumMod val="50000"/>
+                            </a:schemeClr>
+                          </a:solidFill>
+                          <a:latin typeface="Verdana" panose="020B0604030504040204" pitchFamily="34" charset="0"/>
+                          <a:ea typeface="Verdana" panose="020B0604030504040204" pitchFamily="34" charset="0"/>
+                        </a:rPr>
+                        <a:t> </a:t>
+                      </a:r>
+                    </a:p>
+                  </a:txBody>
+                  <a:tcPr anchor="ctr">
+                    <a:lnL w="12700" cap="flat" cmpd="sng" algn="ctr">
+                      <a:solidFill>
+                        <a:schemeClr val="accent1">
+                          <a:lumMod val="75000"/>
+                        </a:schemeClr>
+                      </a:solidFill>
+                      <a:prstDash val="solid"/>
+                      <a:round/>
+                      <a:headEnd type="none" w="med" len="med"/>
+                      <a:tailEnd type="none" w="med" len="med"/>
+                    </a:lnL>
+                    <a:lnR w="12700" cap="flat" cmpd="sng" algn="ctr">
+                      <a:solidFill>
+                        <a:schemeClr val="accent1">
+                          <a:lumMod val="75000"/>
+                        </a:schemeClr>
+                      </a:solidFill>
+                      <a:prstDash val="solid"/>
+                      <a:round/>
+                      <a:headEnd type="none" w="med" len="med"/>
+                      <a:tailEnd type="none" w="med" len="med"/>
+                    </a:lnR>
+                    <a:lnT w="12700" cap="flat" cmpd="sng" algn="ctr">
+                      <a:solidFill>
+                        <a:schemeClr val="accent1">
+                          <a:lumMod val="75000"/>
+                        </a:schemeClr>
+                      </a:solidFill>
+                      <a:prstDash val="solid"/>
+                      <a:round/>
+                      <a:headEnd type="none" w="med" len="med"/>
+                      <a:tailEnd type="none" w="med" len="med"/>
+                    </a:lnT>
+                    <a:lnB w="12700" cap="flat" cmpd="sng" algn="ctr">
+                      <a:solidFill>
+                        <a:schemeClr val="accent1">
+                          <a:lumMod val="75000"/>
+                        </a:schemeClr>
+                      </a:solidFill>
+                      <a:prstDash val="solid"/>
+                      <a:round/>
+                      <a:headEnd type="none" w="med" len="med"/>
+                      <a:tailEnd type="none" w="med" len="med"/>
+                    </a:lnB>
+                    <a:noFill/>
+                  </a:tcPr>
+                </a:tc>
+                <a:tc>
+                  <a:txBody>
+                    <a:bodyPr/>
+                    <a:lstStyle/>
+                    <a:p>
+                      <a:pPr algn="ctr"/>
+                      <a:endParaRPr lang="es-ES" sz="1200" b="0" dirty="0">
+                        <a:solidFill>
+                          <a:schemeClr val="tx1"/>
+                        </a:solidFill>
+                        <a:latin typeface="Verdana" panose="020B0604030504040204" pitchFamily="34" charset="0"/>
+                        <a:ea typeface="Verdana" panose="020B0604030504040204" pitchFamily="34" charset="0"/>
+                      </a:endParaRPr>
+                    </a:p>
+                  </a:txBody>
+                  <a:tcPr anchor="ctr">
+                    <a:lnL w="12700" cap="flat" cmpd="sng" algn="ctr">
+                      <a:solidFill>
+                        <a:schemeClr val="accent1">
+                          <a:lumMod val="75000"/>
+                        </a:schemeClr>
+                      </a:solidFill>
+                      <a:prstDash val="solid"/>
+                      <a:round/>
+                      <a:headEnd type="none" w="med" len="med"/>
+                      <a:tailEnd type="none" w="med" len="med"/>
+                    </a:lnL>
+                    <a:lnR w="12700" cap="flat" cmpd="sng" algn="ctr">
+                      <a:solidFill>
+                        <a:schemeClr val="accent1">
+                          <a:lumMod val="75000"/>
+                        </a:schemeClr>
+                      </a:solidFill>
+                      <a:prstDash val="solid"/>
+                      <a:round/>
+                      <a:headEnd type="none" w="med" len="med"/>
+                      <a:tailEnd type="none" w="med" len="med"/>
+                    </a:lnR>
+                    <a:lnT w="12700" cap="flat" cmpd="sng" algn="ctr">
+                      <a:solidFill>
+                        <a:schemeClr val="accent1">
+                          <a:lumMod val="75000"/>
+                        </a:schemeClr>
+                      </a:solidFill>
+                      <a:prstDash val="solid"/>
+                      <a:round/>
+                      <a:headEnd type="none" w="med" len="med"/>
+                      <a:tailEnd type="none" w="med" len="med"/>
+                    </a:lnT>
+                    <a:lnB w="12700" cap="flat" cmpd="sng" algn="ctr">
+                      <a:solidFill>
+                        <a:schemeClr val="accent1">
+                          <a:lumMod val="75000"/>
+                        </a:schemeClr>
+                      </a:solidFill>
+                      <a:prstDash val="solid"/>
+                      <a:round/>
+                      <a:headEnd type="none" w="med" len="med"/>
+                      <a:tailEnd type="none" w="med" len="med"/>
+                    </a:lnB>
+                    <a:noFill/>
+                  </a:tcPr>
+                </a:tc>
+                <a:extLst>
+                  <a:ext uri="{0D108BD9-81ED-4DB2-BD59-A6C34878D82A}">
+                    <a16:rowId xmlns:a16="http://schemas.microsoft.com/office/drawing/2014/main" val="1707078335"/>
+                  </a:ext>
+                </a:extLst>
+              </a:tr>
+              <a:tr h="773979">
+                <a:tc>
+                  <a:txBody>
+                    <a:bodyPr/>
+                    <a:lstStyle/>
+                    <a:p>
+                      <a:pPr marL="0" marR="0" lvl="0" indent="0" algn="ctr" defTabSz="914400" rtl="0" eaLnBrk="1" fontAlgn="auto" latinLnBrk="0" hangingPunct="1">
+                        <a:lnSpc>
+                          <a:spcPct val="100000"/>
+                        </a:lnSpc>
+                        <a:spcBef>
+                          <a:spcPts val="0"/>
+                        </a:spcBef>
+                        <a:spcAft>
+                          <a:spcPts val="0"/>
+                        </a:spcAft>
+                        <a:buClrTx/>
+                        <a:buSzTx/>
+                        <a:buFontTx/>
+                        <a:buNone/>
+                        <a:tabLst/>
+                        <a:defRPr/>
+                      </a:pPr>
+                      <a:r>
+                        <a:rPr lang="es-ES" sz="1600" b="1" dirty="0">
+                          <a:solidFill>
+                            <a:schemeClr val="accent1">
+                              <a:lumMod val="50000"/>
+                            </a:schemeClr>
+                          </a:solidFill>
+                          <a:latin typeface="Verdana" panose="020B0604030504040204" pitchFamily="34" charset="0"/>
+                          <a:ea typeface="Verdana" panose="020B0604030504040204" pitchFamily="34" charset="0"/>
+                        </a:rPr>
+                        <a:t>Contraseña</a:t>
+                      </a:r>
+                    </a:p>
+                  </a:txBody>
+                  <a:tcPr anchor="ctr">
+                    <a:lnL w="12700" cap="flat" cmpd="sng" algn="ctr">
+                      <a:solidFill>
+                        <a:schemeClr val="accent1">
+                          <a:lumMod val="75000"/>
+                        </a:schemeClr>
+                      </a:solidFill>
+                      <a:prstDash val="solid"/>
+                      <a:round/>
+                      <a:headEnd type="none" w="med" len="med"/>
+                      <a:tailEnd type="none" w="med" len="med"/>
+                    </a:lnL>
+                    <a:lnR w="12700" cap="flat" cmpd="sng" algn="ctr">
+                      <a:solidFill>
+                        <a:schemeClr val="accent1">
+                          <a:lumMod val="75000"/>
+                        </a:schemeClr>
+                      </a:solidFill>
+                      <a:prstDash val="solid"/>
+                      <a:round/>
+                      <a:headEnd type="none" w="med" len="med"/>
+                      <a:tailEnd type="none" w="med" len="med"/>
+                    </a:lnR>
+                    <a:lnT w="12700" cap="flat" cmpd="sng" algn="ctr">
+                      <a:solidFill>
+                        <a:schemeClr val="accent1">
+                          <a:lumMod val="75000"/>
+                        </a:schemeClr>
+                      </a:solidFill>
+                      <a:prstDash val="solid"/>
+                      <a:round/>
+                      <a:headEnd type="none" w="med" len="med"/>
+                      <a:tailEnd type="none" w="med" len="med"/>
+                    </a:lnT>
+                    <a:lnB w="12700" cap="flat" cmpd="sng" algn="ctr">
+                      <a:solidFill>
+                        <a:schemeClr val="accent1">
+                          <a:lumMod val="75000"/>
+                        </a:schemeClr>
+                      </a:solidFill>
+                      <a:prstDash val="solid"/>
+                      <a:round/>
+                      <a:headEnd type="none" w="med" len="med"/>
+                      <a:tailEnd type="none" w="med" len="med"/>
+                    </a:lnB>
+                    <a:noFill/>
+                  </a:tcPr>
+                </a:tc>
+                <a:tc>
+                  <a:txBody>
+                    <a:bodyPr/>
+                    <a:lstStyle/>
+                    <a:p>
+                      <a:pPr marL="0" marR="0" lvl="0" indent="0" algn="ctr" defTabSz="914400" rtl="0" eaLnBrk="1" fontAlgn="auto" latinLnBrk="0" hangingPunct="1">
+                        <a:lnSpc>
+                          <a:spcPct val="100000"/>
+                        </a:lnSpc>
+                        <a:spcBef>
+                          <a:spcPts val="0"/>
+                        </a:spcBef>
+                        <a:spcAft>
+                          <a:spcPts val="0"/>
+                        </a:spcAft>
+                        <a:buClrTx/>
+                        <a:buSzTx/>
+                        <a:buFontTx/>
+                        <a:buNone/>
+                        <a:tabLst/>
+                        <a:defRPr/>
+                      </a:pPr>
+                      <a:endParaRPr lang="es-ES" sz="1200" dirty="0">
+                        <a:latin typeface="Verdana" panose="020B0604030504040204" pitchFamily="34" charset="0"/>
+                        <a:ea typeface="Verdana" panose="020B0604030504040204" pitchFamily="34" charset="0"/>
+                      </a:endParaRPr>
+                    </a:p>
+                  </a:txBody>
+                  <a:tcPr anchor="ctr">
+                    <a:lnL w="12700" cap="flat" cmpd="sng" algn="ctr">
+                      <a:solidFill>
+                        <a:schemeClr val="accent1">
+                          <a:lumMod val="75000"/>
+                        </a:schemeClr>
+                      </a:solidFill>
+                      <a:prstDash val="solid"/>
+                      <a:round/>
+                      <a:headEnd type="none" w="med" len="med"/>
+                      <a:tailEnd type="none" w="med" len="med"/>
+                    </a:lnL>
+                    <a:lnR w="12700" cap="flat" cmpd="sng" algn="ctr">
+                      <a:solidFill>
+                        <a:schemeClr val="accent1">
+                          <a:lumMod val="75000"/>
+                        </a:schemeClr>
+                      </a:solidFill>
+                      <a:prstDash val="solid"/>
+                      <a:round/>
+                      <a:headEnd type="none" w="med" len="med"/>
+                      <a:tailEnd type="none" w="med" len="med"/>
+                    </a:lnR>
+                    <a:lnT w="12700" cap="flat" cmpd="sng" algn="ctr">
+                      <a:solidFill>
+                        <a:schemeClr val="accent1">
+                          <a:lumMod val="75000"/>
+                        </a:schemeClr>
+                      </a:solidFill>
+                      <a:prstDash val="solid"/>
+                      <a:round/>
+                      <a:headEnd type="none" w="med" len="med"/>
+                      <a:tailEnd type="none" w="med" len="med"/>
+                    </a:lnT>
+                    <a:lnB w="12700" cap="flat" cmpd="sng" algn="ctr">
+                      <a:solidFill>
+                        <a:schemeClr val="accent1">
+                          <a:lumMod val="75000"/>
+                        </a:schemeClr>
+                      </a:solidFill>
+                      <a:prstDash val="solid"/>
+                      <a:round/>
+                      <a:headEnd type="none" w="med" len="med"/>
+                      <a:tailEnd type="none" w="med" len="med"/>
+                    </a:lnB>
+                    <a:noFill/>
+                  </a:tcPr>
+                </a:tc>
+                <a:extLst>
+                  <a:ext uri="{0D108BD9-81ED-4DB2-BD59-A6C34878D82A}">
+                    <a16:rowId xmlns:a16="http://schemas.microsoft.com/office/drawing/2014/main" val="2242701384"/>
+                  </a:ext>
+                </a:extLst>
+              </a:tr>
+              <a:tr h="448416">
+                <a:tc>
+                  <a:txBody>
+                    <a:bodyPr/>
+                    <a:lstStyle/>
+                    <a:p>
+                      <a:pPr marL="0" marR="0" lvl="0" indent="0" algn="ctr" defTabSz="914400" rtl="0" eaLnBrk="1" fontAlgn="auto" latinLnBrk="0" hangingPunct="1">
+                        <a:lnSpc>
+                          <a:spcPct val="100000"/>
+                        </a:lnSpc>
+                        <a:spcBef>
+                          <a:spcPts val="0"/>
+                        </a:spcBef>
+                        <a:spcAft>
+                          <a:spcPts val="0"/>
+                        </a:spcAft>
+                        <a:buClrTx/>
+                        <a:buSzTx/>
+                        <a:buFontTx/>
+                        <a:buNone/>
+                        <a:tabLst/>
+                        <a:defRPr/>
+                      </a:pPr>
+                      <a:r>
+                        <a:rPr lang="es-ES" sz="1600" b="1" dirty="0">
+                          <a:solidFill>
+                            <a:schemeClr val="accent1">
+                              <a:lumMod val="50000"/>
+                            </a:schemeClr>
+                          </a:solidFill>
+                          <a:latin typeface="Verdana" panose="020B0604030504040204" pitchFamily="34" charset="0"/>
+                          <a:ea typeface="Verdana" panose="020B0604030504040204" pitchFamily="34" charset="0"/>
+                        </a:rPr>
+                        <a:t>Teléfono</a:t>
+                      </a:r>
+                    </a:p>
+                  </a:txBody>
+                  <a:tcPr anchor="ctr">
+                    <a:lnL w="12700" cap="flat" cmpd="sng" algn="ctr">
+                      <a:solidFill>
+                        <a:schemeClr val="accent1">
+                          <a:lumMod val="75000"/>
+                        </a:schemeClr>
+                      </a:solidFill>
+                      <a:prstDash val="solid"/>
+                      <a:round/>
+                      <a:headEnd type="none" w="med" len="med"/>
+                      <a:tailEnd type="none" w="med" len="med"/>
+                    </a:lnL>
+                    <a:lnR w="12700" cap="flat" cmpd="sng" algn="ctr">
+                      <a:solidFill>
+                        <a:schemeClr val="accent1">
+                          <a:lumMod val="75000"/>
+                        </a:schemeClr>
+                      </a:solidFill>
+                      <a:prstDash val="solid"/>
+                      <a:round/>
+                      <a:headEnd type="none" w="med" len="med"/>
+                      <a:tailEnd type="none" w="med" len="med"/>
+                    </a:lnR>
+                    <a:lnT w="12700" cap="flat" cmpd="sng" algn="ctr">
+                      <a:solidFill>
+                        <a:schemeClr val="accent1">
+                          <a:lumMod val="75000"/>
+                        </a:schemeClr>
+                      </a:solidFill>
+                      <a:prstDash val="solid"/>
+                      <a:round/>
+                      <a:headEnd type="none" w="med" len="med"/>
+                      <a:tailEnd type="none" w="med" len="med"/>
+                    </a:lnT>
+                    <a:lnB w="12700" cap="flat" cmpd="sng" algn="ctr">
+                      <a:solidFill>
+                        <a:schemeClr val="accent1">
+                          <a:lumMod val="75000"/>
+                        </a:schemeClr>
+                      </a:solidFill>
+                      <a:prstDash val="solid"/>
+                      <a:round/>
+                      <a:headEnd type="none" w="med" len="med"/>
+                      <a:tailEnd type="none" w="med" len="med"/>
+                    </a:lnB>
+                    <a:noFill/>
+                  </a:tcPr>
+                </a:tc>
+                <a:tc>
+                  <a:txBody>
+                    <a:bodyPr/>
+                    <a:lstStyle/>
+                    <a:p>
+                      <a:pPr marL="0" marR="0" lvl="0" indent="0" algn="ctr" defTabSz="914400" rtl="0" eaLnBrk="1" fontAlgn="auto" latinLnBrk="0" hangingPunct="1">
+                        <a:lnSpc>
+                          <a:spcPct val="100000"/>
+                        </a:lnSpc>
+                        <a:spcBef>
+                          <a:spcPts val="0"/>
+                        </a:spcBef>
+                        <a:spcAft>
+                          <a:spcPts val="0"/>
+                        </a:spcAft>
+                        <a:buClrTx/>
+                        <a:buSzTx/>
+                        <a:buFontTx/>
+                        <a:buNone/>
+                        <a:tabLst/>
+                        <a:defRPr/>
+                      </a:pPr>
+                      <a:endParaRPr lang="es-ES" sz="1200" dirty="0">
+                        <a:latin typeface="Verdana" panose="020B0604030504040204" pitchFamily="34" charset="0"/>
+                        <a:ea typeface="Verdana" panose="020B0604030504040204" pitchFamily="34" charset="0"/>
+                      </a:endParaRPr>
+                    </a:p>
+                  </a:txBody>
+                  <a:tcPr anchor="ctr">
+                    <a:lnL w="12700" cap="flat" cmpd="sng" algn="ctr">
+                      <a:solidFill>
+                        <a:schemeClr val="accent1">
+                          <a:lumMod val="75000"/>
+                        </a:schemeClr>
+                      </a:solidFill>
+                      <a:prstDash val="solid"/>
+                      <a:round/>
+                      <a:headEnd type="none" w="med" len="med"/>
+                      <a:tailEnd type="none" w="med" len="med"/>
+                    </a:lnL>
+                    <a:lnR w="12700" cap="flat" cmpd="sng" algn="ctr">
+                      <a:solidFill>
+                        <a:schemeClr val="accent1">
+                          <a:lumMod val="75000"/>
+                        </a:schemeClr>
+                      </a:solidFill>
+                      <a:prstDash val="solid"/>
+                      <a:round/>
+                      <a:headEnd type="none" w="med" len="med"/>
+                      <a:tailEnd type="none" w="med" len="med"/>
+                    </a:lnR>
+                    <a:lnT w="12700" cap="flat" cmpd="sng" algn="ctr">
+                      <a:solidFill>
+                        <a:schemeClr val="accent1">
+                          <a:lumMod val="75000"/>
+                        </a:schemeClr>
+                      </a:solidFill>
+                      <a:prstDash val="solid"/>
+                      <a:round/>
+                      <a:headEnd type="none" w="med" len="med"/>
+                      <a:tailEnd type="none" w="med" len="med"/>
+                    </a:lnT>
+                    <a:lnB w="12700" cap="flat" cmpd="sng" algn="ctr">
+                      <a:solidFill>
+                        <a:schemeClr val="accent1">
+                          <a:lumMod val="75000"/>
+                        </a:schemeClr>
+                      </a:solidFill>
+                      <a:prstDash val="solid"/>
+                      <a:round/>
+                      <a:headEnd type="none" w="med" len="med"/>
+                      <a:tailEnd type="none" w="med" len="med"/>
+                    </a:lnB>
+                    <a:noFill/>
+                  </a:tcPr>
+                </a:tc>
+                <a:extLst>
+                  <a:ext uri="{0D108BD9-81ED-4DB2-BD59-A6C34878D82A}">
+                    <a16:rowId xmlns:a16="http://schemas.microsoft.com/office/drawing/2014/main" val="1514709571"/>
+                  </a:ext>
+                </a:extLst>
+              </a:tr>
+            </a:tbl>
+          </a:graphicData>
+        </a:graphic>
+      </p:graphicFrame>
+      <p:sp>
+        <p:nvSpPr>
+          <p:cNvPr id="2" name="Rectángulo 1">
+            <a:extLst>
+              <a:ext uri="{FF2B5EF4-FFF2-40B4-BE49-F238E27FC236}">
+                <a16:creationId xmlns:a16="http://schemas.microsoft.com/office/drawing/2014/main" id="{D604F44C-C4CF-DE1D-FBB7-2C0229043C1A}"/>
+              </a:ext>
+            </a:extLst>
+          </p:cNvPr>
+          <p:cNvSpPr/>
+          <p:nvPr/>
+        </p:nvSpPr>
+        <p:spPr>
+          <a:xfrm>
+            <a:off x="2247455" y="5546547"/>
+            <a:ext cx="3328720" cy="523220"/>
+          </a:xfrm>
+          <a:prstGeom prst="rect">
+            <a:avLst/>
+          </a:prstGeom>
+        </p:spPr>
+        <p:style>
+          <a:lnRef idx="2">
+            <a:schemeClr val="accent1">
+              <a:shade val="50000"/>
+            </a:schemeClr>
+          </a:lnRef>
+          <a:fillRef idx="1">
+            <a:schemeClr val="accent1"/>
+          </a:fillRef>
+          <a:effectRef idx="0">
+            <a:schemeClr val="accent1"/>
+          </a:effectRef>
+          <a:fontRef idx="minor">
+            <a:schemeClr val="lt1"/>
+          </a:fontRef>
+        </p:style>
+        <p:txBody>
+          <a:bodyPr rtlCol="0" anchor="ctr"/>
+          <a:lstStyle/>
+          <a:p>
+            <a:pPr algn="ctr"/>
+            <a:r>
+              <a:rPr lang="es-ES" dirty="0">
+                <a:latin typeface="Verdana" panose="020B0604030504040204" pitchFamily="34" charset="0"/>
+                <a:ea typeface="Verdana" panose="020B0604030504040204" pitchFamily="34" charset="0"/>
+              </a:rPr>
+              <a:t>Guardar cambios</a:t>
+            </a:r>
+          </a:p>
+        </p:txBody>
+      </p:sp>
+    </p:spTree>
+    <p:extLst>
+      <p:ext uri="{BB962C8B-B14F-4D97-AF65-F5344CB8AC3E}">
+        <p14:creationId xmlns:p14="http://schemas.microsoft.com/office/powerpoint/2010/main" val="2874435764"/>
+      </p:ext>
+    </p:extLst>
+  </p:cSld>
+  <p:clrMapOvr>
+    <a:masterClrMapping/>
+  </p:clrMapOvr>
+</p:sld>
+</file>
+
+<file path=ppt/slides/slide7.xml><?xml version="1.0" encoding="utf-8"?>
+<p:sld xmlns:a="http://schemas.openxmlformats.org/drawingml/2006/main" xmlns:r="http://schemas.openxmlformats.org/officeDocument/2006/relationships" xmlns:p="http://schemas.openxmlformats.org/presentationml/2006/main">
+  <p:cSld>
+    <p:spTree>
+      <p:nvGrpSpPr>
+        <p:cNvPr id="1" name=""/>
+        <p:cNvGrpSpPr/>
+        <p:nvPr/>
+      </p:nvGrpSpPr>
+      <p:grpSpPr>
+        <a:xfrm>
+          <a:off x="0" y="0"/>
+          <a:ext cx="0" cy="0"/>
+          <a:chOff x="0" y="0"/>
+          <a:chExt cx="0" cy="0"/>
+        </a:xfrm>
+      </p:grpSpPr>
+      <p:sp>
+        <p:nvSpPr>
+          <p:cNvPr id="4" name="Rectángulo 3">
+            <a:extLst>
+              <a:ext uri="{FF2B5EF4-FFF2-40B4-BE49-F238E27FC236}">
+                <a16:creationId xmlns:a16="http://schemas.microsoft.com/office/drawing/2014/main" id="{AA904F9A-BA53-451F-AE86-711975138345}"/>
+              </a:ext>
+            </a:extLst>
+          </p:cNvPr>
+          <p:cNvSpPr/>
+          <p:nvPr/>
+        </p:nvSpPr>
+        <p:spPr>
+          <a:xfrm>
             <a:off x="0" y="-51747"/>
             <a:ext cx="12192000" cy="6858000"/>
           </a:xfrm>
@@ -21750,6 +25218,58 @@
           </a:p>
         </p:txBody>
       </p:sp>
+      <p:sp>
+        <p:nvSpPr>
+          <p:cNvPr id="5" name="Rectángulo 4">
+            <a:extLst>
+              <a:ext uri="{FF2B5EF4-FFF2-40B4-BE49-F238E27FC236}">
+                <a16:creationId xmlns:a16="http://schemas.microsoft.com/office/drawing/2014/main" id="{D903A4BD-EF6B-44A2-8C87-698BBE343552}"/>
+              </a:ext>
+            </a:extLst>
+          </p:cNvPr>
+          <p:cNvSpPr/>
+          <p:nvPr/>
+        </p:nvSpPr>
+        <p:spPr>
+          <a:xfrm>
+            <a:off x="4386604" y="5540397"/>
+            <a:ext cx="3418790" cy="999395"/>
+          </a:xfrm>
+          <a:prstGeom prst="rect">
+            <a:avLst/>
+          </a:prstGeom>
+        </p:spPr>
+        <p:style>
+          <a:lnRef idx="2">
+            <a:schemeClr val="accent1">
+              <a:shade val="50000"/>
+            </a:schemeClr>
+          </a:lnRef>
+          <a:fillRef idx="1">
+            <a:schemeClr val="accent1"/>
+          </a:fillRef>
+          <a:effectRef idx="0">
+            <a:schemeClr val="accent1"/>
+          </a:effectRef>
+          <a:fontRef idx="minor">
+            <a:schemeClr val="lt1"/>
+          </a:fontRef>
+        </p:style>
+        <p:txBody>
+          <a:bodyPr rtlCol="0" anchor="ctr"/>
+          <a:lstStyle/>
+          <a:p>
+            <a:pPr algn="ctr"/>
+            <a:r>
+              <a:rPr lang="es-ES" dirty="0">
+                <a:latin typeface="Verdana" panose="020B0604030504040204" pitchFamily="34" charset="0"/>
+                <a:ea typeface="Verdana" panose="020B0604030504040204" pitchFamily="34" charset="0"/>
+              </a:rPr>
+              <a:t>Modificar datos</a:t>
+            </a:r>
+          </a:p>
+        </p:txBody>
+      </p:sp>
     </p:spTree>
     <p:extLst>
       <p:ext uri="{BB962C8B-B14F-4D97-AF65-F5344CB8AC3E}">
@@ -21763,7 +25283,7 @@
 </p:sld>
 </file>
 
-<file path=ppt/slides/slide7.xml><?xml version="1.0" encoding="utf-8"?>
+<file path=ppt/slides/slide8.xml><?xml version="1.0" encoding="utf-8"?>
 <p:sld xmlns:a="http://schemas.openxmlformats.org/drawingml/2006/main" xmlns:r="http://schemas.openxmlformats.org/officeDocument/2006/relationships" xmlns:p="http://schemas.openxmlformats.org/presentationml/2006/main">
   <p:cSld>
     <p:spTree>
@@ -23166,7 +26686,7 @@
 </p:sld>
 </file>
 
-<file path=ppt/slides/slide8.xml><?xml version="1.0" encoding="utf-8"?>
+<file path=ppt/slides/slide9.xml><?xml version="1.0" encoding="utf-8"?>
 <p:sld xmlns:a="http://schemas.openxmlformats.org/drawingml/2006/main" xmlns:r="http://schemas.openxmlformats.org/officeDocument/2006/relationships" xmlns:p="http://schemas.openxmlformats.org/presentationml/2006/main">
   <p:cSld>
     <p:spTree>
@@ -23658,708 +27178,6 @@
     <p:extLst>
       <p:ext uri="{BB962C8B-B14F-4D97-AF65-F5344CB8AC3E}">
         <p14:creationId xmlns:p14="http://schemas.microsoft.com/office/powerpoint/2010/main" val="216441764"/>
-      </p:ext>
-    </p:extLst>
-  </p:cSld>
-  <p:clrMapOvr>
-    <a:masterClrMapping/>
-  </p:clrMapOvr>
-</p:sld>
-</file>
-
-<file path=ppt/slides/slide9.xml><?xml version="1.0" encoding="utf-8"?>
-<p:sld xmlns:a="http://schemas.openxmlformats.org/drawingml/2006/main" xmlns:r="http://schemas.openxmlformats.org/officeDocument/2006/relationships" xmlns:p="http://schemas.openxmlformats.org/presentationml/2006/main">
-  <p:cSld>
-    <p:spTree>
-      <p:nvGrpSpPr>
-        <p:cNvPr id="1" name=""/>
-        <p:cNvGrpSpPr/>
-        <p:nvPr/>
-      </p:nvGrpSpPr>
-      <p:grpSpPr>
-        <a:xfrm>
-          <a:off x="0" y="0"/>
-          <a:ext cx="0" cy="0"/>
-          <a:chOff x="0" y="0"/>
-          <a:chExt cx="0" cy="0"/>
-        </a:xfrm>
-      </p:grpSpPr>
-      <p:sp>
-        <p:nvSpPr>
-          <p:cNvPr id="4" name="Rectángulo 3">
-            <a:extLst>
-              <a:ext uri="{FF2B5EF4-FFF2-40B4-BE49-F238E27FC236}">
-                <a16:creationId xmlns:a16="http://schemas.microsoft.com/office/drawing/2014/main" id="{AA904F9A-BA53-451F-AE86-711975138345}"/>
-              </a:ext>
-            </a:extLst>
-          </p:cNvPr>
-          <p:cNvSpPr/>
-          <p:nvPr/>
-        </p:nvSpPr>
-        <p:spPr>
-          <a:xfrm>
-            <a:off x="0" y="0"/>
-            <a:ext cx="12192000" cy="6858000"/>
-          </a:xfrm>
-          <a:prstGeom prst="rect">
-            <a:avLst/>
-          </a:prstGeom>
-          <a:solidFill>
-            <a:schemeClr val="accent5">
-              <a:lumMod val="40000"/>
-              <a:lumOff val="60000"/>
-            </a:schemeClr>
-          </a:solidFill>
-          <a:ln>
-            <a:solidFill>
-              <a:schemeClr val="tx1"/>
-            </a:solidFill>
-          </a:ln>
-        </p:spPr>
-        <p:style>
-          <a:lnRef idx="2">
-            <a:schemeClr val="accent1">
-              <a:shade val="50000"/>
-            </a:schemeClr>
-          </a:lnRef>
-          <a:fillRef idx="1">
-            <a:schemeClr val="accent1"/>
-          </a:fillRef>
-          <a:effectRef idx="0">
-            <a:schemeClr val="accent1"/>
-          </a:effectRef>
-          <a:fontRef idx="minor">
-            <a:schemeClr val="lt1"/>
-          </a:fontRef>
-        </p:style>
-        <p:txBody>
-          <a:bodyPr rtlCol="0" anchor="ctr"/>
-          <a:lstStyle/>
-          <a:p>
-            <a:pPr algn="ctr"/>
-            <a:endParaRPr lang="es-ES" dirty="0"/>
-          </a:p>
-        </p:txBody>
-      </p:sp>
-      <p:sp>
-        <p:nvSpPr>
-          <p:cNvPr id="5" name="Rectángulo 4">
-            <a:extLst>
-              <a:ext uri="{FF2B5EF4-FFF2-40B4-BE49-F238E27FC236}">
-                <a16:creationId xmlns:a16="http://schemas.microsoft.com/office/drawing/2014/main" id="{C8CA8C21-D4A2-42E4-963F-DB5259E72712}"/>
-              </a:ext>
-            </a:extLst>
-          </p:cNvPr>
-          <p:cNvSpPr/>
-          <p:nvPr/>
-        </p:nvSpPr>
-        <p:spPr>
-          <a:xfrm>
-            <a:off x="3785834" y="292445"/>
-            <a:ext cx="4741680" cy="584775"/>
-          </a:xfrm>
-          <a:prstGeom prst="rect">
-            <a:avLst/>
-          </a:prstGeom>
-          <a:noFill/>
-        </p:spPr>
-        <p:txBody>
-          <a:bodyPr wrap="square" lIns="91440" tIns="45720" rIns="91440" bIns="45720">
-            <a:spAutoFit/>
-          </a:bodyPr>
-          <a:lstStyle/>
-          <a:p>
-            <a:pPr algn="ctr"/>
-            <a:r>
-              <a:rPr lang="es-ES" sz="3200" dirty="0">
-                <a:ln w="0"/>
-                <a:solidFill>
-                  <a:schemeClr val="accent5">
-                    <a:lumMod val="50000"/>
-                  </a:schemeClr>
-                </a:solidFill>
-                <a:effectLst>
-                  <a:outerShdw blurRad="38100" dist="38100" dir="2700000" algn="tl">
-                    <a:srgbClr val="000000">
-                      <a:alpha val="43137"/>
-                    </a:srgbClr>
-                  </a:outerShdw>
-                </a:effectLst>
-                <a:latin typeface="Verdana" panose="020B0604030504040204" pitchFamily="34" charset="0"/>
-                <a:ea typeface="Verdana" panose="020B0604030504040204" pitchFamily="34" charset="0"/>
-              </a:rPr>
-              <a:t>GESTIÓN PRÁCTICAS</a:t>
-            </a:r>
-          </a:p>
-        </p:txBody>
-      </p:sp>
-      <p:sp>
-        <p:nvSpPr>
-          <p:cNvPr id="29" name="CuadroTexto 28">
-            <a:extLst>
-              <a:ext uri="{FF2B5EF4-FFF2-40B4-BE49-F238E27FC236}">
-                <a16:creationId xmlns:a16="http://schemas.microsoft.com/office/drawing/2014/main" id="{15F9DC28-23C0-427C-B3AB-B32C3CD694A4}"/>
-              </a:ext>
-            </a:extLst>
-          </p:cNvPr>
-          <p:cNvSpPr txBox="1"/>
-          <p:nvPr/>
-        </p:nvSpPr>
-        <p:spPr>
-          <a:xfrm>
-            <a:off x="5858007" y="1348595"/>
-            <a:ext cx="2239770" cy="369332"/>
-          </a:xfrm>
-          <a:prstGeom prst="rect">
-            <a:avLst/>
-          </a:prstGeom>
-          <a:noFill/>
-        </p:spPr>
-        <p:txBody>
-          <a:bodyPr wrap="square" rtlCol="0">
-            <a:spAutoFit/>
-          </a:bodyPr>
-          <a:lstStyle/>
-          <a:p>
-            <a:r>
-              <a:rPr lang="es-ES" dirty="0">
-                <a:solidFill>
-                  <a:schemeClr val="accent1">
-                    <a:lumMod val="50000"/>
-                  </a:schemeClr>
-                </a:solidFill>
-                <a:latin typeface="Verdana" panose="020B0604030504040204" pitchFamily="34" charset="0"/>
-                <a:ea typeface="Verdana" panose="020B0604030504040204" pitchFamily="34" charset="0"/>
-              </a:rPr>
-              <a:t> </a:t>
-            </a:r>
-            <a:endParaRPr lang="es-ES" sz="2000" dirty="0">
-              <a:solidFill>
-                <a:schemeClr val="accent1">
-                  <a:lumMod val="50000"/>
-                </a:schemeClr>
-              </a:solidFill>
-              <a:latin typeface="Verdana" panose="020B0604030504040204" pitchFamily="34" charset="0"/>
-              <a:ea typeface="Verdana" panose="020B0604030504040204" pitchFamily="34" charset="0"/>
-            </a:endParaRPr>
-          </a:p>
-        </p:txBody>
-      </p:sp>
-      <p:sp>
-        <p:nvSpPr>
-          <p:cNvPr id="45" name="CuadroTexto 44">
-            <a:extLst>
-              <a:ext uri="{FF2B5EF4-FFF2-40B4-BE49-F238E27FC236}">
-                <a16:creationId xmlns:a16="http://schemas.microsoft.com/office/drawing/2014/main" id="{F6D280E0-98A1-4AAE-A32B-8BDDB85E571B}"/>
-              </a:ext>
-            </a:extLst>
-          </p:cNvPr>
-          <p:cNvSpPr txBox="1"/>
-          <p:nvPr/>
-        </p:nvSpPr>
-        <p:spPr>
-          <a:xfrm>
-            <a:off x="2762879" y="2897137"/>
-            <a:ext cx="2297873" cy="338554"/>
-          </a:xfrm>
-          <a:prstGeom prst="rect">
-            <a:avLst/>
-          </a:prstGeom>
-          <a:noFill/>
-        </p:spPr>
-        <p:txBody>
-          <a:bodyPr wrap="square" rtlCol="0">
-            <a:spAutoFit/>
-          </a:bodyPr>
-          <a:lstStyle/>
-          <a:p>
-            <a:endParaRPr lang="es-ES" sz="1600" dirty="0">
-              <a:latin typeface="Verdana" panose="020B0604030504040204" pitchFamily="34" charset="0"/>
-              <a:ea typeface="Verdana" panose="020B0604030504040204" pitchFamily="34" charset="0"/>
-            </a:endParaRPr>
-          </a:p>
-        </p:txBody>
-      </p:sp>
-      <p:sp>
-        <p:nvSpPr>
-          <p:cNvPr id="50" name="Rectángulo 49">
-            <a:extLst>
-              <a:ext uri="{FF2B5EF4-FFF2-40B4-BE49-F238E27FC236}">
-                <a16:creationId xmlns:a16="http://schemas.microsoft.com/office/drawing/2014/main" id="{E84EC8EC-7CC0-4E97-A670-F5753F76F428}"/>
-              </a:ext>
-            </a:extLst>
-          </p:cNvPr>
-          <p:cNvSpPr/>
-          <p:nvPr/>
-        </p:nvSpPr>
-        <p:spPr>
-          <a:xfrm>
-            <a:off x="4018332" y="4833623"/>
-            <a:ext cx="4509181" cy="523220"/>
-          </a:xfrm>
-          <a:prstGeom prst="rect">
-            <a:avLst/>
-          </a:prstGeom>
-        </p:spPr>
-        <p:style>
-          <a:lnRef idx="2">
-            <a:schemeClr val="accent1">
-              <a:shade val="50000"/>
-            </a:schemeClr>
-          </a:lnRef>
-          <a:fillRef idx="1">
-            <a:schemeClr val="accent1"/>
-          </a:fillRef>
-          <a:effectRef idx="0">
-            <a:schemeClr val="accent1"/>
-          </a:effectRef>
-          <a:fontRef idx="minor">
-            <a:schemeClr val="lt1"/>
-          </a:fontRef>
-        </p:style>
-        <p:txBody>
-          <a:bodyPr rtlCol="0" anchor="ctr"/>
-          <a:lstStyle/>
-          <a:p>
-            <a:pPr algn="ctr"/>
-            <a:r>
-              <a:rPr lang="es-ES" dirty="0">
-                <a:latin typeface="Verdana" panose="020B0604030504040204" pitchFamily="34" charset="0"/>
-                <a:ea typeface="Verdana" panose="020B0604030504040204" pitchFamily="34" charset="0"/>
-              </a:rPr>
-              <a:t>Modificar tutor de la empresa</a:t>
-            </a:r>
-          </a:p>
-        </p:txBody>
-      </p:sp>
-      <p:graphicFrame>
-        <p:nvGraphicFramePr>
-          <p:cNvPr id="3" name="Tabla 5">
-            <a:extLst>
-              <a:ext uri="{FF2B5EF4-FFF2-40B4-BE49-F238E27FC236}">
-                <a16:creationId xmlns:a16="http://schemas.microsoft.com/office/drawing/2014/main" id="{382426E5-DC90-4EEC-9F79-6C4D24928338}"/>
-              </a:ext>
-            </a:extLst>
-          </p:cNvPr>
-          <p:cNvGraphicFramePr>
-            <a:graphicFrameLocks noGrp="1"/>
-          </p:cNvGraphicFramePr>
-          <p:nvPr>
-            <p:extLst>
-              <p:ext uri="{D42A27DB-BD31-4B8C-83A1-F6EECF244321}">
-                <p14:modId xmlns:p14="http://schemas.microsoft.com/office/powerpoint/2010/main" val="2600377896"/>
-              </p:ext>
-            </p:extLst>
-          </p:nvPr>
-        </p:nvGraphicFramePr>
-        <p:xfrm>
-          <a:off x="4018332" y="1717927"/>
-          <a:ext cx="4509182" cy="2358420"/>
-        </p:xfrm>
-        <a:graphic>
-          <a:graphicData uri="http://schemas.openxmlformats.org/drawingml/2006/table">
-            <a:tbl>
-              <a:tblPr firstRow="1" bandRow="1">
-                <a:tableStyleId>{5C22544A-7EE6-4342-B048-85BDC9FD1C3A}</a:tableStyleId>
-              </a:tblPr>
-              <a:tblGrid>
-                <a:gridCol w="2254591">
-                  <a:extLst>
-                    <a:ext uri="{9D8B030D-6E8A-4147-A177-3AD203B41FA5}">
-                      <a16:colId xmlns:a16="http://schemas.microsoft.com/office/drawing/2014/main" val="3701280786"/>
-                    </a:ext>
-                  </a:extLst>
-                </a:gridCol>
-                <a:gridCol w="2254591">
-                  <a:extLst>
-                    <a:ext uri="{9D8B030D-6E8A-4147-A177-3AD203B41FA5}">
-                      <a16:colId xmlns:a16="http://schemas.microsoft.com/office/drawing/2014/main" val="2296914076"/>
-                    </a:ext>
-                  </a:extLst>
-                </a:gridCol>
-              </a:tblGrid>
-              <a:tr h="1179210">
-                <a:tc>
-                  <a:txBody>
-                    <a:bodyPr/>
-                    <a:lstStyle/>
-                    <a:p>
-                      <a:pPr marL="0" marR="0" lvl="0" indent="0" algn="ctr" defTabSz="914400" rtl="0" eaLnBrk="1" fontAlgn="auto" latinLnBrk="0" hangingPunct="1">
-                        <a:lnSpc>
-                          <a:spcPct val="100000"/>
-                        </a:lnSpc>
-                        <a:spcBef>
-                          <a:spcPts val="0"/>
-                        </a:spcBef>
-                        <a:spcAft>
-                          <a:spcPts val="0"/>
-                        </a:spcAft>
-                        <a:buClrTx/>
-                        <a:buSzTx/>
-                        <a:buFontTx/>
-                        <a:buNone/>
-                        <a:tabLst/>
-                        <a:defRPr/>
-                      </a:pPr>
-                      <a:r>
-                        <a:rPr lang="es-ES" sz="1600" dirty="0">
-                          <a:solidFill>
-                            <a:schemeClr val="accent1">
-                              <a:lumMod val="50000"/>
-                            </a:schemeClr>
-                          </a:solidFill>
-                          <a:latin typeface="Verdana" panose="020B0604030504040204" pitchFamily="34" charset="0"/>
-                          <a:ea typeface="Verdana" panose="020B0604030504040204" pitchFamily="34" charset="0"/>
-                        </a:rPr>
-                        <a:t>Nombre de la empresa a editar</a:t>
-                      </a:r>
-                    </a:p>
-                  </a:txBody>
-                  <a:tcPr anchor="ctr">
-                    <a:lnL w="12700" cap="flat" cmpd="sng" algn="ctr">
-                      <a:solidFill>
-                        <a:schemeClr val="accent1">
-                          <a:lumMod val="75000"/>
-                        </a:schemeClr>
-                      </a:solidFill>
-                      <a:prstDash val="solid"/>
-                      <a:round/>
-                      <a:headEnd type="none" w="med" len="med"/>
-                      <a:tailEnd type="none" w="med" len="med"/>
-                    </a:lnL>
-                    <a:lnR w="12700" cap="flat" cmpd="sng" algn="ctr">
-                      <a:solidFill>
-                        <a:schemeClr val="accent1">
-                          <a:lumMod val="75000"/>
-                        </a:schemeClr>
-                      </a:solidFill>
-                      <a:prstDash val="solid"/>
-                      <a:round/>
-                      <a:headEnd type="none" w="med" len="med"/>
-                      <a:tailEnd type="none" w="med" len="med"/>
-                    </a:lnR>
-                    <a:lnT w="12700" cap="flat" cmpd="sng" algn="ctr">
-                      <a:solidFill>
-                        <a:schemeClr val="accent1">
-                          <a:lumMod val="75000"/>
-                        </a:schemeClr>
-                      </a:solidFill>
-                      <a:prstDash val="solid"/>
-                      <a:round/>
-                      <a:headEnd type="none" w="med" len="med"/>
-                      <a:tailEnd type="none" w="med" len="med"/>
-                    </a:lnT>
-                    <a:lnB w="12700" cap="flat" cmpd="sng" algn="ctr">
-                      <a:solidFill>
-                        <a:schemeClr val="accent1">
-                          <a:lumMod val="75000"/>
-                        </a:schemeClr>
-                      </a:solidFill>
-                      <a:prstDash val="solid"/>
-                      <a:round/>
-                      <a:headEnd type="none" w="med" len="med"/>
-                      <a:tailEnd type="none" w="med" len="med"/>
-                    </a:lnB>
-                    <a:noFill/>
-                  </a:tcPr>
-                </a:tc>
-                <a:tc>
-                  <a:txBody>
-                    <a:bodyPr/>
-                    <a:lstStyle/>
-                    <a:p>
-                      <a:pPr marL="0" marR="0" lvl="0" indent="0" algn="ctr" defTabSz="914400" rtl="0" eaLnBrk="1" fontAlgn="auto" latinLnBrk="0" hangingPunct="1">
-                        <a:lnSpc>
-                          <a:spcPct val="100000"/>
-                        </a:lnSpc>
-                        <a:spcBef>
-                          <a:spcPts val="0"/>
-                        </a:spcBef>
-                        <a:spcAft>
-                          <a:spcPts val="0"/>
-                        </a:spcAft>
-                        <a:buClrTx/>
-                        <a:buSzTx/>
-                        <a:buFontTx/>
-                        <a:buNone/>
-                        <a:tabLst/>
-                        <a:defRPr/>
-                      </a:pPr>
-                      <a:r>
-                        <a:rPr lang="es-ES" sz="1200" b="0" dirty="0">
-                          <a:solidFill>
-                            <a:schemeClr val="tx1"/>
-                          </a:solidFill>
-                          <a:latin typeface="Verdana" panose="020B0604030504040204" pitchFamily="34" charset="0"/>
-                          <a:ea typeface="Verdana" panose="020B0604030504040204" pitchFamily="34" charset="0"/>
-                        </a:rPr>
-                        <a:t>LOGICALIS SPAIN S.L.U.</a:t>
-                      </a:r>
-                    </a:p>
-                  </a:txBody>
-                  <a:tcPr anchor="ctr">
-                    <a:lnL w="12700" cap="flat" cmpd="sng" algn="ctr">
-                      <a:solidFill>
-                        <a:schemeClr val="accent1">
-                          <a:lumMod val="75000"/>
-                        </a:schemeClr>
-                      </a:solidFill>
-                      <a:prstDash val="solid"/>
-                      <a:round/>
-                      <a:headEnd type="none" w="med" len="med"/>
-                      <a:tailEnd type="none" w="med" len="med"/>
-                    </a:lnL>
-                    <a:lnR w="12700" cap="flat" cmpd="sng" algn="ctr">
-                      <a:solidFill>
-                        <a:schemeClr val="accent1">
-                          <a:lumMod val="75000"/>
-                        </a:schemeClr>
-                      </a:solidFill>
-                      <a:prstDash val="solid"/>
-                      <a:round/>
-                      <a:headEnd type="none" w="med" len="med"/>
-                      <a:tailEnd type="none" w="med" len="med"/>
-                    </a:lnR>
-                    <a:lnT w="12700" cap="flat" cmpd="sng" algn="ctr">
-                      <a:solidFill>
-                        <a:schemeClr val="accent1">
-                          <a:lumMod val="75000"/>
-                        </a:schemeClr>
-                      </a:solidFill>
-                      <a:prstDash val="solid"/>
-                      <a:round/>
-                      <a:headEnd type="none" w="med" len="med"/>
-                      <a:tailEnd type="none" w="med" len="med"/>
-                    </a:lnT>
-                    <a:lnB w="12700" cap="flat" cmpd="sng" algn="ctr">
-                      <a:solidFill>
-                        <a:schemeClr val="accent1">
-                          <a:lumMod val="75000"/>
-                        </a:schemeClr>
-                      </a:solidFill>
-                      <a:prstDash val="solid"/>
-                      <a:round/>
-                      <a:headEnd type="none" w="med" len="med"/>
-                      <a:tailEnd type="none" w="med" len="med"/>
-                    </a:lnB>
-                    <a:noFill/>
-                  </a:tcPr>
-                </a:tc>
-                <a:extLst>
-                  <a:ext uri="{0D108BD9-81ED-4DB2-BD59-A6C34878D82A}">
-                    <a16:rowId xmlns:a16="http://schemas.microsoft.com/office/drawing/2014/main" val="2143072800"/>
-                  </a:ext>
-                </a:extLst>
-              </a:tr>
-              <a:tr h="1179210">
-                <a:tc>
-                  <a:txBody>
-                    <a:bodyPr/>
-                    <a:lstStyle/>
-                    <a:p>
-                      <a:pPr marL="0" marR="0" lvl="0" indent="0" algn="ctr" defTabSz="914400" rtl="0" eaLnBrk="1" fontAlgn="auto" latinLnBrk="0" hangingPunct="1">
-                        <a:lnSpc>
-                          <a:spcPct val="100000"/>
-                        </a:lnSpc>
-                        <a:spcBef>
-                          <a:spcPts val="0"/>
-                        </a:spcBef>
-                        <a:spcAft>
-                          <a:spcPts val="0"/>
-                        </a:spcAft>
-                        <a:buClrTx/>
-                        <a:buSzTx/>
-                        <a:buFontTx/>
-                        <a:buNone/>
-                        <a:tabLst/>
-                        <a:defRPr/>
-                      </a:pPr>
-                      <a:r>
-                        <a:rPr lang="es-ES" sz="1600" b="1" dirty="0">
-                          <a:solidFill>
-                            <a:schemeClr val="accent1">
-                              <a:lumMod val="50000"/>
-                            </a:schemeClr>
-                          </a:solidFill>
-                          <a:latin typeface="Verdana" panose="020B0604030504040204" pitchFamily="34" charset="0"/>
-                          <a:ea typeface="Verdana" panose="020B0604030504040204" pitchFamily="34" charset="0"/>
-                        </a:rPr>
-                        <a:t>Nombre del nuevo tutor </a:t>
-                      </a:r>
-                    </a:p>
-                    <a:p>
-                      <a:pPr marL="0" marR="0" lvl="0" indent="0" algn="ctr" defTabSz="914400" rtl="0" eaLnBrk="1" fontAlgn="auto" latinLnBrk="0" hangingPunct="1">
-                        <a:lnSpc>
-                          <a:spcPct val="100000"/>
-                        </a:lnSpc>
-                        <a:spcBef>
-                          <a:spcPts val="0"/>
-                        </a:spcBef>
-                        <a:spcAft>
-                          <a:spcPts val="0"/>
-                        </a:spcAft>
-                        <a:buClrTx/>
-                        <a:buSzTx/>
-                        <a:buFontTx/>
-                        <a:buNone/>
-                        <a:tabLst/>
-                        <a:defRPr/>
-                      </a:pPr>
-                      <a:endParaRPr lang="es-ES" sz="1600" dirty="0">
-                        <a:solidFill>
-                          <a:schemeClr val="accent1">
-                            <a:lumMod val="50000"/>
-                          </a:schemeClr>
-                        </a:solidFill>
-                        <a:latin typeface="Verdana" panose="020B0604030504040204" pitchFamily="34" charset="0"/>
-                        <a:ea typeface="Verdana" panose="020B0604030504040204" pitchFamily="34" charset="0"/>
-                      </a:endParaRPr>
-                    </a:p>
-                  </a:txBody>
-                  <a:tcPr anchor="ctr">
-                    <a:lnL w="12700" cap="flat" cmpd="sng" algn="ctr">
-                      <a:solidFill>
-                        <a:schemeClr val="accent1">
-                          <a:lumMod val="75000"/>
-                        </a:schemeClr>
-                      </a:solidFill>
-                      <a:prstDash val="solid"/>
-                      <a:round/>
-                      <a:headEnd type="none" w="med" len="med"/>
-                      <a:tailEnd type="none" w="med" len="med"/>
-                    </a:lnL>
-                    <a:lnR w="12700" cap="flat" cmpd="sng" algn="ctr">
-                      <a:solidFill>
-                        <a:schemeClr val="accent1">
-                          <a:lumMod val="75000"/>
-                        </a:schemeClr>
-                      </a:solidFill>
-                      <a:prstDash val="solid"/>
-                      <a:round/>
-                      <a:headEnd type="none" w="med" len="med"/>
-                      <a:tailEnd type="none" w="med" len="med"/>
-                    </a:lnR>
-                    <a:lnT w="12700" cap="flat" cmpd="sng" algn="ctr">
-                      <a:solidFill>
-                        <a:schemeClr val="accent1">
-                          <a:lumMod val="75000"/>
-                        </a:schemeClr>
-                      </a:solidFill>
-                      <a:prstDash val="solid"/>
-                      <a:round/>
-                      <a:headEnd type="none" w="med" len="med"/>
-                      <a:tailEnd type="none" w="med" len="med"/>
-                    </a:lnT>
-                    <a:lnB w="12700" cap="flat" cmpd="sng" algn="ctr">
-                      <a:solidFill>
-                        <a:schemeClr val="accent1">
-                          <a:lumMod val="75000"/>
-                        </a:schemeClr>
-                      </a:solidFill>
-                      <a:prstDash val="solid"/>
-                      <a:round/>
-                      <a:headEnd type="none" w="med" len="med"/>
-                      <a:tailEnd type="none" w="med" len="med"/>
-                    </a:lnB>
-                    <a:noFill/>
-                  </a:tcPr>
-                </a:tc>
-                <a:tc>
-                  <a:txBody>
-                    <a:bodyPr/>
-                    <a:lstStyle/>
-                    <a:p>
-                      <a:pPr marL="0" marR="0" lvl="0" indent="0" algn="ctr" defTabSz="914400" rtl="0" eaLnBrk="1" fontAlgn="auto" latinLnBrk="0" hangingPunct="1">
-                        <a:lnSpc>
-                          <a:spcPct val="100000"/>
-                        </a:lnSpc>
-                        <a:spcBef>
-                          <a:spcPts val="0"/>
-                        </a:spcBef>
-                        <a:spcAft>
-                          <a:spcPts val="0"/>
-                        </a:spcAft>
-                        <a:buClrTx/>
-                        <a:buSzTx/>
-                        <a:buFontTx/>
-                        <a:buNone/>
-                        <a:tabLst/>
-                        <a:defRPr/>
-                      </a:pPr>
-                      <a:r>
-                        <a:rPr lang="es-ES" sz="1200" b="0" dirty="0">
-                          <a:solidFill>
-                            <a:schemeClr val="tx1"/>
-                          </a:solidFill>
-                          <a:latin typeface="Verdana" panose="020B0604030504040204" pitchFamily="34" charset="0"/>
-                          <a:ea typeface="Verdana" panose="020B0604030504040204" pitchFamily="34" charset="0"/>
-                        </a:rPr>
-                        <a:t>Luis Pérez Olmo</a:t>
-                      </a:r>
-                    </a:p>
-                  </a:txBody>
-                  <a:tcPr anchor="ctr">
-                    <a:lnL w="12700" cap="flat" cmpd="sng" algn="ctr">
-                      <a:solidFill>
-                        <a:schemeClr val="accent1">
-                          <a:lumMod val="75000"/>
-                        </a:schemeClr>
-                      </a:solidFill>
-                      <a:prstDash val="solid"/>
-                      <a:round/>
-                      <a:headEnd type="none" w="med" len="med"/>
-                      <a:tailEnd type="none" w="med" len="med"/>
-                    </a:lnL>
-                    <a:lnR w="12700" cap="flat" cmpd="sng" algn="ctr">
-                      <a:solidFill>
-                        <a:schemeClr val="accent1">
-                          <a:lumMod val="75000"/>
-                        </a:schemeClr>
-                      </a:solidFill>
-                      <a:prstDash val="solid"/>
-                      <a:round/>
-                      <a:headEnd type="none" w="med" len="med"/>
-                      <a:tailEnd type="none" w="med" len="med"/>
-                    </a:lnR>
-                    <a:lnT w="12700" cap="flat" cmpd="sng" algn="ctr">
-                      <a:solidFill>
-                        <a:schemeClr val="accent1">
-                          <a:lumMod val="75000"/>
-                        </a:schemeClr>
-                      </a:solidFill>
-                      <a:prstDash val="solid"/>
-                      <a:round/>
-                      <a:headEnd type="none" w="med" len="med"/>
-                      <a:tailEnd type="none" w="med" len="med"/>
-                    </a:lnT>
-                    <a:lnB w="12700" cap="flat" cmpd="sng" algn="ctr">
-                      <a:solidFill>
-                        <a:schemeClr val="accent1">
-                          <a:lumMod val="75000"/>
-                        </a:schemeClr>
-                      </a:solidFill>
-                      <a:prstDash val="solid"/>
-                      <a:round/>
-                      <a:headEnd type="none" w="med" len="med"/>
-                      <a:tailEnd type="none" w="med" len="med"/>
-                    </a:lnB>
-                    <a:noFill/>
-                  </a:tcPr>
-                </a:tc>
-                <a:extLst>
-                  <a:ext uri="{0D108BD9-81ED-4DB2-BD59-A6C34878D82A}">
-                    <a16:rowId xmlns:a16="http://schemas.microsoft.com/office/drawing/2014/main" val="1441484300"/>
-                  </a:ext>
-                </a:extLst>
-              </a:tr>
-            </a:tbl>
-          </a:graphicData>
-        </a:graphic>
-      </p:graphicFrame>
-    </p:spTree>
-    <p:extLst>
-      <p:ext uri="{BB962C8B-B14F-4D97-AF65-F5344CB8AC3E}">
-        <p14:creationId xmlns:p14="http://schemas.microsoft.com/office/powerpoint/2010/main" val="479236911"/>
       </p:ext>
     </p:extLst>
   </p:cSld>
